--- a/Machine Learning in Medical Imaging.pptx
+++ b/Machine Learning in Medical Imaging.pptx
@@ -112,6 +112,22 @@
       </a:defRPr>
     </a:lvl9pPr>
   </p:defaultTextStyle>
+  <p:extLst>
+    <p:ext uri="{EFAFB233-063F-42B5-8137-9DF3F51BA10A}">
+      <p15:sldGuideLst xmlns:p15="http://schemas.microsoft.com/office/powerpoint/2012/main">
+        <p15:guide id="1" orient="horz" pos="2160">
+          <p15:clr>
+            <a:srgbClr val="A4A3A4"/>
+          </p15:clr>
+        </p15:guide>
+        <p15:guide id="2" pos="2880">
+          <p15:clr>
+            <a:srgbClr val="A4A3A4"/>
+          </p15:clr>
+        </p15:guide>
+      </p15:sldGuideLst>
+    </p:ext>
+  </p:extLst>
 </p:presentation>
 </file>
 
@@ -297,7 +313,7 @@
             <a:fld id="{1D8BD707-D9CF-40AE-B4C6-C98DA3205C09}" type="datetimeFigureOut">
               <a:rPr lang="en-US" smtClean="0"/>
               <a:pPr/>
-              <a:t>2018-06-15</a:t>
+              <a:t>6/16/2018</a:t>
             </a:fld>
             <a:endParaRPr lang="en-US"/>
           </a:p>
@@ -464,7 +480,7 @@
             <a:fld id="{1D8BD707-D9CF-40AE-B4C6-C98DA3205C09}" type="datetimeFigureOut">
               <a:rPr lang="en-US" smtClean="0"/>
               <a:pPr/>
-              <a:t>2018-06-15</a:t>
+              <a:t>6/16/2018</a:t>
             </a:fld>
             <a:endParaRPr lang="en-US"/>
           </a:p>
@@ -641,7 +657,7 @@
             <a:fld id="{1D8BD707-D9CF-40AE-B4C6-C98DA3205C09}" type="datetimeFigureOut">
               <a:rPr lang="en-US" smtClean="0"/>
               <a:pPr/>
-              <a:t>2018-06-15</a:t>
+              <a:t>6/16/2018</a:t>
             </a:fld>
             <a:endParaRPr lang="en-US"/>
           </a:p>
@@ -808,7 +824,7 @@
             <a:fld id="{1D8BD707-D9CF-40AE-B4C6-C98DA3205C09}" type="datetimeFigureOut">
               <a:rPr lang="en-US" smtClean="0"/>
               <a:pPr/>
-              <a:t>2018-06-15</a:t>
+              <a:t>6/16/2018</a:t>
             </a:fld>
             <a:endParaRPr lang="en-US"/>
           </a:p>
@@ -1051,7 +1067,7 @@
             <a:fld id="{1D8BD707-D9CF-40AE-B4C6-C98DA3205C09}" type="datetimeFigureOut">
               <a:rPr lang="en-US" smtClean="0"/>
               <a:pPr/>
-              <a:t>2018-06-15</a:t>
+              <a:t>6/16/2018</a:t>
             </a:fld>
             <a:endParaRPr lang="en-US"/>
           </a:p>
@@ -1336,7 +1352,7 @@
             <a:fld id="{1D8BD707-D9CF-40AE-B4C6-C98DA3205C09}" type="datetimeFigureOut">
               <a:rPr lang="en-US" smtClean="0"/>
               <a:pPr/>
-              <a:t>2018-06-15</a:t>
+              <a:t>6/16/2018</a:t>
             </a:fld>
             <a:endParaRPr lang="en-US"/>
           </a:p>
@@ -1755,7 +1771,7 @@
             <a:fld id="{1D8BD707-D9CF-40AE-B4C6-C98DA3205C09}" type="datetimeFigureOut">
               <a:rPr lang="en-US" smtClean="0"/>
               <a:pPr/>
-              <a:t>2018-06-15</a:t>
+              <a:t>6/16/2018</a:t>
             </a:fld>
             <a:endParaRPr lang="en-US"/>
           </a:p>
@@ -1870,7 +1886,7 @@
             <a:fld id="{1D8BD707-D9CF-40AE-B4C6-C98DA3205C09}" type="datetimeFigureOut">
               <a:rPr lang="en-US" smtClean="0"/>
               <a:pPr/>
-              <a:t>2018-06-15</a:t>
+              <a:t>6/16/2018</a:t>
             </a:fld>
             <a:endParaRPr lang="en-US"/>
           </a:p>
@@ -1962,7 +1978,7 @@
             <a:fld id="{1D8BD707-D9CF-40AE-B4C6-C98DA3205C09}" type="datetimeFigureOut">
               <a:rPr lang="en-US" smtClean="0"/>
               <a:pPr/>
-              <a:t>2018-06-15</a:t>
+              <a:t>6/16/2018</a:t>
             </a:fld>
             <a:endParaRPr lang="en-US"/>
           </a:p>
@@ -2236,7 +2252,7 @@
             <a:fld id="{1D8BD707-D9CF-40AE-B4C6-C98DA3205C09}" type="datetimeFigureOut">
               <a:rPr lang="en-US" smtClean="0"/>
               <a:pPr/>
-              <a:t>2018-06-15</a:t>
+              <a:t>6/16/2018</a:t>
             </a:fld>
             <a:endParaRPr lang="en-US"/>
           </a:p>
@@ -2486,7 +2502,7 @@
             <a:fld id="{1D8BD707-D9CF-40AE-B4C6-C98DA3205C09}" type="datetimeFigureOut">
               <a:rPr lang="en-US" smtClean="0"/>
               <a:pPr/>
-              <a:t>2018-06-15</a:t>
+              <a:t>6/16/2018</a:t>
             </a:fld>
             <a:endParaRPr lang="en-US"/>
           </a:p>
@@ -2696,7 +2712,7 @@
             <a:fld id="{1D8BD707-D9CF-40AE-B4C6-C98DA3205C09}" type="datetimeFigureOut">
               <a:rPr lang="en-US" smtClean="0"/>
               <a:pPr/>
-              <a:t>2018-06-15</a:t>
+              <a:t>6/16/2018</a:t>
             </a:fld>
             <a:endParaRPr lang="en-US"/>
           </a:p>
@@ -3796,129 +3812,7 @@
   <p:timing>
     <p:tnLst>
       <p:par>
-        <p:cTn id="1" dur="indefinite" restart="never" nodeType="tmRoot">
-          <p:childTnLst>
-            <p:seq concurrent="1" nextAc="seek">
-              <p:cTn id="2" dur="indefinite" nodeType="mainSeq">
-                <p:childTnLst>
-                  <p:par>
-                    <p:cTn id="3" fill="hold">
-                      <p:stCondLst>
-                        <p:cond delay="indefinite"/>
-                      </p:stCondLst>
-                      <p:childTnLst>
-                        <p:par>
-                          <p:cTn id="4" fill="hold">
-                            <p:stCondLst>
-                              <p:cond delay="0"/>
-                            </p:stCondLst>
-                            <p:childTnLst>
-                              <p:par>
-                                <p:cTn id="5" presetID="42" presetClass="entr" presetSubtype="0" fill="hold" nodeType="clickEffect">
-                                  <p:stCondLst>
-                                    <p:cond delay="0"/>
-                                  </p:stCondLst>
-                                  <p:childTnLst>
-                                    <p:set>
-                                      <p:cBhvr>
-                                        <p:cTn id="6" dur="1" fill="hold">
-                                          <p:stCondLst>
-                                            <p:cond delay="0"/>
-                                          </p:stCondLst>
-                                        </p:cTn>
-                                        <p:tgtEl>
-                                          <p:spTgt spid="1026"/>
-                                        </p:tgtEl>
-                                        <p:attrNameLst>
-                                          <p:attrName>style.visibility</p:attrName>
-                                        </p:attrNameLst>
-                                      </p:cBhvr>
-                                      <p:to>
-                                        <p:strVal val="visible"/>
-                                      </p:to>
-                                    </p:set>
-                                    <p:animEffect transition="in" filter="fade">
-                                      <p:cBhvr>
-                                        <p:cTn id="7" dur="500"/>
-                                        <p:tgtEl>
-                                          <p:spTgt spid="1026"/>
-                                        </p:tgtEl>
-                                      </p:cBhvr>
-                                    </p:animEffect>
-                                    <p:anim calcmode="lin" valueType="num">
-                                      <p:cBhvr>
-                                        <p:cTn id="8" dur="500" fill="hold"/>
-                                        <p:tgtEl>
-                                          <p:spTgt spid="1026"/>
-                                        </p:tgtEl>
-                                        <p:attrNameLst>
-                                          <p:attrName>ppt_x</p:attrName>
-                                        </p:attrNameLst>
-                                      </p:cBhvr>
-                                      <p:tavLst>
-                                        <p:tav tm="0">
-                                          <p:val>
-                                            <p:strVal val="#ppt_x"/>
-                                          </p:val>
-                                        </p:tav>
-                                        <p:tav tm="100000">
-                                          <p:val>
-                                            <p:strVal val="#ppt_x"/>
-                                          </p:val>
-                                        </p:tav>
-                                      </p:tavLst>
-                                    </p:anim>
-                                    <p:anim calcmode="lin" valueType="num">
-                                      <p:cBhvr>
-                                        <p:cTn id="9" dur="500" fill="hold"/>
-                                        <p:tgtEl>
-                                          <p:spTgt spid="1026"/>
-                                        </p:tgtEl>
-                                        <p:attrNameLst>
-                                          <p:attrName>ppt_y</p:attrName>
-                                        </p:attrNameLst>
-                                      </p:cBhvr>
-                                      <p:tavLst>
-                                        <p:tav tm="0">
-                                          <p:val>
-                                            <p:strVal val="#ppt_y+.1"/>
-                                          </p:val>
-                                        </p:tav>
-                                        <p:tav tm="100000">
-                                          <p:val>
-                                            <p:strVal val="#ppt_y"/>
-                                          </p:val>
-                                        </p:tav>
-                                      </p:tavLst>
-                                    </p:anim>
-                                  </p:childTnLst>
-                                </p:cTn>
-                              </p:par>
-                            </p:childTnLst>
-                          </p:cTn>
-                        </p:par>
-                      </p:childTnLst>
-                    </p:cTn>
-                  </p:par>
-                </p:childTnLst>
-              </p:cTn>
-              <p:prevCondLst>
-                <p:cond evt="onPrev" delay="0">
-                  <p:tgtEl>
-                    <p:sldTgt/>
-                  </p:tgtEl>
-                </p:cond>
-              </p:prevCondLst>
-              <p:nextCondLst>
-                <p:cond evt="onNext" delay="0">
-                  <p:tgtEl>
-                    <p:sldTgt/>
-                  </p:tgtEl>
-                </p:cond>
-              </p:nextCondLst>
-            </p:seq>
-          </p:childTnLst>
-        </p:cTn>
+        <p:cTn id="1" dur="indefinite" restart="never" nodeType="tmRoot"/>
       </p:par>
     </p:tnLst>
   </p:timing>
@@ -4578,7 +4472,11 @@
           <a:p>
             <a:r>
               <a:rPr lang="en-US" dirty="0" smtClean="0"/>
-              <a:t>Convolutional Neural Work</a:t>
+              <a:t>Convolutional Neural </a:t>
+            </a:r>
+            <a:r>
+              <a:rPr lang="en-US" dirty="0" smtClean="0"/>
+              <a:t>Network</a:t>
             </a:r>
             <a:endParaRPr lang="en-US" dirty="0"/>
           </a:p>
@@ -4596,10 +4494,82 @@
         </p:nvSpPr>
         <p:spPr/>
         <p:txBody>
-          <a:bodyPr/>
-          <a:lstStyle/>
-          <a:p>
+          <a:bodyPr>
+            <a:normAutofit lnSpcReduction="10000"/>
+          </a:bodyPr>
+          <a:lstStyle/>
+          <a:p>
+            <a:r>
+              <a:rPr lang="en-US" dirty="0" smtClean="0"/>
+              <a:t>A class of deep, feed-forward neural network</a:t>
+            </a:r>
+          </a:p>
+          <a:p>
+            <a:r>
+              <a:rPr lang="en-US" dirty="0" smtClean="0"/>
+              <a:t>Consists of multiple layers of “neurons”</a:t>
+            </a:r>
+          </a:p>
+          <a:p>
+            <a:pPr lvl="1"/>
+            <a:r>
+              <a:rPr lang="en-US" dirty="0" smtClean="0"/>
+              <a:t>Input layer</a:t>
+            </a:r>
+          </a:p>
+          <a:p>
+            <a:pPr lvl="1"/>
+            <a:r>
+              <a:rPr lang="en-US" dirty="0" smtClean="0"/>
+              <a:t>Hidden layers</a:t>
+            </a:r>
+          </a:p>
+          <a:p>
+            <a:pPr lvl="2"/>
+            <a:r>
+              <a:rPr lang="en-US" dirty="0" smtClean="0"/>
+              <a:t>Convolutional layer</a:t>
+            </a:r>
+          </a:p>
+          <a:p>
+            <a:pPr lvl="2"/>
+            <a:r>
+              <a:rPr lang="en-US" dirty="0" smtClean="0"/>
+              <a:t>Activation layer</a:t>
+            </a:r>
+          </a:p>
+          <a:p>
+            <a:pPr lvl="2"/>
+            <a:r>
+              <a:rPr lang="en-US" dirty="0" smtClean="0"/>
+              <a:t>Pooling layer</a:t>
+            </a:r>
+          </a:p>
+          <a:p>
+            <a:pPr lvl="2"/>
+            <a:r>
+              <a:rPr lang="en-US" dirty="0" smtClean="0"/>
+              <a:t>Fully connected layer</a:t>
+            </a:r>
+          </a:p>
+          <a:p>
+            <a:pPr lvl="2"/>
+            <a:r>
+              <a:rPr lang="en-US" dirty="0" smtClean="0"/>
+              <a:t>Loss layer</a:t>
+            </a:r>
             <a:endParaRPr lang="en-US" dirty="0"/>
+          </a:p>
+          <a:p>
+            <a:pPr lvl="1"/>
+            <a:r>
+              <a:rPr lang="en-US" dirty="0" smtClean="0"/>
+              <a:t>Output layer</a:t>
+            </a:r>
+          </a:p>
+          <a:p>
+            <a:pPr lvl="1"/>
+            <a:endParaRPr lang="en-US" dirty="0" smtClean="0"/>
           </a:p>
         </p:txBody>
       </p:sp>

--- a/Machine Learning in Medical Imaging.pptx
+++ b/Machine Learning in Medical Imaging.pptx
@@ -13,7 +13,14 @@
     <p:sldId id="262" r:id="rId7"/>
     <p:sldId id="263" r:id="rId8"/>
     <p:sldId id="264" r:id="rId9"/>
-    <p:sldId id="258" r:id="rId10"/>
+    <p:sldId id="269" r:id="rId10"/>
+    <p:sldId id="265" r:id="rId11"/>
+    <p:sldId id="266" r:id="rId12"/>
+    <p:sldId id="267" r:id="rId13"/>
+    <p:sldId id="268" r:id="rId14"/>
+    <p:sldId id="270" r:id="rId15"/>
+    <p:sldId id="271" r:id="rId16"/>
+    <p:sldId id="258" r:id="rId17"/>
   </p:sldIdLst>
   <p:sldSz cx="9144000" cy="6858000" type="screen4x3"/>
   <p:notesSz cx="6858000" cy="9144000"/>
@@ -129,6 +136,18 @@
     </p:ext>
   </p:extLst>
 </p:presentation>
+</file>
+
+<file path=ppt/commentAuthors.xml><?xml version="1.0" encoding="utf-8"?>
+<p:cmAuthorLst xmlns:a="http://schemas.openxmlformats.org/drawingml/2006/main" xmlns:r="http://schemas.openxmlformats.org/officeDocument/2006/relationships" xmlns:p="http://schemas.openxmlformats.org/presentationml/2006/main">
+  <p:cmAuthor id="1" name="GEW130 PAF" initials="GP" lastIdx="1" clrIdx="0">
+    <p:extLst>
+      <p:ext uri="{19B8F6BF-5375-455C-9EA6-DF929625EA0E}">
+        <p15:presenceInfo xmlns:p15="http://schemas.microsoft.com/office/powerpoint/2012/main" userId="GEW130 PAF" providerId="None"/>
+      </p:ext>
+    </p:extLst>
+  </p:cmAuthor>
+</p:cmAuthorLst>
 </file>
 
 <file path=ppt/slideLayouts/slideLayout1.xml><?xml version="1.0" encoding="utf-8"?>
@@ -3234,6 +3253,1474 @@
 </p:sld>
 </file>
 
+<file path=ppt/slides/slide10.xml><?xml version="1.0" encoding="utf-8"?>
+<p:sld xmlns:a="http://schemas.openxmlformats.org/drawingml/2006/main" xmlns:r="http://schemas.openxmlformats.org/officeDocument/2006/relationships" xmlns:p="http://schemas.openxmlformats.org/presentationml/2006/main">
+  <p:cSld>
+    <p:spTree>
+      <p:nvGrpSpPr>
+        <p:cNvPr id="1" name=""/>
+        <p:cNvGrpSpPr/>
+        <p:nvPr/>
+      </p:nvGrpSpPr>
+      <p:grpSpPr>
+        <a:xfrm>
+          <a:off x="0" y="0"/>
+          <a:ext cx="0" cy="0"/>
+          <a:chOff x="0" y="0"/>
+          <a:chExt cx="0" cy="0"/>
+        </a:xfrm>
+      </p:grpSpPr>
+      <p:sp>
+        <p:nvSpPr>
+          <p:cNvPr id="2" name="Title 1"/>
+          <p:cNvSpPr>
+            <a:spLocks noGrp="1"/>
+          </p:cNvSpPr>
+          <p:nvPr>
+            <p:ph type="title"/>
+          </p:nvPr>
+        </p:nvSpPr>
+        <p:spPr/>
+        <p:txBody>
+          <a:bodyPr>
+            <a:normAutofit/>
+          </a:bodyPr>
+          <a:lstStyle/>
+          <a:p>
+            <a:r>
+              <a:rPr lang="en-US" dirty="0" smtClean="0"/>
+              <a:t>CNN Architecture </a:t>
+            </a:r>
+            <a:endParaRPr lang="en-US" dirty="0"/>
+          </a:p>
+        </p:txBody>
+      </p:sp>
+      <p:sp>
+        <p:nvSpPr>
+          <p:cNvPr id="3" name="Content Placeholder 2"/>
+          <p:cNvSpPr>
+            <a:spLocks noGrp="1"/>
+          </p:cNvSpPr>
+          <p:nvPr>
+            <p:ph idx="1"/>
+          </p:nvPr>
+        </p:nvSpPr>
+        <p:spPr>
+          <a:xfrm>
+            <a:off x="457200" y="1295400"/>
+            <a:ext cx="8229600" cy="4525963"/>
+          </a:xfrm>
+        </p:spPr>
+        <p:txBody>
+          <a:bodyPr>
+            <a:normAutofit/>
+          </a:bodyPr>
+          <a:lstStyle/>
+          <a:p>
+            <a:r>
+              <a:rPr lang="en-US" sz="2800" dirty="0" smtClean="0"/>
+              <a:t>Convolutional layer</a:t>
+            </a:r>
+          </a:p>
+          <a:p>
+            <a:pPr lvl="1"/>
+            <a:r>
+              <a:rPr lang="en-US" sz="2000" dirty="0" smtClean="0"/>
+              <a:t>Slide a filter (of smaller width and height but the same depth as the input) of weights across the input matrix to produce a feature map.</a:t>
+            </a:r>
+          </a:p>
+          <a:p>
+            <a:pPr lvl="1"/>
+            <a:r>
+              <a:rPr lang="en-US" sz="2000" dirty="0" smtClean="0"/>
+              <a:t>Use different filters on the same input to obtain a set of feature maps (depth equals the number of filters used) to be the output.</a:t>
+            </a:r>
+            <a:endParaRPr lang="en-US" sz="2000" dirty="0" smtClean="0"/>
+          </a:p>
+          <a:p>
+            <a:pPr lvl="1"/>
+            <a:r>
+              <a:rPr lang="en-US" sz="2000" dirty="0" smtClean="0"/>
+              <a:t>Convolution here is a mathematical operation that takes the dot product of the filter and a small chunk of the input of the same size.</a:t>
+            </a:r>
+            <a:endParaRPr lang="en-US" sz="2000" dirty="0" smtClean="0"/>
+          </a:p>
+        </p:txBody>
+      </p:sp>
+      <p:sp>
+        <p:nvSpPr>
+          <p:cNvPr id="6" name="TextBox 5"/>
+          <p:cNvSpPr txBox="1"/>
+          <p:nvPr/>
+        </p:nvSpPr>
+        <p:spPr>
+          <a:xfrm>
+            <a:off x="1752600" y="6324600"/>
+            <a:ext cx="5943600" cy="230832"/>
+          </a:xfrm>
+          <a:prstGeom prst="rect">
+            <a:avLst/>
+          </a:prstGeom>
+          <a:noFill/>
+        </p:spPr>
+        <p:txBody>
+          <a:bodyPr wrap="square" rtlCol="0">
+            <a:spAutoFit/>
+          </a:bodyPr>
+          <a:lstStyle/>
+          <a:p>
+            <a:r>
+              <a:rPr lang="en-US" sz="900" dirty="0"/>
+              <a:t>Image source: </a:t>
+            </a:r>
+            <a:r>
+              <a:rPr lang="en-US" sz="900" dirty="0"/>
+              <a:t>https://cambridgespark.com/content/tutorials/convolutional-neural-networks-with-keras/index.html</a:t>
+            </a:r>
+            <a:endParaRPr lang="en-US" sz="900" dirty="0"/>
+          </a:p>
+        </p:txBody>
+      </p:sp>
+      <p:pic>
+        <p:nvPicPr>
+          <p:cNvPr id="1026" name="Picture 2" descr="Image result for convolutional layer"/>
+          <p:cNvPicPr>
+            <a:picLocks noChangeAspect="1" noChangeArrowheads="1"/>
+          </p:cNvPicPr>
+          <p:nvPr/>
+        </p:nvPicPr>
+        <p:blipFill>
+          <a:blip r:embed="rId2">
+            <a:extLst>
+              <a:ext uri="{28A0092B-C50C-407E-A947-70E740481C1C}">
+                <a14:useLocalDpi xmlns:a14="http://schemas.microsoft.com/office/drawing/2010/main" val="0"/>
+              </a:ext>
+            </a:extLst>
+          </a:blip>
+          <a:srcRect/>
+          <a:stretch>
+            <a:fillRect/>
+          </a:stretch>
+        </p:blipFill>
+        <p:spPr bwMode="auto">
+          <a:xfrm>
+            <a:off x="2325694" y="4038600"/>
+            <a:ext cx="4492612" cy="2114524"/>
+          </a:xfrm>
+          <a:prstGeom prst="rect">
+            <a:avLst/>
+          </a:prstGeom>
+          <a:noFill/>
+          <a:extLst>
+            <a:ext uri="{909E8E84-426E-40DD-AFC4-6F175D3DCCD1}">
+              <a14:hiddenFill xmlns:a14="http://schemas.microsoft.com/office/drawing/2010/main">
+                <a:solidFill>
+                  <a:srgbClr val="FFFFFF"/>
+                </a:solidFill>
+              </a14:hiddenFill>
+            </a:ext>
+          </a:extLst>
+        </p:spPr>
+      </p:pic>
+    </p:spTree>
+    <p:extLst>
+      <p:ext uri="{BB962C8B-B14F-4D97-AF65-F5344CB8AC3E}">
+        <p14:creationId xmlns:p14="http://schemas.microsoft.com/office/powerpoint/2010/main" val="3072864673"/>
+      </p:ext>
+    </p:extLst>
+  </p:cSld>
+  <p:clrMapOvr>
+    <a:masterClrMapping/>
+  </p:clrMapOvr>
+  <p:timing>
+    <p:tnLst>
+      <p:par>
+        <p:cTn id="1" dur="indefinite" restart="never" nodeType="tmRoot"/>
+      </p:par>
+    </p:tnLst>
+  </p:timing>
+</p:sld>
+</file>
+
+<file path=ppt/slides/slide11.xml><?xml version="1.0" encoding="utf-8"?>
+<p:sld xmlns:a="http://schemas.openxmlformats.org/drawingml/2006/main" xmlns:r="http://schemas.openxmlformats.org/officeDocument/2006/relationships" xmlns:p="http://schemas.openxmlformats.org/presentationml/2006/main">
+  <p:cSld>
+    <p:spTree>
+      <p:nvGrpSpPr>
+        <p:cNvPr id="1" name=""/>
+        <p:cNvGrpSpPr/>
+        <p:nvPr/>
+      </p:nvGrpSpPr>
+      <p:grpSpPr>
+        <a:xfrm>
+          <a:off x="0" y="0"/>
+          <a:ext cx="0" cy="0"/>
+          <a:chOff x="0" y="0"/>
+          <a:chExt cx="0" cy="0"/>
+        </a:xfrm>
+      </p:grpSpPr>
+      <p:sp>
+        <p:nvSpPr>
+          <p:cNvPr id="2" name="Title 1"/>
+          <p:cNvSpPr>
+            <a:spLocks noGrp="1"/>
+          </p:cNvSpPr>
+          <p:nvPr>
+            <p:ph type="title"/>
+          </p:nvPr>
+        </p:nvSpPr>
+        <p:spPr/>
+        <p:txBody>
+          <a:bodyPr>
+            <a:normAutofit/>
+          </a:bodyPr>
+          <a:lstStyle/>
+          <a:p>
+            <a:r>
+              <a:rPr lang="en-US" dirty="0"/>
+              <a:t>CNN Architecture </a:t>
+            </a:r>
+            <a:endParaRPr lang="en-US" dirty="0"/>
+          </a:p>
+        </p:txBody>
+      </p:sp>
+      <p:sp>
+        <p:nvSpPr>
+          <p:cNvPr id="3" name="Content Placeholder 2"/>
+          <p:cNvSpPr>
+            <a:spLocks noGrp="1"/>
+          </p:cNvSpPr>
+          <p:nvPr>
+            <p:ph idx="1"/>
+          </p:nvPr>
+        </p:nvSpPr>
+        <p:spPr>
+          <a:xfrm>
+            <a:off x="457200" y="1295400"/>
+            <a:ext cx="8229600" cy="4525963"/>
+          </a:xfrm>
+        </p:spPr>
+        <p:txBody>
+          <a:bodyPr>
+            <a:normAutofit/>
+          </a:bodyPr>
+          <a:lstStyle/>
+          <a:p>
+            <a:r>
+              <a:rPr lang="en-US" dirty="0" smtClean="0"/>
+              <a:t>Activation layer</a:t>
+            </a:r>
+          </a:p>
+          <a:p>
+            <a:pPr lvl="1"/>
+            <a:r>
+              <a:rPr lang="en-US" dirty="0" smtClean="0"/>
+              <a:t>Introduce non-linearity to the output.</a:t>
+            </a:r>
+          </a:p>
+          <a:p>
+            <a:pPr lvl="1"/>
+            <a:r>
+              <a:rPr lang="en-US" dirty="0" smtClean="0"/>
+              <a:t>Decides if a “neuron” should fire (“1”) or not (“0”)</a:t>
+            </a:r>
+          </a:p>
+          <a:p>
+            <a:pPr lvl="1"/>
+            <a:r>
+              <a:rPr lang="en-US" dirty="0" smtClean="0"/>
+              <a:t>Different types of activation functions:</a:t>
+            </a:r>
+          </a:p>
+          <a:p>
+            <a:pPr lvl="2"/>
+            <a:r>
+              <a:rPr lang="en-US" dirty="0" smtClean="0"/>
+              <a:t>ReLU — f(x) = max(0, x)</a:t>
+            </a:r>
+          </a:p>
+          <a:p>
+            <a:pPr lvl="2"/>
+            <a:r>
+              <a:rPr lang="en-US" dirty="0" smtClean="0"/>
+              <a:t>Sigmoid — f(x) = 1/(1+e</a:t>
+            </a:r>
+            <a:r>
+              <a:rPr lang="en-US" baseline="30000" dirty="0" smtClean="0"/>
+              <a:t>-x</a:t>
+            </a:r>
+            <a:r>
+              <a:rPr lang="en-US" dirty="0" smtClean="0"/>
+              <a:t>)</a:t>
+            </a:r>
+          </a:p>
+        </p:txBody>
+      </p:sp>
+      <p:sp>
+        <p:nvSpPr>
+          <p:cNvPr id="6" name="TextBox 5"/>
+          <p:cNvSpPr txBox="1"/>
+          <p:nvPr/>
+        </p:nvSpPr>
+        <p:spPr>
+          <a:xfrm>
+            <a:off x="1884485" y="6477000"/>
+            <a:ext cx="5943600" cy="230832"/>
+          </a:xfrm>
+          <a:prstGeom prst="rect">
+            <a:avLst/>
+          </a:prstGeom>
+          <a:noFill/>
+        </p:spPr>
+        <p:txBody>
+          <a:bodyPr wrap="square" rtlCol="0">
+            <a:spAutoFit/>
+          </a:bodyPr>
+          <a:lstStyle/>
+          <a:p>
+            <a:r>
+              <a:rPr lang="en-US" sz="900" dirty="0"/>
+              <a:t>Image source: </a:t>
+            </a:r>
+            <a:r>
+              <a:rPr lang="en-US" sz="900" dirty="0"/>
+              <a:t>https://towardsdatascience.com/activation-functions-neural-networks-1cbd9f8d91d6</a:t>
+            </a:r>
+            <a:endParaRPr lang="en-US" sz="900" dirty="0"/>
+          </a:p>
+        </p:txBody>
+      </p:sp>
+      <p:pic>
+        <p:nvPicPr>
+          <p:cNvPr id="2060" name="Picture 12" descr="Image result for ReLU activation"/>
+          <p:cNvPicPr>
+            <a:picLocks noChangeAspect="1" noChangeArrowheads="1"/>
+          </p:cNvPicPr>
+          <p:nvPr/>
+        </p:nvPicPr>
+        <p:blipFill rotWithShape="1">
+          <a:blip r:embed="rId2">
+            <a:extLst>
+              <a:ext uri="{28A0092B-C50C-407E-A947-70E740481C1C}">
+                <a14:useLocalDpi xmlns:a14="http://schemas.microsoft.com/office/drawing/2010/main" val="0"/>
+              </a:ext>
+            </a:extLst>
+          </a:blip>
+          <a:srcRect t="719" r="48302" b="86"/>
+          <a:stretch/>
+        </p:blipFill>
+        <p:spPr bwMode="auto">
+          <a:xfrm>
+            <a:off x="5128930" y="4343400"/>
+            <a:ext cx="2567270" cy="1981200"/>
+          </a:xfrm>
+          <a:prstGeom prst="rect">
+            <a:avLst/>
+          </a:prstGeom>
+          <a:noFill/>
+          <a:extLst>
+            <a:ext uri="{909E8E84-426E-40DD-AFC4-6F175D3DCCD1}">
+              <a14:hiddenFill xmlns:a14="http://schemas.microsoft.com/office/drawing/2010/main">
+                <a:solidFill>
+                  <a:srgbClr val="FFFFFF"/>
+                </a:solidFill>
+              </a14:hiddenFill>
+            </a:ext>
+          </a:extLst>
+        </p:spPr>
+      </p:pic>
+      <p:pic>
+        <p:nvPicPr>
+          <p:cNvPr id="2062" name="Picture 14" descr="Image result for ReLU activation"/>
+          <p:cNvPicPr>
+            <a:picLocks noChangeAspect="1" noChangeArrowheads="1"/>
+          </p:cNvPicPr>
+          <p:nvPr/>
+        </p:nvPicPr>
+        <p:blipFill rotWithShape="1">
+          <a:blip r:embed="rId2">
+            <a:extLst>
+              <a:ext uri="{28A0092B-C50C-407E-A947-70E740481C1C}">
+                <a14:useLocalDpi xmlns:a14="http://schemas.microsoft.com/office/drawing/2010/main" val="0"/>
+              </a:ext>
+            </a:extLst>
+          </a:blip>
+          <a:srcRect l="50728" t="464"/>
+          <a:stretch/>
+        </p:blipFill>
+        <p:spPr bwMode="auto">
+          <a:xfrm>
+            <a:off x="1828800" y="4343400"/>
+            <a:ext cx="2438400" cy="1981200"/>
+          </a:xfrm>
+          <a:prstGeom prst="rect">
+            <a:avLst/>
+          </a:prstGeom>
+          <a:noFill/>
+          <a:extLst>
+            <a:ext uri="{909E8E84-426E-40DD-AFC4-6F175D3DCCD1}">
+              <a14:hiddenFill xmlns:a14="http://schemas.microsoft.com/office/drawing/2010/main">
+                <a:solidFill>
+                  <a:srgbClr val="FFFFFF"/>
+                </a:solidFill>
+              </a14:hiddenFill>
+            </a:ext>
+          </a:extLst>
+        </p:spPr>
+      </p:pic>
+    </p:spTree>
+    <p:extLst>
+      <p:ext uri="{BB962C8B-B14F-4D97-AF65-F5344CB8AC3E}">
+        <p14:creationId xmlns:p14="http://schemas.microsoft.com/office/powerpoint/2010/main" val="330752569"/>
+      </p:ext>
+    </p:extLst>
+  </p:cSld>
+  <p:clrMapOvr>
+    <a:masterClrMapping/>
+  </p:clrMapOvr>
+  <p:timing>
+    <p:tnLst>
+      <p:par>
+        <p:cTn id="1" dur="indefinite" restart="never" nodeType="tmRoot"/>
+      </p:par>
+    </p:tnLst>
+  </p:timing>
+</p:sld>
+</file>
+
+<file path=ppt/slides/slide12.xml><?xml version="1.0" encoding="utf-8"?>
+<p:sld xmlns:a="http://schemas.openxmlformats.org/drawingml/2006/main" xmlns:r="http://schemas.openxmlformats.org/officeDocument/2006/relationships" xmlns:p="http://schemas.openxmlformats.org/presentationml/2006/main">
+  <p:cSld>
+    <p:spTree>
+      <p:nvGrpSpPr>
+        <p:cNvPr id="1" name=""/>
+        <p:cNvGrpSpPr/>
+        <p:nvPr/>
+      </p:nvGrpSpPr>
+      <p:grpSpPr>
+        <a:xfrm>
+          <a:off x="0" y="0"/>
+          <a:ext cx="0" cy="0"/>
+          <a:chOff x="0" y="0"/>
+          <a:chExt cx="0" cy="0"/>
+        </a:xfrm>
+      </p:grpSpPr>
+      <p:sp>
+        <p:nvSpPr>
+          <p:cNvPr id="2" name="Title 1"/>
+          <p:cNvSpPr>
+            <a:spLocks noGrp="1"/>
+          </p:cNvSpPr>
+          <p:nvPr>
+            <p:ph type="title"/>
+          </p:nvPr>
+        </p:nvSpPr>
+        <p:spPr/>
+        <p:txBody>
+          <a:bodyPr>
+            <a:normAutofit/>
+          </a:bodyPr>
+          <a:lstStyle/>
+          <a:p>
+            <a:r>
+              <a:rPr lang="en-US" dirty="0"/>
+              <a:t>CNN Architecture </a:t>
+            </a:r>
+            <a:endParaRPr lang="en-US" dirty="0"/>
+          </a:p>
+        </p:txBody>
+      </p:sp>
+      <p:sp>
+        <p:nvSpPr>
+          <p:cNvPr id="3" name="Content Placeholder 2"/>
+          <p:cNvSpPr>
+            <a:spLocks noGrp="1"/>
+          </p:cNvSpPr>
+          <p:nvPr>
+            <p:ph idx="1"/>
+          </p:nvPr>
+        </p:nvSpPr>
+        <p:spPr>
+          <a:xfrm>
+            <a:off x="457200" y="1295400"/>
+            <a:ext cx="8229600" cy="4525963"/>
+          </a:xfrm>
+        </p:spPr>
+        <p:txBody>
+          <a:bodyPr>
+            <a:normAutofit/>
+          </a:bodyPr>
+          <a:lstStyle/>
+          <a:p>
+            <a:r>
+              <a:rPr lang="en-US" sz="2800" dirty="0" smtClean="0"/>
+              <a:t>Pooling layer</a:t>
+            </a:r>
+          </a:p>
+          <a:p>
+            <a:pPr lvl="1"/>
+            <a:r>
+              <a:rPr lang="en-US" sz="2400" dirty="0" smtClean="0"/>
+              <a:t>Non-linear down-sampling as</a:t>
+            </a:r>
+            <a:r>
+              <a:rPr lang="en-US" sz="2400" dirty="0" smtClean="0"/>
+              <a:t> a way to combat overfitting</a:t>
+            </a:r>
+          </a:p>
+          <a:p>
+            <a:pPr lvl="1"/>
+            <a:r>
+              <a:rPr lang="en-US" sz="2400" dirty="0" smtClean="0"/>
+              <a:t>Partition the image to non-overlapping regions and use one value to represent the entire region.</a:t>
+            </a:r>
+          </a:p>
+          <a:p>
+            <a:pPr lvl="1"/>
+            <a:r>
+              <a:rPr lang="en-US" sz="2400" dirty="0" smtClean="0"/>
+              <a:t>Common methods</a:t>
+            </a:r>
+          </a:p>
+          <a:p>
+            <a:pPr lvl="2"/>
+            <a:r>
+              <a:rPr lang="en-US" sz="2000" dirty="0" smtClean="0"/>
+              <a:t>Max pooling: use the maximum value of the region.</a:t>
+            </a:r>
+          </a:p>
+          <a:p>
+            <a:pPr lvl="2"/>
+            <a:r>
+              <a:rPr lang="en-US" sz="2000" dirty="0" smtClean="0"/>
+              <a:t>Global average pooling: use the average value of the region.</a:t>
+            </a:r>
+          </a:p>
+        </p:txBody>
+      </p:sp>
+      <p:pic>
+        <p:nvPicPr>
+          <p:cNvPr id="3074" name="Picture 2" descr="Image result for pooling in CNN"/>
+          <p:cNvPicPr>
+            <a:picLocks noChangeAspect="1" noChangeArrowheads="1"/>
+          </p:cNvPicPr>
+          <p:nvPr/>
+        </p:nvPicPr>
+        <p:blipFill>
+          <a:blip r:embed="rId2">
+            <a:extLst>
+              <a:ext uri="{28A0092B-C50C-407E-A947-70E740481C1C}">
+                <a14:useLocalDpi xmlns:a14="http://schemas.microsoft.com/office/drawing/2010/main" val="0"/>
+              </a:ext>
+            </a:extLst>
+          </a:blip>
+          <a:srcRect/>
+          <a:stretch>
+            <a:fillRect/>
+          </a:stretch>
+        </p:blipFill>
+        <p:spPr bwMode="auto">
+          <a:xfrm>
+            <a:off x="2286000" y="4343400"/>
+            <a:ext cx="4419600" cy="1678818"/>
+          </a:xfrm>
+          <a:prstGeom prst="rect">
+            <a:avLst/>
+          </a:prstGeom>
+          <a:noFill/>
+          <a:extLst>
+            <a:ext uri="{909E8E84-426E-40DD-AFC4-6F175D3DCCD1}">
+              <a14:hiddenFill xmlns:a14="http://schemas.microsoft.com/office/drawing/2010/main">
+                <a:solidFill>
+                  <a:srgbClr val="FFFFFF"/>
+                </a:solidFill>
+              </a14:hiddenFill>
+            </a:ext>
+          </a:extLst>
+        </p:spPr>
+      </p:pic>
+      <p:sp>
+        <p:nvSpPr>
+          <p:cNvPr id="8" name="TextBox 7"/>
+          <p:cNvSpPr txBox="1"/>
+          <p:nvPr/>
+        </p:nvSpPr>
+        <p:spPr>
+          <a:xfrm>
+            <a:off x="2971800" y="6477000"/>
+            <a:ext cx="4191000" cy="230832"/>
+          </a:xfrm>
+          <a:prstGeom prst="rect">
+            <a:avLst/>
+          </a:prstGeom>
+          <a:noFill/>
+        </p:spPr>
+        <p:txBody>
+          <a:bodyPr wrap="square" rtlCol="0">
+            <a:spAutoFit/>
+          </a:bodyPr>
+          <a:lstStyle/>
+          <a:p>
+            <a:r>
+              <a:rPr lang="en-US" sz="900" dirty="0" smtClean="0"/>
+              <a:t>Image source: https</a:t>
+            </a:r>
+            <a:r>
+              <a:rPr lang="en-US" sz="900" dirty="0"/>
+              <a:t>://computersciencewiki.org/index.php/Max-pooling_/_Pooling</a:t>
+            </a:r>
+            <a:endParaRPr lang="en-US" sz="900" dirty="0"/>
+          </a:p>
+        </p:txBody>
+      </p:sp>
+    </p:spTree>
+    <p:extLst>
+      <p:ext uri="{BB962C8B-B14F-4D97-AF65-F5344CB8AC3E}">
+        <p14:creationId xmlns:p14="http://schemas.microsoft.com/office/powerpoint/2010/main" val="1376579312"/>
+      </p:ext>
+    </p:extLst>
+  </p:cSld>
+  <p:clrMapOvr>
+    <a:masterClrMapping/>
+  </p:clrMapOvr>
+  <p:timing>
+    <p:tnLst>
+      <p:par>
+        <p:cTn id="1" dur="indefinite" restart="never" nodeType="tmRoot"/>
+      </p:par>
+    </p:tnLst>
+  </p:timing>
+</p:sld>
+</file>
+
+<file path=ppt/slides/slide13.xml><?xml version="1.0" encoding="utf-8"?>
+<p:sld xmlns:a="http://schemas.openxmlformats.org/drawingml/2006/main" xmlns:r="http://schemas.openxmlformats.org/officeDocument/2006/relationships" xmlns:p="http://schemas.openxmlformats.org/presentationml/2006/main">
+  <p:cSld>
+    <p:spTree>
+      <p:nvGrpSpPr>
+        <p:cNvPr id="1" name=""/>
+        <p:cNvGrpSpPr/>
+        <p:nvPr/>
+      </p:nvGrpSpPr>
+      <p:grpSpPr>
+        <a:xfrm>
+          <a:off x="0" y="0"/>
+          <a:ext cx="0" cy="0"/>
+          <a:chOff x="0" y="0"/>
+          <a:chExt cx="0" cy="0"/>
+        </a:xfrm>
+      </p:grpSpPr>
+      <p:sp>
+        <p:nvSpPr>
+          <p:cNvPr id="2" name="Title 1"/>
+          <p:cNvSpPr>
+            <a:spLocks noGrp="1"/>
+          </p:cNvSpPr>
+          <p:nvPr>
+            <p:ph type="title"/>
+          </p:nvPr>
+        </p:nvSpPr>
+        <p:spPr/>
+        <p:txBody>
+          <a:bodyPr>
+            <a:normAutofit/>
+          </a:bodyPr>
+          <a:lstStyle/>
+          <a:p>
+            <a:r>
+              <a:rPr lang="en-US" dirty="0"/>
+              <a:t>CNN Architecture </a:t>
+            </a:r>
+            <a:endParaRPr lang="en-US" dirty="0"/>
+          </a:p>
+        </p:txBody>
+      </p:sp>
+      <p:sp>
+        <p:nvSpPr>
+          <p:cNvPr id="3" name="Content Placeholder 2"/>
+          <p:cNvSpPr>
+            <a:spLocks noGrp="1"/>
+          </p:cNvSpPr>
+          <p:nvPr>
+            <p:ph idx="1"/>
+          </p:nvPr>
+        </p:nvSpPr>
+        <p:spPr>
+          <a:xfrm>
+            <a:off x="457200" y="1295400"/>
+            <a:ext cx="8229600" cy="4525963"/>
+          </a:xfrm>
+        </p:spPr>
+        <p:txBody>
+          <a:bodyPr>
+            <a:normAutofit/>
+          </a:bodyPr>
+          <a:lstStyle/>
+          <a:p>
+            <a:r>
+              <a:rPr lang="en-US" dirty="0" smtClean="0"/>
+              <a:t>Fully connected layer</a:t>
+            </a:r>
+          </a:p>
+          <a:p>
+            <a:pPr lvl="1"/>
+            <a:r>
+              <a:rPr lang="en-US" dirty="0" smtClean="0"/>
+              <a:t>“Neurons” in this layer have access to all activations in the previous layer. </a:t>
+            </a:r>
+            <a:endParaRPr lang="en-US" dirty="0" smtClean="0"/>
+          </a:p>
+          <a:p>
+            <a:pPr lvl="1"/>
+            <a:r>
+              <a:rPr lang="en-US" dirty="0" smtClean="0"/>
+              <a:t>High level reasoning that gives a final output usually at the end of CNN for loss computation.</a:t>
+            </a:r>
+          </a:p>
+        </p:txBody>
+      </p:sp>
+      <p:sp>
+        <p:nvSpPr>
+          <p:cNvPr id="8" name="TextBox 7"/>
+          <p:cNvSpPr txBox="1"/>
+          <p:nvPr/>
+        </p:nvSpPr>
+        <p:spPr>
+          <a:xfrm>
+            <a:off x="2133600" y="6477000"/>
+            <a:ext cx="5562600" cy="230832"/>
+          </a:xfrm>
+          <a:prstGeom prst="rect">
+            <a:avLst/>
+          </a:prstGeom>
+          <a:noFill/>
+        </p:spPr>
+        <p:txBody>
+          <a:bodyPr wrap="square" rtlCol="0">
+            <a:spAutoFit/>
+          </a:bodyPr>
+          <a:lstStyle/>
+          <a:p>
+            <a:r>
+              <a:rPr lang="en-US" sz="900" dirty="0" smtClean="0"/>
+              <a:t>Image source: https</a:t>
+            </a:r>
+            <a:r>
+              <a:rPr lang="en-US" sz="900" dirty="0"/>
+              <a:t>://qph.fs.quoracdn.net/main-qimg-cc30aa65a662315c3c22e405722c4109.webp</a:t>
+            </a:r>
+            <a:endParaRPr lang="en-US" sz="900" dirty="0"/>
+          </a:p>
+        </p:txBody>
+      </p:sp>
+      <p:pic>
+        <p:nvPicPr>
+          <p:cNvPr id="4098" name="Picture 2" descr="Image result for fully connected layer explained"/>
+          <p:cNvPicPr>
+            <a:picLocks noChangeAspect="1" noChangeArrowheads="1"/>
+          </p:cNvPicPr>
+          <p:nvPr/>
+        </p:nvPicPr>
+        <p:blipFill>
+          <a:blip r:embed="rId2">
+            <a:extLst>
+              <a:ext uri="{28A0092B-C50C-407E-A947-70E740481C1C}">
+                <a14:useLocalDpi xmlns:a14="http://schemas.microsoft.com/office/drawing/2010/main" val="0"/>
+              </a:ext>
+            </a:extLst>
+          </a:blip>
+          <a:srcRect/>
+          <a:stretch>
+            <a:fillRect/>
+          </a:stretch>
+        </p:blipFill>
+        <p:spPr bwMode="auto">
+          <a:xfrm>
+            <a:off x="2386012" y="3962400"/>
+            <a:ext cx="4371975" cy="2247901"/>
+          </a:xfrm>
+          <a:prstGeom prst="rect">
+            <a:avLst/>
+          </a:prstGeom>
+          <a:noFill/>
+          <a:extLst>
+            <a:ext uri="{909E8E84-426E-40DD-AFC4-6F175D3DCCD1}">
+              <a14:hiddenFill xmlns:a14="http://schemas.microsoft.com/office/drawing/2010/main">
+                <a:solidFill>
+                  <a:srgbClr val="FFFFFF"/>
+                </a:solidFill>
+              </a14:hiddenFill>
+            </a:ext>
+          </a:extLst>
+        </p:spPr>
+      </p:pic>
+    </p:spTree>
+    <p:extLst>
+      <p:ext uri="{BB962C8B-B14F-4D97-AF65-F5344CB8AC3E}">
+        <p14:creationId xmlns:p14="http://schemas.microsoft.com/office/powerpoint/2010/main" val="3397806219"/>
+      </p:ext>
+    </p:extLst>
+  </p:cSld>
+  <p:clrMapOvr>
+    <a:masterClrMapping/>
+  </p:clrMapOvr>
+  <p:timing>
+    <p:tnLst>
+      <p:par>
+        <p:cTn id="1" dur="indefinite" restart="never" nodeType="tmRoot"/>
+      </p:par>
+    </p:tnLst>
+  </p:timing>
+</p:sld>
+</file>
+
+<file path=ppt/slides/slide14.xml><?xml version="1.0" encoding="utf-8"?>
+<p:sld xmlns:a="http://schemas.openxmlformats.org/drawingml/2006/main" xmlns:r="http://schemas.openxmlformats.org/officeDocument/2006/relationships" xmlns:p="http://schemas.openxmlformats.org/presentationml/2006/main">
+  <p:cSld>
+    <p:spTree>
+      <p:nvGrpSpPr>
+        <p:cNvPr id="1" name=""/>
+        <p:cNvGrpSpPr/>
+        <p:nvPr/>
+      </p:nvGrpSpPr>
+      <p:grpSpPr>
+        <a:xfrm>
+          <a:off x="0" y="0"/>
+          <a:ext cx="0" cy="0"/>
+          <a:chOff x="0" y="0"/>
+          <a:chExt cx="0" cy="0"/>
+        </a:xfrm>
+      </p:grpSpPr>
+      <p:sp>
+        <p:nvSpPr>
+          <p:cNvPr id="2" name="Title 1"/>
+          <p:cNvSpPr>
+            <a:spLocks noGrp="1"/>
+          </p:cNvSpPr>
+          <p:nvPr>
+            <p:ph type="title"/>
+          </p:nvPr>
+        </p:nvSpPr>
+        <p:spPr/>
+        <p:txBody>
+          <a:bodyPr>
+            <a:normAutofit/>
+          </a:bodyPr>
+          <a:lstStyle/>
+          <a:p>
+            <a:r>
+              <a:rPr lang="en-US" dirty="0"/>
+              <a:t>CNN Architecture </a:t>
+            </a:r>
+            <a:endParaRPr lang="en-US" dirty="0"/>
+          </a:p>
+        </p:txBody>
+      </p:sp>
+      <p:sp>
+        <p:nvSpPr>
+          <p:cNvPr id="3" name="Content Placeholder 2"/>
+          <p:cNvSpPr>
+            <a:spLocks noGrp="1"/>
+          </p:cNvSpPr>
+          <p:nvPr>
+            <p:ph idx="1"/>
+          </p:nvPr>
+        </p:nvSpPr>
+        <p:spPr>
+          <a:xfrm>
+            <a:off x="381000" y="1112837"/>
+            <a:ext cx="8382000" cy="4525963"/>
+          </a:xfrm>
+        </p:spPr>
+        <p:txBody>
+          <a:bodyPr>
+            <a:normAutofit lnSpcReduction="10000"/>
+          </a:bodyPr>
+          <a:lstStyle/>
+          <a:p>
+            <a:r>
+              <a:rPr lang="en-US" sz="2800" dirty="0" smtClean="0"/>
+              <a:t>Loss layer</a:t>
+            </a:r>
+          </a:p>
+          <a:p>
+            <a:pPr lvl="1"/>
+            <a:r>
+              <a:rPr lang="en-US" sz="2400" dirty="0" smtClean="0"/>
+              <a:t>Loss is described by a function that penalizes the deviation between predictions and true labels.</a:t>
+            </a:r>
+          </a:p>
+          <a:p>
+            <a:pPr lvl="2"/>
+            <a:r>
+              <a:rPr lang="en-US" sz="2000" dirty="0" smtClean="0"/>
+              <a:t>Common loss functions:</a:t>
+            </a:r>
+          </a:p>
+          <a:p>
+            <a:pPr lvl="3"/>
+            <a:r>
+              <a:rPr lang="en-US" dirty="0" smtClean="0"/>
+              <a:t>L2 loss: L</a:t>
+            </a:r>
+            <a:r>
+              <a:rPr lang="en-US" baseline="-25000" dirty="0" smtClean="0"/>
+              <a:t>i</a:t>
+            </a:r>
+            <a:r>
+              <a:rPr lang="en-US" dirty="0" smtClean="0"/>
+              <a:t> = 1/2(y</a:t>
+            </a:r>
+            <a:r>
+              <a:rPr lang="en-US" baseline="-25000" dirty="0" smtClean="0"/>
+              <a:t>i</a:t>
+            </a:r>
+            <a:r>
+              <a:rPr lang="en-US" dirty="0" smtClean="0"/>
+              <a:t> – y)</a:t>
+            </a:r>
+            <a:r>
+              <a:rPr lang="en-US" baseline="30000" dirty="0" smtClean="0"/>
+              <a:t>2</a:t>
+            </a:r>
+          </a:p>
+          <a:p>
+            <a:pPr lvl="3"/>
+            <a:r>
+              <a:rPr lang="en-US" dirty="0" smtClean="0"/>
+              <a:t>Cross entropy loss: L</a:t>
+            </a:r>
+            <a:r>
+              <a:rPr lang="en-US" baseline="-25000" dirty="0" smtClean="0"/>
+              <a:t>i</a:t>
+            </a:r>
+            <a:r>
+              <a:rPr lang="en-US" dirty="0" smtClean="0"/>
+              <a:t> = -log(P</a:t>
+            </a:r>
+            <a:r>
+              <a:rPr lang="en-US" baseline="-25000" dirty="0" smtClean="0"/>
+              <a:t>i</a:t>
+            </a:r>
+            <a:r>
+              <a:rPr lang="en-US" dirty="0" smtClean="0"/>
+              <a:t>)</a:t>
+            </a:r>
+          </a:p>
+          <a:p>
+            <a:pPr lvl="1"/>
+            <a:r>
+              <a:rPr lang="en-US" sz="2400" dirty="0" smtClean="0"/>
+              <a:t>Uses the gradients of the loss to optimize the weights in each layer to obtain the lowest loss.</a:t>
+            </a:r>
+            <a:endParaRPr lang="en-US" sz="2400" dirty="0"/>
+          </a:p>
+          <a:p>
+            <a:pPr lvl="2"/>
+            <a:r>
+              <a:rPr lang="en-US" sz="2000" dirty="0" smtClean="0"/>
+              <a:t>Gradient is the partial derivative of the loss with respect to each individual weight. </a:t>
+            </a:r>
+          </a:p>
+          <a:p>
+            <a:pPr lvl="2"/>
+            <a:r>
+              <a:rPr lang="en-US" sz="2000" dirty="0" smtClean="0"/>
+              <a:t>Update weights in the negative direction of the gradient.</a:t>
+            </a:r>
+            <a:r>
+              <a:rPr lang="en-US" sz="2000" dirty="0"/>
+              <a:t> </a:t>
+            </a:r>
+            <a:endParaRPr lang="en-US" sz="2000" dirty="0" smtClean="0"/>
+          </a:p>
+          <a:p>
+            <a:pPr lvl="2"/>
+            <a:r>
+              <a:rPr lang="en-US" sz="2000" dirty="0" smtClean="0"/>
+              <a:t>Gradients calculated through backpropagation using the chain rule.</a:t>
+            </a:r>
+          </a:p>
+        </p:txBody>
+      </p:sp>
+      <p:pic>
+        <p:nvPicPr>
+          <p:cNvPr id="9" name="Picture 8" descr="Screen Clipping"/>
+          <p:cNvPicPr>
+            <a:picLocks noChangeAspect="1"/>
+          </p:cNvPicPr>
+          <p:nvPr/>
+        </p:nvPicPr>
+        <p:blipFill>
+          <a:blip r:embed="rId2">
+            <a:extLst>
+              <a:ext uri="{28A0092B-C50C-407E-A947-70E740481C1C}">
+                <a14:useLocalDpi xmlns:a14="http://schemas.microsoft.com/office/drawing/2010/main" val="0"/>
+              </a:ext>
+            </a:extLst>
+          </a:blip>
+          <a:stretch>
+            <a:fillRect/>
+          </a:stretch>
+        </p:blipFill>
+        <p:spPr>
+          <a:xfrm>
+            <a:off x="2676260" y="5257800"/>
+            <a:ext cx="3791479" cy="1057423"/>
+          </a:xfrm>
+          <a:prstGeom prst="rect">
+            <a:avLst/>
+          </a:prstGeom>
+        </p:spPr>
+      </p:pic>
+    </p:spTree>
+    <p:extLst>
+      <p:ext uri="{BB962C8B-B14F-4D97-AF65-F5344CB8AC3E}">
+        <p14:creationId xmlns:p14="http://schemas.microsoft.com/office/powerpoint/2010/main" val="554579766"/>
+      </p:ext>
+    </p:extLst>
+  </p:cSld>
+  <p:clrMapOvr>
+    <a:masterClrMapping/>
+  </p:clrMapOvr>
+  <p:timing>
+    <p:tnLst>
+      <p:par>
+        <p:cTn id="1" dur="indefinite" restart="never" nodeType="tmRoot"/>
+      </p:par>
+    </p:tnLst>
+  </p:timing>
+</p:sld>
+</file>
+
+<file path=ppt/slides/slide15.xml><?xml version="1.0" encoding="utf-8"?>
+<p:sld xmlns:a="http://schemas.openxmlformats.org/drawingml/2006/main" xmlns:r="http://schemas.openxmlformats.org/officeDocument/2006/relationships" xmlns:p="http://schemas.openxmlformats.org/presentationml/2006/main">
+  <p:cSld>
+    <p:spTree>
+      <p:nvGrpSpPr>
+        <p:cNvPr id="1" name=""/>
+        <p:cNvGrpSpPr/>
+        <p:nvPr/>
+      </p:nvGrpSpPr>
+      <p:grpSpPr>
+        <a:xfrm>
+          <a:off x="0" y="0"/>
+          <a:ext cx="0" cy="0"/>
+          <a:chOff x="0" y="0"/>
+          <a:chExt cx="0" cy="0"/>
+        </a:xfrm>
+      </p:grpSpPr>
+      <p:sp>
+        <p:nvSpPr>
+          <p:cNvPr id="2" name="Title 1"/>
+          <p:cNvSpPr>
+            <a:spLocks noGrp="1"/>
+          </p:cNvSpPr>
+          <p:nvPr>
+            <p:ph type="title"/>
+          </p:nvPr>
+        </p:nvSpPr>
+        <p:spPr/>
+        <p:txBody>
+          <a:bodyPr>
+            <a:normAutofit/>
+          </a:bodyPr>
+          <a:lstStyle/>
+          <a:p>
+            <a:r>
+              <a:rPr lang="en-US" dirty="0" smtClean="0"/>
+              <a:t>Why important</a:t>
+            </a:r>
+            <a:endParaRPr lang="en-US" dirty="0"/>
+          </a:p>
+        </p:txBody>
+      </p:sp>
+      <p:sp>
+        <p:nvSpPr>
+          <p:cNvPr id="3" name="Content Placeholder 2"/>
+          <p:cNvSpPr>
+            <a:spLocks noGrp="1"/>
+          </p:cNvSpPr>
+          <p:nvPr>
+            <p:ph idx="1"/>
+          </p:nvPr>
+        </p:nvSpPr>
+        <p:spPr>
+          <a:xfrm>
+            <a:off x="381000" y="1112837"/>
+            <a:ext cx="8382000" cy="4525963"/>
+          </a:xfrm>
+        </p:spPr>
+        <p:txBody>
+          <a:bodyPr>
+            <a:normAutofit/>
+          </a:bodyPr>
+          <a:lstStyle/>
+          <a:p>
+            <a:endParaRPr lang="en-US" sz="2000" dirty="0" smtClean="0"/>
+          </a:p>
+        </p:txBody>
+      </p:sp>
+    </p:spTree>
+    <p:extLst>
+      <p:ext uri="{BB962C8B-B14F-4D97-AF65-F5344CB8AC3E}">
+        <p14:creationId xmlns:p14="http://schemas.microsoft.com/office/powerpoint/2010/main" val="3156476455"/>
+      </p:ext>
+    </p:extLst>
+  </p:cSld>
+  <p:clrMapOvr>
+    <a:masterClrMapping/>
+  </p:clrMapOvr>
+  <p:timing>
+    <p:tnLst>
+      <p:par>
+        <p:cTn id="1" dur="indefinite" restart="never" nodeType="tmRoot"/>
+      </p:par>
+    </p:tnLst>
+  </p:timing>
+</p:sld>
+</file>
+
+<file path=ppt/slides/slide16.xml><?xml version="1.0" encoding="utf-8"?>
+<p:sld xmlns:a="http://schemas.openxmlformats.org/drawingml/2006/main" xmlns:r="http://schemas.openxmlformats.org/officeDocument/2006/relationships" xmlns:p="http://schemas.openxmlformats.org/presentationml/2006/main">
+  <p:cSld>
+    <p:spTree>
+      <p:nvGrpSpPr>
+        <p:cNvPr id="1" name=""/>
+        <p:cNvGrpSpPr/>
+        <p:nvPr/>
+      </p:nvGrpSpPr>
+      <p:grpSpPr>
+        <a:xfrm>
+          <a:off x="0" y="0"/>
+          <a:ext cx="0" cy="0"/>
+          <a:chOff x="0" y="0"/>
+          <a:chExt cx="0" cy="0"/>
+        </a:xfrm>
+      </p:grpSpPr>
+      <p:sp>
+        <p:nvSpPr>
+          <p:cNvPr id="2" name="Title 1"/>
+          <p:cNvSpPr>
+            <a:spLocks noGrp="1"/>
+          </p:cNvSpPr>
+          <p:nvPr>
+            <p:ph type="title"/>
+          </p:nvPr>
+        </p:nvSpPr>
+        <p:spPr>
+          <a:xfrm>
+            <a:off x="457200" y="152400"/>
+            <a:ext cx="8229600" cy="1143000"/>
+          </a:xfrm>
+        </p:spPr>
+        <p:txBody>
+          <a:bodyPr/>
+          <a:lstStyle/>
+          <a:p>
+            <a:r>
+              <a:rPr lang="en-US" dirty="0" smtClean="0"/>
+              <a:t>References</a:t>
+            </a:r>
+            <a:endParaRPr lang="en-US" dirty="0"/>
+          </a:p>
+        </p:txBody>
+      </p:sp>
+      <p:sp>
+        <p:nvSpPr>
+          <p:cNvPr id="3" name="Content Placeholder 2"/>
+          <p:cNvSpPr>
+            <a:spLocks noGrp="1"/>
+          </p:cNvSpPr>
+          <p:nvPr>
+            <p:ph idx="1"/>
+          </p:nvPr>
+        </p:nvSpPr>
+        <p:spPr>
+          <a:xfrm>
+            <a:off x="457200" y="1219200"/>
+            <a:ext cx="8229600" cy="4525963"/>
+          </a:xfrm>
+        </p:spPr>
+        <p:txBody>
+          <a:bodyPr>
+            <a:normAutofit/>
+          </a:bodyPr>
+          <a:lstStyle/>
+          <a:p>
+            <a:pPr>
+              <a:buFont typeface="+mj-lt"/>
+              <a:buAutoNum type="arabicPeriod"/>
+            </a:pPr>
+            <a:r>
+              <a:rPr lang="en-CA" sz="1200" dirty="0" smtClean="0"/>
+              <a:t>Samuel AL. 1959. Some </a:t>
+            </a:r>
+            <a:r>
+              <a:rPr lang="en-CA" sz="1200" dirty="0"/>
+              <a:t>Studies in Machine Learning Using the Game of </a:t>
+            </a:r>
+            <a:r>
+              <a:rPr lang="en-CA" sz="1200" dirty="0" smtClean="0"/>
+              <a:t>Checkers</a:t>
+            </a:r>
+            <a:r>
+              <a:rPr lang="en-CA" sz="1200" dirty="0"/>
+              <a:t>.</a:t>
+            </a:r>
+            <a:r>
+              <a:rPr lang="en-CA" sz="1200" dirty="0" smtClean="0"/>
+              <a:t> </a:t>
+            </a:r>
+            <a:r>
+              <a:rPr lang="en-CA" sz="1200" dirty="0"/>
+              <a:t>IBM Journal of Research and </a:t>
+            </a:r>
+            <a:r>
+              <a:rPr lang="en-CA" sz="1200" dirty="0" smtClean="0"/>
+              <a:t>Development. 3(3): 210.</a:t>
+            </a:r>
+          </a:p>
+          <a:p>
+            <a:pPr>
+              <a:buFont typeface="+mj-lt"/>
+              <a:buAutoNum type="arabicPeriod"/>
+            </a:pPr>
+            <a:r>
+              <a:rPr lang="en-CA" sz="1200" dirty="0" smtClean="0"/>
+              <a:t>Mitchell T. 1997. Machine Learning. McGraw Hill. p. 2. </a:t>
+            </a:r>
+          </a:p>
+          <a:p>
+            <a:pPr>
+              <a:buFont typeface="+mj-lt"/>
+              <a:buAutoNum type="arabicPeriod"/>
+            </a:pPr>
+            <a:r>
+              <a:rPr lang="en-US" sz="1200" dirty="0" smtClean="0"/>
+              <a:t>Turing </a:t>
+            </a:r>
+            <a:r>
+              <a:rPr lang="en-US" sz="1200" dirty="0"/>
+              <a:t>AM. 1950. Computing Machinery and Intelligence. Mind. 59(236): 446-447</a:t>
+            </a:r>
+            <a:r>
+              <a:rPr lang="en-US" sz="1200" dirty="0" smtClean="0"/>
+              <a:t>.</a:t>
+            </a:r>
+            <a:endParaRPr lang="en-US" sz="1200" dirty="0" smtClean="0"/>
+          </a:p>
+          <a:p>
+            <a:pPr>
+              <a:buFont typeface="+mj-lt"/>
+              <a:buAutoNum type="arabicPeriod"/>
+            </a:pPr>
+            <a:r>
+              <a:rPr lang="en-US" sz="1200" dirty="0" smtClean="0"/>
+              <a:t>McCarthy </a:t>
+            </a:r>
+            <a:r>
+              <a:rPr lang="en-US" sz="1200" dirty="0" smtClean="0"/>
+              <a:t>J,  Feigenbaum E.  Arthur </a:t>
+            </a:r>
+            <a:r>
+              <a:rPr lang="en-US" sz="1200" dirty="0"/>
+              <a:t>Samuel: Pioneer in Machine </a:t>
+            </a:r>
+            <a:r>
+              <a:rPr lang="en-US" sz="1200" dirty="0" smtClean="0"/>
+              <a:t>Learning. </a:t>
+            </a:r>
+            <a:r>
+              <a:rPr lang="en-US" sz="1200" dirty="0"/>
+              <a:t>AI </a:t>
+            </a:r>
+            <a:r>
+              <a:rPr lang="en-US" sz="1200" dirty="0" smtClean="0"/>
+              <a:t>Magazine. 11(3): 10</a:t>
+            </a:r>
+            <a:r>
+              <a:rPr lang="en-US" sz="1200" dirty="0"/>
+              <a:t>. </a:t>
+            </a:r>
+            <a:endParaRPr lang="en-US" sz="1200" dirty="0" smtClean="0"/>
+          </a:p>
+          <a:p>
+            <a:pPr>
+              <a:buFont typeface="+mj-lt"/>
+              <a:buAutoNum type="arabicPeriod"/>
+            </a:pPr>
+            <a:r>
+              <a:rPr lang="en-US" sz="1200" dirty="0" smtClean="0"/>
+              <a:t>Rosenblatt F. 1958. The </a:t>
+            </a:r>
+            <a:r>
+              <a:rPr lang="en-US" sz="1200" dirty="0"/>
+              <a:t>perceptron: A probabilistic model for information storage and organization in the </a:t>
+            </a:r>
+            <a:r>
+              <a:rPr lang="en-US" sz="1200" dirty="0" smtClean="0"/>
+              <a:t>brain. Psychological </a:t>
+            </a:r>
+            <a:r>
+              <a:rPr lang="en-US" sz="1200" dirty="0"/>
+              <a:t>Review. 65 (6): 386–408</a:t>
+            </a:r>
+            <a:r>
+              <a:rPr lang="en-US" sz="1200" dirty="0" smtClean="0"/>
+              <a:t>.</a:t>
+            </a:r>
+          </a:p>
+          <a:p>
+            <a:pPr>
+              <a:buFont typeface="+mj-lt"/>
+              <a:buAutoNum type="arabicPeriod"/>
+            </a:pPr>
+            <a:r>
+              <a:rPr lang="en-US" sz="1200" dirty="0" smtClean="0"/>
+              <a:t>Rumelhart D, Hinton G, Williams R. 1986. Learning </a:t>
+            </a:r>
+            <a:r>
+              <a:rPr lang="en-US" sz="1200" dirty="0"/>
+              <a:t>representations by back-propagating </a:t>
+            </a:r>
+            <a:r>
+              <a:rPr lang="en-US" sz="1200" dirty="0" smtClean="0"/>
+              <a:t>errors. </a:t>
+            </a:r>
+            <a:r>
+              <a:rPr lang="en-US" sz="1200" dirty="0"/>
+              <a:t>Nature. 323: 533–536</a:t>
+            </a:r>
+            <a:r>
+              <a:rPr lang="en-US" sz="1200" dirty="0" smtClean="0"/>
+              <a:t>.</a:t>
+            </a:r>
+          </a:p>
+          <a:p>
+            <a:pPr>
+              <a:buFont typeface="+mj-lt"/>
+              <a:buAutoNum type="arabicPeriod"/>
+            </a:pPr>
+            <a:r>
+              <a:rPr lang="en-US" sz="1200" dirty="0" smtClean="0"/>
+              <a:t>Cortes</a:t>
+            </a:r>
+            <a:r>
+              <a:rPr lang="en-US" sz="1200" dirty="0"/>
+              <a:t>, </a:t>
+            </a:r>
+            <a:r>
+              <a:rPr lang="en-US" sz="1200" dirty="0" smtClean="0"/>
+              <a:t>C </a:t>
+            </a:r>
+            <a:r>
+              <a:rPr lang="en-US" sz="1200" dirty="0"/>
+              <a:t>Vapnik, </a:t>
+            </a:r>
+            <a:r>
+              <a:rPr lang="en-US" sz="1200" dirty="0" smtClean="0"/>
+              <a:t>V. 1995.</a:t>
+            </a:r>
+            <a:r>
+              <a:rPr lang="en-US" sz="1200" dirty="0"/>
+              <a:t> </a:t>
+            </a:r>
+            <a:r>
+              <a:rPr lang="en-US" sz="1200" dirty="0" smtClean="0"/>
+              <a:t>Support-vector networks. Machine </a:t>
+            </a:r>
+            <a:r>
+              <a:rPr lang="en-US" sz="1200" dirty="0"/>
+              <a:t>Learning. Kluwer Academic Publishers. 20 (3): 273–297</a:t>
+            </a:r>
+            <a:r>
+              <a:rPr lang="en-US" sz="1200" dirty="0" smtClean="0"/>
+              <a:t>.</a:t>
+            </a:r>
+          </a:p>
+          <a:p>
+            <a:pPr>
+              <a:buFont typeface="+mj-lt"/>
+              <a:buAutoNum type="arabicPeriod"/>
+            </a:pPr>
+            <a:r>
+              <a:rPr lang="en-US" sz="1200" dirty="0" smtClean="0"/>
+              <a:t> LeCun, Yann; Léon Bottou; Yoshua Bengio; Patrick Haffner. 1998. Gradient-based learning applied to document recognition. Proceedings of the IEEE. 86 (11): 2278–2324.</a:t>
+            </a:r>
+          </a:p>
+          <a:p>
+            <a:pPr>
+              <a:buFont typeface="+mj-lt"/>
+              <a:buAutoNum type="arabicPeriod"/>
+            </a:pPr>
+            <a:r>
+              <a:rPr lang="en-US" sz="1200" dirty="0" smtClean="0"/>
+              <a:t>Krizhevsky A, Sutskever I, Hinton </a:t>
+            </a:r>
+            <a:r>
+              <a:rPr lang="en-US" sz="1200" dirty="0"/>
+              <a:t>G. </a:t>
+            </a:r>
+            <a:r>
+              <a:rPr lang="en-US" sz="1200" dirty="0" smtClean="0"/>
+              <a:t>2012. ImageNet classification </a:t>
+            </a:r>
+            <a:r>
+              <a:rPr lang="en-US" sz="1200" dirty="0"/>
+              <a:t>with </a:t>
+            </a:r>
+            <a:r>
+              <a:rPr lang="en-US" sz="1200" dirty="0" smtClean="0"/>
+              <a:t>deep </a:t>
+            </a:r>
+            <a:r>
+              <a:rPr lang="en-US" sz="1200" dirty="0"/>
+              <a:t>c</a:t>
+            </a:r>
+            <a:r>
+              <a:rPr lang="en-US" sz="1200" dirty="0" smtClean="0"/>
+              <a:t>onvolutional neural networks. </a:t>
+            </a:r>
+            <a:r>
+              <a:rPr lang="en-US" sz="1200" dirty="0"/>
+              <a:t>Proceedings of the </a:t>
+            </a:r>
+            <a:r>
+              <a:rPr lang="en-US" sz="1200" dirty="0" smtClean="0"/>
+              <a:t>NIPS. 1: 1097–1105.</a:t>
+            </a:r>
+            <a:endParaRPr lang="en-US" sz="1200" dirty="0"/>
+          </a:p>
+          <a:p>
+            <a:pPr>
+              <a:buFont typeface="+mj-lt"/>
+              <a:buAutoNum type="arabicPeriod"/>
+            </a:pPr>
+            <a:endParaRPr lang="en-US" sz="1200" dirty="0"/>
+          </a:p>
+        </p:txBody>
+      </p:sp>
+    </p:spTree>
+    <p:extLst>
+      <p:ext uri="{BB962C8B-B14F-4D97-AF65-F5344CB8AC3E}">
+        <p14:creationId xmlns:p14="http://schemas.microsoft.com/office/powerpoint/2010/main" val="883200008"/>
+      </p:ext>
+    </p:extLst>
+  </p:cSld>
+  <p:clrMapOvr>
+    <a:masterClrMapping/>
+  </p:clrMapOvr>
+  <p:timing>
+    <p:tnLst>
+      <p:par>
+        <p:cTn id="1" dur="indefinite" restart="never" nodeType="tmRoot"/>
+      </p:par>
+    </p:tnLst>
+  </p:timing>
+</p:sld>
+</file>
+
 <file path=ppt/slides/slide2.xml><?xml version="1.0" encoding="utf-8"?>
 <p:sld xmlns:a="http://schemas.openxmlformats.org/drawingml/2006/main" xmlns:r="http://schemas.openxmlformats.org/officeDocument/2006/relationships" xmlns:p="http://schemas.openxmlformats.org/presentationml/2006/main">
   <p:cSld>
@@ -3284,20 +4771,62 @@
             <p:ph idx="1"/>
           </p:nvPr>
         </p:nvSpPr>
-        <p:spPr/>
+        <p:spPr>
+          <a:xfrm>
+            <a:off x="457200" y="1600200"/>
+            <a:ext cx="8305800" cy="4525963"/>
+          </a:xfrm>
+        </p:spPr>
         <p:txBody>
           <a:bodyPr/>
           <a:lstStyle/>
           <a:p>
             <a:r>
               <a:rPr lang="en-US" dirty="0" smtClean="0"/>
-              <a:t>Field of study that gives computers the ability to learn without being explicitly programmed. (Arthur Samuel, 1959)</a:t>
-            </a:r>
-          </a:p>
-          <a:p>
-            <a:r>
-              <a:rPr lang="en-US" dirty="0" smtClean="0"/>
-              <a:t>A computer program is said to learn from experience E with respect to some task T and some performance P, if its performance on T, as measured by P, improves with experience E. (Tom Mitchell, 1998)</a:t>
+              <a:t>Field of study that gives computers the ability to learn without being explicitly </a:t>
+            </a:r>
+            <a:r>
+              <a:rPr lang="en-US" dirty="0" smtClean="0"/>
+              <a:t>programmed.</a:t>
+            </a:r>
+            <a:r>
+              <a:rPr lang="en-US" baseline="30000" dirty="0" smtClean="0"/>
+              <a:t>1</a:t>
+            </a:r>
+            <a:r>
+              <a:rPr lang="en-US" dirty="0" smtClean="0"/>
+              <a:t> </a:t>
+            </a:r>
+            <a:r>
+              <a:rPr lang="en-US" dirty="0" smtClean="0"/>
+              <a:t>(Arthur Samuel, </a:t>
+            </a:r>
+            <a:r>
+              <a:rPr lang="en-US" dirty="0" smtClean="0"/>
+              <a:t>1959)</a:t>
+            </a:r>
+            <a:endParaRPr lang="en-US" dirty="0" smtClean="0"/>
+          </a:p>
+          <a:p>
+            <a:r>
+              <a:rPr lang="en-US" dirty="0" smtClean="0"/>
+              <a:t>A computer program is said to learn from experience E with respect to some task T and some performance P, if its performance on T, as measured by P, improves with experience </a:t>
+            </a:r>
+            <a:r>
+              <a:rPr lang="en-US" dirty="0" smtClean="0"/>
+              <a:t>E.</a:t>
+            </a:r>
+            <a:r>
+              <a:rPr lang="en-US" baseline="30000" dirty="0"/>
+              <a:t>2</a:t>
+            </a:r>
+            <a:r>
+              <a:rPr lang="en-US" dirty="0" smtClean="0"/>
+              <a:t> </a:t>
+            </a:r>
+            <a:r>
+              <a:rPr lang="en-US" dirty="0" smtClean="0"/>
+              <a:t>(Tom Mitchell, 1998)</a:t>
             </a:r>
             <a:endParaRPr lang="en-US" dirty="0"/>
           </a:p>
@@ -3423,11 +4952,15 @@
             </a:r>
             <a:r>
               <a:rPr lang="en-US" dirty="0" smtClean="0"/>
-              <a:t>for the machine’s ability to think.</a:t>
-            </a:r>
-            <a:r>
-              <a:rPr lang="en-US" baseline="30000" dirty="0" smtClean="0"/>
-              <a:t>1</a:t>
+              <a:t>for the machine’s ability to </a:t>
+            </a:r>
+            <a:r>
+              <a:rPr lang="en-US" dirty="0" smtClean="0"/>
+              <a:t>think.</a:t>
+            </a:r>
+            <a:r>
+              <a:rPr lang="en-US" baseline="30000" dirty="0"/>
+              <a:t>3</a:t>
             </a:r>
             <a:endParaRPr lang="en-US" b="1" baseline="30000" dirty="0" smtClean="0"/>
           </a:p>
@@ -3465,9 +4998,10 @@
               <a:t>1959.</a:t>
             </a:r>
             <a:r>
-              <a:rPr lang="en-US" baseline="30000" dirty="0" smtClean="0"/>
-              <a:t>2</a:t>
-            </a:r>
+              <a:rPr lang="en-US" baseline="30000" dirty="0"/>
+              <a:t>4</a:t>
+            </a:r>
+            <a:endParaRPr lang="en-US" baseline="30000" dirty="0" smtClean="0"/>
           </a:p>
           <a:p>
             <a:pPr marL="285750" indent="-285750">
@@ -3503,9 +5037,10 @@
               <a:t>networks.</a:t>
             </a:r>
             <a:r>
-              <a:rPr lang="en-US" baseline="30000" dirty="0" smtClean="0"/>
-              <a:t>3</a:t>
-            </a:r>
+              <a:rPr lang="en-US" baseline="30000" dirty="0"/>
+              <a:t>5</a:t>
+            </a:r>
+            <a:endParaRPr lang="en-US" baseline="30000" dirty="0" smtClean="0"/>
           </a:p>
           <a:p>
             <a:pPr marL="285750" indent="-285750">
@@ -3530,15 +5065,15 @@
             </a:r>
             <a:r>
               <a:rPr lang="en-US" dirty="0"/>
-              <a:t>, a core method used in deep neural networks.</a:t>
+              <a:t>, a core method used in deep neural </a:t>
+            </a:r>
+            <a:r>
+              <a:rPr lang="en-US" dirty="0" smtClean="0"/>
+              <a:t>networks.</a:t>
             </a:r>
             <a:r>
               <a:rPr lang="en-US" baseline="30000" dirty="0"/>
-              <a:t>4</a:t>
-            </a:r>
-            <a:r>
-              <a:rPr lang="en-US" dirty="0"/>
-              <a:t> </a:t>
+              <a:t>6</a:t>
             </a:r>
             <a:endParaRPr lang="en-US" dirty="0" smtClean="0"/>
           </a:p>
@@ -3584,9 +5119,10 @@
               <a:t>.</a:t>
             </a:r>
             <a:r>
-              <a:rPr lang="en-US" baseline="30000" dirty="0" smtClean="0"/>
-              <a:t>5</a:t>
-            </a:r>
+              <a:rPr lang="en-US" baseline="30000" dirty="0"/>
+              <a:t>7</a:t>
+            </a:r>
+            <a:endParaRPr lang="en-US" baseline="30000" dirty="0" smtClean="0"/>
           </a:p>
           <a:p>
             <a:pPr marL="285750" indent="-285750">
@@ -3641,16 +5177,17 @@
             </a:r>
             <a:r>
               <a:rPr lang="en-US" dirty="0" smtClean="0"/>
-              <a:t>, a pioneering convoluntional network.</a:t>
+              <a:t>, a pioneering </a:t>
+            </a:r>
+            <a:r>
+              <a:rPr lang="en-US" dirty="0" smtClean="0"/>
+              <a:t>convolutional network.</a:t>
             </a:r>
             <a:r>
               <a:rPr lang="en-US" baseline="30000" dirty="0"/>
-              <a:t>6</a:t>
-            </a:r>
-            <a:r>
-              <a:rPr lang="en-US" dirty="0" smtClean="0"/>
-              <a:t> </a:t>
-            </a:r>
+              <a:t>8</a:t>
+            </a:r>
+            <a:endParaRPr lang="en-US" dirty="0" smtClean="0"/>
           </a:p>
           <a:p>
             <a:pPr marL="285750" indent="-285750">
@@ -3733,11 +5270,15 @@
             </a:r>
             <a:r>
               <a:rPr lang="en-US" dirty="0" smtClean="0"/>
-              <a:t>) that won the ImageNet competition.</a:t>
+              <a:t>) that won the ImageNet </a:t>
+            </a:r>
+            <a:r>
+              <a:rPr lang="en-US" dirty="0" smtClean="0"/>
+              <a:t>competition.</a:t>
             </a:r>
             <a:r>
               <a:rPr lang="en-US" baseline="30000" dirty="0"/>
-              <a:t>7</a:t>
+              <a:t>9</a:t>
             </a:r>
             <a:endParaRPr lang="en-US" baseline="30000" dirty="0" smtClean="0"/>
           </a:p>
@@ -4219,7 +5760,15 @@
             <a:pPr lvl="1"/>
             <a:r>
               <a:rPr lang="en-US" dirty="0" smtClean="0"/>
-              <a:t>Only data provided with no labels</a:t>
+              <a:t>Only data </a:t>
+            </a:r>
+            <a:r>
+              <a:rPr lang="en-US" dirty="0" smtClean="0"/>
+              <a:t>provided, </a:t>
+            </a:r>
+            <a:r>
+              <a:rPr lang="en-US" dirty="0" smtClean="0"/>
+              <a:t>with no labels</a:t>
             </a:r>
           </a:p>
           <a:p>
@@ -4467,7 +6016,9 @@
         </p:nvSpPr>
         <p:spPr/>
         <p:txBody>
-          <a:bodyPr/>
+          <a:bodyPr>
+            <a:normAutofit fontScale="90000"/>
+          </a:bodyPr>
           <a:lstStyle/>
           <a:p>
             <a:r>
@@ -4476,7 +6027,7 @@
             </a:r>
             <a:r>
               <a:rPr lang="en-US" dirty="0" smtClean="0"/>
-              <a:t>Network</a:t>
+              <a:t>Network (CNN)</a:t>
             </a:r>
             <a:endParaRPr lang="en-US" dirty="0"/>
           </a:p>
@@ -4620,19 +6171,16 @@
             <p:ph type="title"/>
           </p:nvPr>
         </p:nvSpPr>
-        <p:spPr>
-          <a:xfrm>
-            <a:off x="457200" y="152400"/>
-            <a:ext cx="8229600" cy="1143000"/>
-          </a:xfrm>
-        </p:spPr>
-        <p:txBody>
-          <a:bodyPr/>
-          <a:lstStyle/>
-          <a:p>
-            <a:r>
-              <a:rPr lang="en-US" dirty="0" smtClean="0"/>
-              <a:t>References</a:t>
+        <p:spPr/>
+        <p:txBody>
+          <a:bodyPr>
+            <a:normAutofit fontScale="90000"/>
+          </a:bodyPr>
+          <a:lstStyle/>
+          <a:p>
+            <a:r>
+              <a:rPr lang="en-US" dirty="0"/>
+              <a:t>Convolutional Neural Network (CNN)</a:t>
             </a:r>
             <a:endParaRPr lang="en-US" dirty="0"/>
           </a:p>
@@ -4648,226 +6196,50 @@
             <p:ph idx="1"/>
           </p:nvPr>
         </p:nvSpPr>
-        <p:spPr>
-          <a:xfrm>
-            <a:off x="457200" y="1219200"/>
-            <a:ext cx="8229600" cy="4525963"/>
-          </a:xfrm>
-        </p:spPr>
+        <p:spPr/>
         <p:txBody>
           <a:bodyPr>
             <a:normAutofit/>
           </a:bodyPr>
           <a:lstStyle/>
           <a:p>
-            <a:pPr>
-              <a:buFont typeface="+mj-lt"/>
-              <a:buAutoNum type="arabicPeriod"/>
-            </a:pPr>
-            <a:r>
-              <a:rPr lang="en-US" sz="1200" dirty="0" smtClean="0"/>
-              <a:t>Turing AM. 1950. Computing </a:t>
-            </a:r>
-            <a:r>
-              <a:rPr lang="en-US" sz="1200" dirty="0"/>
-              <a:t>Machinery and </a:t>
-            </a:r>
-            <a:r>
-              <a:rPr lang="en-US" sz="1200" dirty="0" smtClean="0"/>
-              <a:t>Intelligence. Mind. 59(236): 446-447.</a:t>
-            </a:r>
-          </a:p>
-          <a:p>
-            <a:pPr>
-              <a:buFont typeface="+mj-lt"/>
-              <a:buAutoNum type="arabicPeriod"/>
-            </a:pPr>
-            <a:r>
-              <a:rPr lang="en-US" sz="1200" dirty="0" smtClean="0"/>
-              <a:t>McCarthy J,  Feigenbaum E.  Arthur </a:t>
-            </a:r>
-            <a:r>
-              <a:rPr lang="en-US" sz="1200" dirty="0"/>
-              <a:t>Samuel: Pioneer in Machine </a:t>
-            </a:r>
-            <a:r>
-              <a:rPr lang="en-US" sz="1200" dirty="0" smtClean="0"/>
-              <a:t>Learning. </a:t>
-            </a:r>
-            <a:r>
-              <a:rPr lang="en-US" sz="1200" dirty="0"/>
-              <a:t>AI </a:t>
-            </a:r>
-            <a:r>
-              <a:rPr lang="en-US" sz="1200" dirty="0" smtClean="0"/>
-              <a:t>Magazine. 11(3): 10</a:t>
-            </a:r>
-            <a:r>
-              <a:rPr lang="en-US" sz="1200" dirty="0"/>
-              <a:t>. </a:t>
-            </a:r>
-            <a:endParaRPr lang="en-US" sz="1200" dirty="0" smtClean="0"/>
-          </a:p>
-          <a:p>
-            <a:pPr>
-              <a:buFont typeface="+mj-lt"/>
-              <a:buAutoNum type="arabicPeriod"/>
-            </a:pPr>
-            <a:r>
-              <a:rPr lang="en-US" sz="1200" dirty="0" smtClean="0"/>
-              <a:t>Rosenblatt F. 1958. The </a:t>
-            </a:r>
-            <a:r>
-              <a:rPr lang="en-US" sz="1200" dirty="0"/>
-              <a:t>perceptron: A probabilistic model for information storage and organization in the </a:t>
-            </a:r>
-            <a:r>
-              <a:rPr lang="en-US" sz="1200" dirty="0" smtClean="0"/>
-              <a:t>brain. Psychological </a:t>
-            </a:r>
-            <a:r>
-              <a:rPr lang="en-US" sz="1200" dirty="0"/>
-              <a:t>Review. 65 (6): 386–408</a:t>
-            </a:r>
-            <a:r>
-              <a:rPr lang="en-US" sz="1200" dirty="0" smtClean="0"/>
-              <a:t>.</a:t>
-            </a:r>
-          </a:p>
-          <a:p>
-            <a:pPr>
-              <a:buFont typeface="+mj-lt"/>
-              <a:buAutoNum type="arabicPeriod"/>
-            </a:pPr>
-            <a:r>
-              <a:rPr lang="en-US" sz="1200" dirty="0" smtClean="0"/>
-              <a:t>Rumelhart D, Hinton G, Williams R. 1986. Learning </a:t>
-            </a:r>
-            <a:r>
-              <a:rPr lang="en-US" sz="1200" dirty="0"/>
-              <a:t>representations by back-propagating </a:t>
-            </a:r>
-            <a:r>
-              <a:rPr lang="en-US" sz="1200" dirty="0" smtClean="0"/>
-              <a:t>errors. </a:t>
-            </a:r>
-            <a:r>
-              <a:rPr lang="en-US" sz="1200" dirty="0"/>
-              <a:t>Nature. 323: 533–536</a:t>
-            </a:r>
-            <a:r>
-              <a:rPr lang="en-US" sz="1200" dirty="0" smtClean="0"/>
-              <a:t>.</a:t>
-            </a:r>
-          </a:p>
-          <a:p>
-            <a:pPr>
-              <a:buFont typeface="+mj-lt"/>
-              <a:buAutoNum type="arabicPeriod"/>
-            </a:pPr>
-            <a:r>
-              <a:rPr lang="en-US" sz="1200" dirty="0" smtClean="0"/>
-              <a:t>Cortes</a:t>
-            </a:r>
-            <a:r>
-              <a:rPr lang="en-US" sz="1200" dirty="0"/>
-              <a:t>, </a:t>
-            </a:r>
-            <a:r>
-              <a:rPr lang="en-US" sz="1200" dirty="0" smtClean="0"/>
-              <a:t>C </a:t>
-            </a:r>
-            <a:r>
-              <a:rPr lang="en-US" sz="1200" dirty="0"/>
-              <a:t>Vapnik, </a:t>
-            </a:r>
-            <a:r>
-              <a:rPr lang="en-US" sz="1200" dirty="0" smtClean="0"/>
-              <a:t>V. 1995.</a:t>
-            </a:r>
-            <a:r>
-              <a:rPr lang="en-US" sz="1200" dirty="0"/>
-              <a:t> </a:t>
-            </a:r>
-            <a:r>
-              <a:rPr lang="en-US" sz="1200" dirty="0" smtClean="0"/>
-              <a:t>Support-vector networks. Machine </a:t>
-            </a:r>
-            <a:r>
-              <a:rPr lang="en-US" sz="1200" dirty="0"/>
-              <a:t>Learning. Kluwer Academic Publishers. 20 (3): 273–297</a:t>
-            </a:r>
-            <a:r>
-              <a:rPr lang="en-US" sz="1200" dirty="0" smtClean="0"/>
-              <a:t>.</a:t>
-            </a:r>
-          </a:p>
-          <a:p>
-            <a:pPr>
-              <a:buFont typeface="+mj-lt"/>
-              <a:buAutoNum type="arabicPeriod"/>
-            </a:pPr>
-            <a:r>
-              <a:rPr lang="en-US" sz="1200" dirty="0" smtClean="0"/>
-              <a:t> LeCun, Yann; Léon Bottou; Yoshua Bengio; Patrick Haffner. 1998. Gradient-based learning applied to document recognition. Proceedings of the IEEE. 86 (11): 2278–2324.</a:t>
-            </a:r>
-          </a:p>
-          <a:p>
-            <a:pPr>
-              <a:buFont typeface="+mj-lt"/>
-              <a:buAutoNum type="arabicPeriod"/>
-            </a:pPr>
-            <a:r>
-              <a:rPr lang="en-US" sz="1200" dirty="0" smtClean="0"/>
-              <a:t>Krizhevsky A, Sutskever I, Hinton </a:t>
-            </a:r>
-            <a:r>
-              <a:rPr lang="en-US" sz="1200" dirty="0"/>
-              <a:t>G. </a:t>
-            </a:r>
-            <a:r>
-              <a:rPr lang="en-US" sz="1200" dirty="0" smtClean="0"/>
-              <a:t>2012. ImageNet classification </a:t>
-            </a:r>
-            <a:r>
-              <a:rPr lang="en-US" sz="1200" dirty="0"/>
-              <a:t>with </a:t>
-            </a:r>
-            <a:r>
-              <a:rPr lang="en-US" sz="1200" dirty="0" smtClean="0"/>
-              <a:t>deep </a:t>
-            </a:r>
-            <a:r>
-              <a:rPr lang="en-US" sz="1200" dirty="0"/>
-              <a:t>c</a:t>
-            </a:r>
-            <a:r>
-              <a:rPr lang="en-US" sz="1200" dirty="0" smtClean="0"/>
-              <a:t>onvolutional neural networks. </a:t>
-            </a:r>
-            <a:r>
-              <a:rPr lang="en-US" sz="1200" dirty="0"/>
-              <a:t>Proceedings of the </a:t>
-            </a:r>
-            <a:r>
-              <a:rPr lang="en-US" sz="1200" dirty="0" smtClean="0"/>
-              <a:t>NIPS. 1: 1097–1105.</a:t>
-            </a:r>
-            <a:endParaRPr lang="en-US" sz="1200" dirty="0"/>
-          </a:p>
-          <a:p>
-            <a:pPr>
-              <a:buFont typeface="+mj-lt"/>
-              <a:buAutoNum type="arabicPeriod"/>
-            </a:pPr>
-            <a:endParaRPr lang="en-US" sz="1200" dirty="0"/>
+            <a:r>
+              <a:rPr lang="en-US" dirty="0" smtClean="0"/>
+              <a:t>Most commonly used in analyzing images.</a:t>
+            </a:r>
+            <a:endParaRPr lang="en-US" dirty="0"/>
+          </a:p>
+          <a:p>
+            <a:r>
+              <a:rPr lang="en-US" dirty="0" smtClean="0"/>
+              <a:t>An image can be seen as a </a:t>
+            </a:r>
+            <a:r>
+              <a:rPr lang="en-US" dirty="0" smtClean="0"/>
+              <a:t>D*H*N </a:t>
+            </a:r>
+            <a:r>
+              <a:rPr lang="en-US" dirty="0" smtClean="0"/>
+              <a:t>matrix of pixel values with D,H being the width and height of the image and N being the number of color channels (ex. three for RGB images and one for grayscale images).</a:t>
+            </a:r>
+          </a:p>
+          <a:p>
+            <a:r>
+              <a:rPr lang="en-US" dirty="0" smtClean="0"/>
+              <a:t>CNN</a:t>
+            </a:r>
+            <a:r>
+              <a:rPr lang="en-US" dirty="0" smtClean="0"/>
+              <a:t> is essentially recognizing the visual elements and features of the image.</a:t>
+            </a:r>
+            <a:endParaRPr lang="en-US" dirty="0" smtClean="0"/>
           </a:p>
         </p:txBody>
       </p:sp>
     </p:spTree>
     <p:extLst>
       <p:ext uri="{BB962C8B-B14F-4D97-AF65-F5344CB8AC3E}">
-        <p14:creationId xmlns:p14="http://schemas.microsoft.com/office/powerpoint/2010/main" val="883200008"/>
+        <p14:creationId xmlns:p14="http://schemas.microsoft.com/office/powerpoint/2010/main" val="915195438"/>
       </p:ext>
     </p:extLst>
   </p:cSld>

--- a/Machine Learning in Medical Imaging.pptx
+++ b/Machine Learning in Medical Imaging.pptx
@@ -19,8 +19,11 @@
     <p:sldId id="267" r:id="rId13"/>
     <p:sldId id="268" r:id="rId14"/>
     <p:sldId id="270" r:id="rId15"/>
-    <p:sldId id="271" r:id="rId16"/>
-    <p:sldId id="258" r:id="rId17"/>
+    <p:sldId id="275" r:id="rId16"/>
+    <p:sldId id="272" r:id="rId17"/>
+    <p:sldId id="273" r:id="rId18"/>
+    <p:sldId id="274" r:id="rId19"/>
+    <p:sldId id="258" r:id="rId20"/>
   </p:sldIdLst>
   <p:sldSz cx="9144000" cy="6858000" type="screen4x3"/>
   <p:notesSz cx="6858000" cy="9144000"/>
@@ -121,7 +124,7 @@
   </p:defaultTextStyle>
   <p:extLst>
     <p:ext uri="{EFAFB233-063F-42B5-8137-9DF3F51BA10A}">
-      <p15:sldGuideLst xmlns:p15="http://schemas.microsoft.com/office/powerpoint/2012/main">
+      <p15:sldGuideLst xmlns:p15="http://schemas.microsoft.com/office/powerpoint/2012/main" xmlns="">
         <p15:guide id="1" orient="horz" pos="2160">
           <p15:clr>
             <a:srgbClr val="A4A3A4"/>
@@ -141,11 +144,7 @@
 <file path=ppt/commentAuthors.xml><?xml version="1.0" encoding="utf-8"?>
 <p:cmAuthorLst xmlns:a="http://schemas.openxmlformats.org/drawingml/2006/main" xmlns:r="http://schemas.openxmlformats.org/officeDocument/2006/relationships" xmlns:p="http://schemas.openxmlformats.org/presentationml/2006/main">
   <p:cmAuthor id="1" name="GEW130 PAF" initials="GP" lastIdx="1" clrIdx="0">
-    <p:extLst>
-      <p:ext uri="{19B8F6BF-5375-455C-9EA6-DF929625EA0E}">
-        <p15:presenceInfo xmlns:p15="http://schemas.microsoft.com/office/powerpoint/2012/main" userId="GEW130 PAF" providerId="None"/>
-      </p:ext>
-    </p:extLst>
+    <p:extLst/>
   </p:cmAuthor>
 </p:cmAuthorLst>
 </file>
@@ -332,7 +331,7 @@
             <a:fld id="{1D8BD707-D9CF-40AE-B4C6-C98DA3205C09}" type="datetimeFigureOut">
               <a:rPr lang="en-US" smtClean="0"/>
               <a:pPr/>
-              <a:t>6/16/2018</a:t>
+              <a:t>2018-06-18</a:t>
             </a:fld>
             <a:endParaRPr lang="en-US"/>
           </a:p>
@@ -499,7 +498,7 @@
             <a:fld id="{1D8BD707-D9CF-40AE-B4C6-C98DA3205C09}" type="datetimeFigureOut">
               <a:rPr lang="en-US" smtClean="0"/>
               <a:pPr/>
-              <a:t>6/16/2018</a:t>
+              <a:t>2018-06-18</a:t>
             </a:fld>
             <a:endParaRPr lang="en-US"/>
           </a:p>
@@ -676,7 +675,7 @@
             <a:fld id="{1D8BD707-D9CF-40AE-B4C6-C98DA3205C09}" type="datetimeFigureOut">
               <a:rPr lang="en-US" smtClean="0"/>
               <a:pPr/>
-              <a:t>6/16/2018</a:t>
+              <a:t>2018-06-18</a:t>
             </a:fld>
             <a:endParaRPr lang="en-US"/>
           </a:p>
@@ -843,7 +842,7 @@
             <a:fld id="{1D8BD707-D9CF-40AE-B4C6-C98DA3205C09}" type="datetimeFigureOut">
               <a:rPr lang="en-US" smtClean="0"/>
               <a:pPr/>
-              <a:t>6/16/2018</a:t>
+              <a:t>2018-06-18</a:t>
             </a:fld>
             <a:endParaRPr lang="en-US"/>
           </a:p>
@@ -1086,7 +1085,7 @@
             <a:fld id="{1D8BD707-D9CF-40AE-B4C6-C98DA3205C09}" type="datetimeFigureOut">
               <a:rPr lang="en-US" smtClean="0"/>
               <a:pPr/>
-              <a:t>6/16/2018</a:t>
+              <a:t>2018-06-18</a:t>
             </a:fld>
             <a:endParaRPr lang="en-US"/>
           </a:p>
@@ -1371,7 +1370,7 @@
             <a:fld id="{1D8BD707-D9CF-40AE-B4C6-C98DA3205C09}" type="datetimeFigureOut">
               <a:rPr lang="en-US" smtClean="0"/>
               <a:pPr/>
-              <a:t>6/16/2018</a:t>
+              <a:t>2018-06-18</a:t>
             </a:fld>
             <a:endParaRPr lang="en-US"/>
           </a:p>
@@ -1790,7 +1789,7 @@
             <a:fld id="{1D8BD707-D9CF-40AE-B4C6-C98DA3205C09}" type="datetimeFigureOut">
               <a:rPr lang="en-US" smtClean="0"/>
               <a:pPr/>
-              <a:t>6/16/2018</a:t>
+              <a:t>2018-06-18</a:t>
             </a:fld>
             <a:endParaRPr lang="en-US"/>
           </a:p>
@@ -1905,7 +1904,7 @@
             <a:fld id="{1D8BD707-D9CF-40AE-B4C6-C98DA3205C09}" type="datetimeFigureOut">
               <a:rPr lang="en-US" smtClean="0"/>
               <a:pPr/>
-              <a:t>6/16/2018</a:t>
+              <a:t>2018-06-18</a:t>
             </a:fld>
             <a:endParaRPr lang="en-US"/>
           </a:p>
@@ -1997,7 +1996,7 @@
             <a:fld id="{1D8BD707-D9CF-40AE-B4C6-C98DA3205C09}" type="datetimeFigureOut">
               <a:rPr lang="en-US" smtClean="0"/>
               <a:pPr/>
-              <a:t>6/16/2018</a:t>
+              <a:t>2018-06-18</a:t>
             </a:fld>
             <a:endParaRPr lang="en-US"/>
           </a:p>
@@ -2271,7 +2270,7 @@
             <a:fld id="{1D8BD707-D9CF-40AE-B4C6-C98DA3205C09}" type="datetimeFigureOut">
               <a:rPr lang="en-US" smtClean="0"/>
               <a:pPr/>
-              <a:t>6/16/2018</a:t>
+              <a:t>2018-06-18</a:t>
             </a:fld>
             <a:endParaRPr lang="en-US"/>
           </a:p>
@@ -2521,7 +2520,7 @@
             <a:fld id="{1D8BD707-D9CF-40AE-B4C6-C98DA3205C09}" type="datetimeFigureOut">
               <a:rPr lang="en-US" smtClean="0"/>
               <a:pPr/>
-              <a:t>6/16/2018</a:t>
+              <a:t>2018-06-18</a:t>
             </a:fld>
             <a:endParaRPr lang="en-US"/>
           </a:p>
@@ -2731,7 +2730,7 @@
             <a:fld id="{1D8BD707-D9CF-40AE-B4C6-C98DA3205C09}" type="datetimeFigureOut">
               <a:rPr lang="en-US" smtClean="0"/>
               <a:pPr/>
-              <a:t>6/16/2018</a:t>
+              <a:t>2018-06-18</a:t>
             </a:fld>
             <a:endParaRPr lang="en-US"/>
           </a:p>
@@ -3335,7 +3334,6 @@
               <a:rPr lang="en-US" sz="2000" dirty="0" smtClean="0"/>
               <a:t>Use different filters on the same input to obtain a set of feature maps (depth equals the number of filters used) to be the output.</a:t>
             </a:r>
-            <a:endParaRPr lang="en-US" sz="2000" dirty="0" smtClean="0"/>
           </a:p>
           <a:p>
             <a:pPr lvl="1"/>
@@ -3343,7 +3341,6 @@
               <a:rPr lang="en-US" sz="2000" dirty="0" smtClean="0"/>
               <a:t>Convolution here is a mathematical operation that takes the dot product of the filter and a small chunk of the input of the same size.</a:t>
             </a:r>
-            <a:endParaRPr lang="en-US" sz="2000" dirty="0" smtClean="0"/>
           </a:p>
         </p:txBody>
       </p:sp>
@@ -3371,13 +3368,8 @@
           <a:p>
             <a:r>
               <a:rPr lang="en-US" sz="900" dirty="0"/>
-              <a:t>Image source: </a:t>
-            </a:r>
-            <a:r>
-              <a:rPr lang="en-US" sz="900" dirty="0"/>
-              <a:t>https://cambridgespark.com/content/tutorials/convolutional-neural-networks-with-keras/index.html</a:t>
-            </a:r>
-            <a:endParaRPr lang="en-US" sz="900" dirty="0"/>
+              <a:t>Image source: https://cambridgespark.com/content/tutorials/convolutional-neural-networks-with-keras/index.html</a:t>
+            </a:r>
           </a:p>
         </p:txBody>
       </p:sp>
@@ -3480,7 +3472,6 @@
               <a:rPr lang="en-US" dirty="0"/>
               <a:t>CNN Architecture </a:t>
             </a:r>
-            <a:endParaRPr lang="en-US" dirty="0"/>
           </a:p>
         </p:txBody>
       </p:sp>
@@ -3580,13 +3571,8 @@
           <a:p>
             <a:r>
               <a:rPr lang="en-US" sz="900" dirty="0"/>
-              <a:t>Image source: </a:t>
-            </a:r>
-            <a:r>
-              <a:rPr lang="en-US" sz="900" dirty="0"/>
-              <a:t>https://towardsdatascience.com/activation-functions-neural-networks-1cbd9f8d91d6</a:t>
-            </a:r>
-            <a:endParaRPr lang="en-US" sz="900" dirty="0"/>
+              <a:t>Image source: https://towardsdatascience.com/activation-functions-neural-networks-1cbd9f8d91d6</a:t>
+            </a:r>
           </a:p>
         </p:txBody>
       </p:sp>
@@ -3726,7 +3712,6 @@
               <a:rPr lang="en-US" dirty="0"/>
               <a:t>CNN Architecture </a:t>
             </a:r>
-            <a:endParaRPr lang="en-US" dirty="0"/>
           </a:p>
         </p:txBody>
       </p:sp>
@@ -3761,11 +3746,7 @@
             <a:pPr lvl="1"/>
             <a:r>
               <a:rPr lang="en-US" sz="2400" dirty="0" smtClean="0"/>
-              <a:t>Non-linear down-sampling as</a:t>
-            </a:r>
-            <a:r>
-              <a:rPr lang="en-US" sz="2400" dirty="0" smtClean="0"/>
-              <a:t> a way to combat overfitting</a:t>
+              <a:t>Non-linear down-sampling as a way to combat overfitting</a:t>
             </a:r>
           </a:p>
           <a:p>
@@ -3869,7 +3850,6 @@
               <a:rPr lang="en-US" sz="900" dirty="0"/>
               <a:t>://computersciencewiki.org/index.php/Max-pooling_/_Pooling</a:t>
             </a:r>
-            <a:endParaRPr lang="en-US" sz="900" dirty="0"/>
           </a:p>
         </p:txBody>
       </p:sp>
@@ -3931,7 +3911,6 @@
               <a:rPr lang="en-US" dirty="0"/>
               <a:t>CNN Architecture </a:t>
             </a:r>
-            <a:endParaRPr lang="en-US" dirty="0"/>
           </a:p>
         </p:txBody>
       </p:sp>
@@ -3968,7 +3947,6 @@
               <a:rPr lang="en-US" dirty="0" smtClean="0"/>
               <a:t>“Neurons” in this layer have access to all activations in the previous layer. </a:t>
             </a:r>
-            <a:endParaRPr lang="en-US" dirty="0" smtClean="0"/>
           </a:p>
           <a:p>
             <a:pPr lvl="1"/>
@@ -4009,7 +3987,6 @@
               <a:rPr lang="en-US" sz="900" dirty="0"/>
               <a:t>://qph.fs.quoracdn.net/main-qimg-cc30aa65a662315c3c22e405722c4109.webp</a:t>
             </a:r>
-            <a:endParaRPr lang="en-US" sz="900" dirty="0"/>
           </a:p>
         </p:txBody>
       </p:sp>
@@ -4112,7 +4089,6 @@
               <a:rPr lang="en-US" dirty="0"/>
               <a:t>CNN Architecture </a:t>
             </a:r>
-            <a:endParaRPr lang="en-US" dirty="0"/>
           </a:p>
         </p:txBody>
       </p:sp>
@@ -4320,7 +4296,41 @@
             <p:ph type="title"/>
           </p:nvPr>
         </p:nvSpPr>
-        <p:spPr/>
+        <p:spPr>
+          <a:xfrm>
+            <a:off x="457200" y="76200"/>
+            <a:ext cx="8229600" cy="1143000"/>
+          </a:xfrm>
+        </p:spPr>
+        <p:txBody>
+          <a:bodyPr>
+            <a:normAutofit fontScale="90000"/>
+          </a:bodyPr>
+          <a:lstStyle/>
+          <a:p>
+            <a:r>
+              <a:rPr lang="en-US" dirty="0"/>
+              <a:t>Machine learning in medical imaging</a:t>
+            </a:r>
+          </a:p>
+        </p:txBody>
+      </p:sp>
+      <p:sp>
+        <p:nvSpPr>
+          <p:cNvPr id="3" name="Content Placeholder 2"/>
+          <p:cNvSpPr>
+            <a:spLocks noGrp="1"/>
+          </p:cNvSpPr>
+          <p:nvPr>
+            <p:ph idx="1"/>
+          </p:nvPr>
+        </p:nvSpPr>
+        <p:spPr>
+          <a:xfrm>
+            <a:off x="457200" y="1219200"/>
+            <a:ext cx="8229600" cy="5257800"/>
+          </a:xfrm>
+        </p:spPr>
         <p:txBody>
           <a:bodyPr>
             <a:normAutofit/>
@@ -4329,42 +4339,43 @@
           <a:p>
             <a:r>
               <a:rPr lang="en-US" dirty="0" smtClean="0"/>
-              <a:t>Why important</a:t>
-            </a:r>
-            <a:endParaRPr lang="en-US" dirty="0"/>
-          </a:p>
-        </p:txBody>
-      </p:sp>
-      <p:sp>
-        <p:nvSpPr>
-          <p:cNvPr id="3" name="Content Placeholder 2"/>
-          <p:cNvSpPr>
-            <a:spLocks noGrp="1"/>
-          </p:cNvSpPr>
-          <p:nvPr>
-            <p:ph idx="1"/>
-          </p:nvPr>
-        </p:nvSpPr>
-        <p:spPr>
-          <a:xfrm>
-            <a:off x="381000" y="1112837"/>
-            <a:ext cx="8382000" cy="4525963"/>
-          </a:xfrm>
-        </p:spPr>
-        <p:txBody>
-          <a:bodyPr>
-            <a:normAutofit/>
-          </a:bodyPr>
-          <a:lstStyle/>
-          <a:p>
-            <a:endParaRPr lang="en-US" sz="2000" dirty="0" smtClean="0"/>
+              <a:t>Why machine learning?</a:t>
+            </a:r>
+          </a:p>
+          <a:p>
+            <a:pPr lvl="1"/>
+            <a:r>
+              <a:rPr lang="en-US" dirty="0" smtClean="0"/>
+              <a:t>Huge amount of images but very few trained radiologists to deal with them.</a:t>
+            </a:r>
+          </a:p>
+          <a:p>
+            <a:pPr lvl="1"/>
+            <a:r>
+              <a:rPr lang="en-US" dirty="0" smtClean="0"/>
+              <a:t>Radiology tasks are very suited for machine learning algorithms</a:t>
+            </a:r>
+          </a:p>
+          <a:p>
+            <a:pPr lvl="2"/>
+            <a:r>
+              <a:rPr lang="en-US" dirty="0" smtClean="0"/>
+              <a:t>Input and labels are provided for supervised learning.</a:t>
+            </a:r>
+          </a:p>
+          <a:p>
+            <a:pPr lvl="2"/>
+            <a:r>
+              <a:rPr lang="en-US" dirty="0" smtClean="0"/>
+              <a:t>A large amount of training images are potentially available for data hungry algorithms like CNN.</a:t>
+            </a:r>
           </a:p>
         </p:txBody>
       </p:sp>
     </p:spTree>
     <p:extLst>
       <p:ext uri="{BB962C8B-B14F-4D97-AF65-F5344CB8AC3E}">
-        <p14:creationId xmlns:p14="http://schemas.microsoft.com/office/powerpoint/2010/main" val="3156476455"/>
+        <p14:creationId xmlns:p14="http://schemas.microsoft.com/office/powerpoint/2010/main" val="4189749510"/>
       </p:ext>
     </p:extLst>
   </p:cSld>
@@ -4410,6 +4421,450 @@
         </p:nvSpPr>
         <p:spPr>
           <a:xfrm>
+            <a:off x="457200" y="76200"/>
+            <a:ext cx="8229600" cy="1143000"/>
+          </a:xfrm>
+        </p:spPr>
+        <p:txBody>
+          <a:bodyPr>
+            <a:normAutofit fontScale="90000"/>
+          </a:bodyPr>
+          <a:lstStyle/>
+          <a:p>
+            <a:r>
+              <a:rPr lang="en-US" dirty="0"/>
+              <a:t>Machine learning in medical imaging</a:t>
+            </a:r>
+          </a:p>
+        </p:txBody>
+      </p:sp>
+      <p:sp>
+        <p:nvSpPr>
+          <p:cNvPr id="3" name="Content Placeholder 2"/>
+          <p:cNvSpPr>
+            <a:spLocks noGrp="1"/>
+          </p:cNvSpPr>
+          <p:nvPr>
+            <p:ph idx="1"/>
+          </p:nvPr>
+        </p:nvSpPr>
+        <p:spPr>
+          <a:xfrm>
+            <a:off x="457200" y="1219200"/>
+            <a:ext cx="8229600" cy="5257800"/>
+          </a:xfrm>
+        </p:spPr>
+        <p:txBody>
+          <a:bodyPr>
+            <a:normAutofit/>
+          </a:bodyPr>
+          <a:lstStyle/>
+          <a:p>
+            <a:r>
+              <a:rPr lang="en-US" dirty="0" smtClean="0"/>
+              <a:t>Applications</a:t>
+            </a:r>
+            <a:r>
+              <a:rPr lang="en-US" baseline="30000" dirty="0" smtClean="0"/>
+              <a:t>10</a:t>
+            </a:r>
+          </a:p>
+          <a:p>
+            <a:pPr lvl="1"/>
+            <a:r>
+              <a:rPr lang="en-US" dirty="0" smtClean="0"/>
+              <a:t>Improve diagnostics</a:t>
+            </a:r>
+          </a:p>
+          <a:p>
+            <a:pPr lvl="2"/>
+            <a:r>
+              <a:rPr lang="en-US" dirty="0" smtClean="0"/>
+              <a:t>Obtain human-level accuracy with far more efficiency.</a:t>
+            </a:r>
+          </a:p>
+          <a:p>
+            <a:pPr lvl="1"/>
+            <a:r>
+              <a:rPr lang="en-US" dirty="0" smtClean="0"/>
+              <a:t>Prioritize work lists</a:t>
+            </a:r>
+          </a:p>
+          <a:p>
+            <a:pPr lvl="2"/>
+            <a:r>
+              <a:rPr lang="en-US" dirty="0" smtClean="0"/>
+              <a:t>More severe cases can be directed to the radiologist’s attention first. </a:t>
+            </a:r>
+          </a:p>
+          <a:p>
+            <a:pPr lvl="1"/>
+            <a:r>
+              <a:rPr lang="en-US" dirty="0" smtClean="0"/>
+              <a:t>Counter observer fatigue</a:t>
+            </a:r>
+          </a:p>
+          <a:p>
+            <a:pPr lvl="1"/>
+            <a:r>
+              <a:rPr lang="en-US" dirty="0" smtClean="0"/>
+              <a:t>Radiomics</a:t>
+            </a:r>
+          </a:p>
+          <a:p>
+            <a:pPr lvl="2"/>
+            <a:r>
+              <a:rPr lang="en-US" dirty="0" smtClean="0"/>
+              <a:t>Extract information from the images not apparent to naked eyes that could be predictive for prognosis and therapeutic response.</a:t>
+            </a:r>
+          </a:p>
+        </p:txBody>
+      </p:sp>
+    </p:spTree>
+    <p:extLst>
+      <p:ext uri="{BB962C8B-B14F-4D97-AF65-F5344CB8AC3E}">
+        <p14:creationId xmlns:p14="http://schemas.microsoft.com/office/powerpoint/2010/main" val="1824336626"/>
+      </p:ext>
+    </p:extLst>
+  </p:cSld>
+  <p:clrMapOvr>
+    <a:masterClrMapping/>
+  </p:clrMapOvr>
+  <p:timing>
+    <p:tnLst>
+      <p:par>
+        <p:cTn id="1" dur="indefinite" restart="never" nodeType="tmRoot"/>
+      </p:par>
+    </p:tnLst>
+  </p:timing>
+</p:sld>
+</file>
+
+<file path=ppt/slides/slide17.xml><?xml version="1.0" encoding="utf-8"?>
+<p:sld xmlns:a="http://schemas.openxmlformats.org/drawingml/2006/main" xmlns:r="http://schemas.openxmlformats.org/officeDocument/2006/relationships" xmlns:p="http://schemas.openxmlformats.org/presentationml/2006/main">
+  <p:cSld>
+    <p:spTree>
+      <p:nvGrpSpPr>
+        <p:cNvPr id="1" name=""/>
+        <p:cNvGrpSpPr/>
+        <p:nvPr/>
+      </p:nvGrpSpPr>
+      <p:grpSpPr>
+        <a:xfrm>
+          <a:off x="0" y="0"/>
+          <a:ext cx="0" cy="0"/>
+          <a:chOff x="0" y="0"/>
+          <a:chExt cx="0" cy="0"/>
+        </a:xfrm>
+      </p:grpSpPr>
+      <p:sp>
+        <p:nvSpPr>
+          <p:cNvPr id="2" name="Title 1"/>
+          <p:cNvSpPr>
+            <a:spLocks noGrp="1"/>
+          </p:cNvSpPr>
+          <p:nvPr>
+            <p:ph type="title"/>
+          </p:nvPr>
+        </p:nvSpPr>
+        <p:spPr>
+          <a:xfrm>
+            <a:off x="457200" y="76200"/>
+            <a:ext cx="8229600" cy="1143000"/>
+          </a:xfrm>
+        </p:spPr>
+        <p:txBody>
+          <a:bodyPr>
+            <a:normAutofit fontScale="90000"/>
+          </a:bodyPr>
+          <a:lstStyle/>
+          <a:p>
+            <a:r>
+              <a:rPr lang="en-US" dirty="0"/>
+              <a:t>Machine learning in medical imaging</a:t>
+            </a:r>
+          </a:p>
+        </p:txBody>
+      </p:sp>
+      <p:sp>
+        <p:nvSpPr>
+          <p:cNvPr id="3" name="Content Placeholder 2"/>
+          <p:cNvSpPr>
+            <a:spLocks noGrp="1"/>
+          </p:cNvSpPr>
+          <p:nvPr>
+            <p:ph idx="1"/>
+          </p:nvPr>
+        </p:nvSpPr>
+        <p:spPr>
+          <a:xfrm>
+            <a:off x="381000" y="1219200"/>
+            <a:ext cx="8229600" cy="5486400"/>
+          </a:xfrm>
+        </p:spPr>
+        <p:txBody>
+          <a:bodyPr>
+            <a:normAutofit lnSpcReduction="10000"/>
+          </a:bodyPr>
+          <a:lstStyle/>
+          <a:p>
+            <a:r>
+              <a:rPr lang="en-US" dirty="0" smtClean="0"/>
+              <a:t>Opportunities and needs</a:t>
+            </a:r>
+          </a:p>
+          <a:p>
+            <a:pPr lvl="1"/>
+            <a:r>
+              <a:rPr lang="en-US" dirty="0" smtClean="0"/>
+              <a:t>Image sharing networks</a:t>
+            </a:r>
+          </a:p>
+          <a:p>
+            <a:pPr lvl="2"/>
+            <a:r>
+              <a:rPr lang="en-US" dirty="0" smtClean="0"/>
+              <a:t>A large network of sharing data needs to be established</a:t>
+            </a:r>
+          </a:p>
+          <a:p>
+            <a:pPr lvl="3"/>
+            <a:r>
+              <a:rPr lang="en-US" dirty="0" smtClean="0"/>
+              <a:t>Ex</a:t>
+            </a:r>
+            <a:r>
+              <a:rPr lang="en-US" dirty="0"/>
+              <a:t>. The American College of Radiology Imaging Network </a:t>
+            </a:r>
+            <a:r>
+              <a:rPr lang="en-US" dirty="0" smtClean="0"/>
+              <a:t>(ACRIN)</a:t>
+            </a:r>
+            <a:r>
+              <a:rPr lang="en-US" baseline="30000" dirty="0" smtClean="0"/>
+              <a:t>11</a:t>
+            </a:r>
+            <a:r>
+              <a:rPr lang="en-US" dirty="0" smtClean="0"/>
+              <a:t>, The Cancer Imaging Archive (TCIA) </a:t>
+            </a:r>
+            <a:r>
+              <a:rPr lang="en-US" baseline="30000" dirty="0" smtClean="0"/>
+              <a:t>12</a:t>
+            </a:r>
+            <a:endParaRPr lang="en-US" baseline="30000" dirty="0"/>
+          </a:p>
+          <a:p>
+            <a:pPr lvl="1"/>
+            <a:r>
+              <a:rPr lang="en-US" dirty="0" smtClean="0"/>
+              <a:t>Reference </a:t>
+            </a:r>
+            <a:r>
+              <a:rPr lang="en-US" dirty="0"/>
+              <a:t>database for training </a:t>
+            </a:r>
+            <a:r>
+              <a:rPr lang="en-US" dirty="0" smtClean="0"/>
+              <a:t>and testing</a:t>
+            </a:r>
+          </a:p>
+          <a:p>
+            <a:pPr lvl="2"/>
+            <a:r>
+              <a:rPr lang="en-US" dirty="0" smtClean="0"/>
+              <a:t>A public reference database </a:t>
+            </a:r>
+            <a:r>
+              <a:rPr lang="en-US" dirty="0"/>
+              <a:t>similar to the “ImageNet” </a:t>
+            </a:r>
+            <a:r>
+              <a:rPr lang="en-US" dirty="0" smtClean="0"/>
+              <a:t>of images would be valuable </a:t>
+            </a:r>
+            <a:r>
+              <a:rPr lang="en-US" dirty="0"/>
+              <a:t>for machine learning </a:t>
+            </a:r>
+            <a:r>
+              <a:rPr lang="en-US" dirty="0" smtClean="0"/>
+              <a:t>researches.</a:t>
+            </a:r>
+          </a:p>
+          <a:p>
+            <a:pPr lvl="1"/>
+            <a:r>
+              <a:rPr lang="en-US" dirty="0" smtClean="0"/>
+              <a:t>Standardization of imaging protocol</a:t>
+            </a:r>
+          </a:p>
+          <a:p>
+            <a:pPr lvl="2"/>
+            <a:r>
+              <a:rPr lang="en-US" dirty="0" smtClean="0"/>
+              <a:t>Medical image qualities are prone to the variable imaging protocols and the execution of such, which can be an impediment to machine learning research.</a:t>
+            </a:r>
+          </a:p>
+        </p:txBody>
+      </p:sp>
+    </p:spTree>
+    <p:extLst>
+      <p:ext uri="{BB962C8B-B14F-4D97-AF65-F5344CB8AC3E}">
+        <p14:creationId xmlns:p14="http://schemas.microsoft.com/office/powerpoint/2010/main" val="1155398026"/>
+      </p:ext>
+    </p:extLst>
+  </p:cSld>
+  <p:clrMapOvr>
+    <a:masterClrMapping/>
+  </p:clrMapOvr>
+  <p:timing>
+    <p:tnLst>
+      <p:par>
+        <p:cTn id="1" dur="indefinite" restart="never" nodeType="tmRoot"/>
+      </p:par>
+    </p:tnLst>
+  </p:timing>
+</p:sld>
+</file>
+
+<file path=ppt/slides/slide18.xml><?xml version="1.0" encoding="utf-8"?>
+<p:sld xmlns:a="http://schemas.openxmlformats.org/drawingml/2006/main" xmlns:r="http://schemas.openxmlformats.org/officeDocument/2006/relationships" xmlns:p="http://schemas.openxmlformats.org/presentationml/2006/main">
+  <p:cSld>
+    <p:spTree>
+      <p:nvGrpSpPr>
+        <p:cNvPr id="1" name=""/>
+        <p:cNvGrpSpPr/>
+        <p:nvPr/>
+      </p:nvGrpSpPr>
+      <p:grpSpPr>
+        <a:xfrm>
+          <a:off x="0" y="0"/>
+          <a:ext cx="0" cy="0"/>
+          <a:chOff x="0" y="0"/>
+          <a:chExt cx="0" cy="0"/>
+        </a:xfrm>
+      </p:grpSpPr>
+      <p:sp>
+        <p:nvSpPr>
+          <p:cNvPr id="2" name="Title 1"/>
+          <p:cNvSpPr>
+            <a:spLocks noGrp="1"/>
+          </p:cNvSpPr>
+          <p:nvPr>
+            <p:ph type="title"/>
+          </p:nvPr>
+        </p:nvSpPr>
+        <p:spPr>
+          <a:xfrm>
+            <a:off x="457200" y="76200"/>
+            <a:ext cx="8229600" cy="1143000"/>
+          </a:xfrm>
+        </p:spPr>
+        <p:txBody>
+          <a:bodyPr>
+            <a:normAutofit fontScale="90000"/>
+          </a:bodyPr>
+          <a:lstStyle/>
+          <a:p>
+            <a:r>
+              <a:rPr lang="en-US" dirty="0"/>
+              <a:t>Machine learning in medical imaging</a:t>
+            </a:r>
+          </a:p>
+        </p:txBody>
+      </p:sp>
+      <p:sp>
+        <p:nvSpPr>
+          <p:cNvPr id="3" name="Content Placeholder 2"/>
+          <p:cNvSpPr>
+            <a:spLocks noGrp="1"/>
+          </p:cNvSpPr>
+          <p:nvPr>
+            <p:ph idx="1"/>
+          </p:nvPr>
+        </p:nvSpPr>
+        <p:spPr>
+          <a:xfrm>
+            <a:off x="381000" y="1219200"/>
+            <a:ext cx="8229600" cy="5486400"/>
+          </a:xfrm>
+        </p:spPr>
+        <p:txBody>
+          <a:bodyPr>
+            <a:normAutofit/>
+          </a:bodyPr>
+          <a:lstStyle/>
+          <a:p>
+            <a:r>
+              <a:rPr lang="en-US" dirty="0" smtClean="0"/>
+              <a:t>Challenges</a:t>
+            </a:r>
+            <a:r>
+              <a:rPr lang="en-US" dirty="0"/>
+              <a:t> </a:t>
+            </a:r>
+            <a:r>
+              <a:rPr lang="en-US" dirty="0" smtClean="0"/>
+              <a:t>and concerns</a:t>
+            </a:r>
+          </a:p>
+          <a:p>
+            <a:pPr lvl="1"/>
+            <a:endParaRPr lang="en-US" dirty="0" smtClean="0"/>
+          </a:p>
+        </p:txBody>
+      </p:sp>
+    </p:spTree>
+    <p:extLst>
+      <p:ext uri="{BB962C8B-B14F-4D97-AF65-F5344CB8AC3E}">
+        <p14:creationId xmlns:p14="http://schemas.microsoft.com/office/powerpoint/2010/main" val="3982118268"/>
+      </p:ext>
+    </p:extLst>
+  </p:cSld>
+  <p:clrMapOvr>
+    <a:masterClrMapping/>
+  </p:clrMapOvr>
+  <p:timing>
+    <p:tnLst>
+      <p:par>
+        <p:cTn id="1" dur="indefinite" restart="never" nodeType="tmRoot"/>
+      </p:par>
+    </p:tnLst>
+  </p:timing>
+</p:sld>
+</file>
+
+<file path=ppt/slides/slide19.xml><?xml version="1.0" encoding="utf-8"?>
+<p:sld xmlns:a="http://schemas.openxmlformats.org/drawingml/2006/main" xmlns:r="http://schemas.openxmlformats.org/officeDocument/2006/relationships" xmlns:p="http://schemas.openxmlformats.org/presentationml/2006/main">
+  <p:cSld>
+    <p:spTree>
+      <p:nvGrpSpPr>
+        <p:cNvPr id="1" name=""/>
+        <p:cNvGrpSpPr/>
+        <p:nvPr/>
+      </p:nvGrpSpPr>
+      <p:grpSpPr>
+        <a:xfrm>
+          <a:off x="0" y="0"/>
+          <a:ext cx="0" cy="0"/>
+          <a:chOff x="0" y="0"/>
+          <a:chExt cx="0" cy="0"/>
+        </a:xfrm>
+      </p:grpSpPr>
+      <p:sp>
+        <p:nvSpPr>
+          <p:cNvPr id="2" name="Title 1"/>
+          <p:cNvSpPr>
+            <a:spLocks noGrp="1"/>
+          </p:cNvSpPr>
+          <p:nvPr>
+            <p:ph type="title"/>
+          </p:nvPr>
+        </p:nvSpPr>
+        <p:spPr>
+          <a:xfrm>
             <a:off x="457200" y="152400"/>
             <a:ext cx="8229600" cy="1143000"/>
           </a:xfrm>
@@ -4508,7 +4963,6 @@
               <a:rPr lang="en-US" sz="1200" dirty="0" smtClean="0"/>
               <a:t>.</a:t>
             </a:r>
-            <a:endParaRPr lang="en-US" sz="1200" dirty="0" smtClean="0"/>
           </a:p>
           <a:p>
             <a:pPr>
@@ -4517,11 +4971,7 @@
             </a:pPr>
             <a:r>
               <a:rPr lang="en-US" sz="1200" dirty="0" smtClean="0"/>
-              <a:t>McCarthy </a:t>
-            </a:r>
-            <a:r>
-              <a:rPr lang="en-US" sz="1200" dirty="0" smtClean="0"/>
-              <a:t>J,  Feigenbaum E.  Arthur </a:t>
+              <a:t>McCarthy J,  Feigenbaum E.  Arthur </a:t>
             </a:r>
             <a:r>
               <a:rPr lang="en-US" sz="1200" dirty="0"/>
@@ -4688,15 +5138,43 @@
             </a:r>
             <a:r>
               <a:rPr lang="en-US" sz="1200" dirty="0" smtClean="0"/>
-              <a:t>NIPS. 1: 1097–1105.</a:t>
-            </a:r>
-            <a:endParaRPr lang="en-US" sz="1200" dirty="0"/>
+              <a:t>NIPS. 1: 1097–1105</a:t>
+            </a:r>
+            <a:r>
+              <a:rPr lang="en-US" sz="1200" dirty="0" smtClean="0"/>
+              <a:t>.</a:t>
+            </a:r>
           </a:p>
           <a:p>
             <a:pPr>
               <a:buFont typeface="+mj-lt"/>
               <a:buAutoNum type="arabicPeriod"/>
             </a:pPr>
+            <a:r>
+              <a:rPr lang="en-US" sz="1200" dirty="0" smtClean="0"/>
+              <a:t>Thrall JH et, et al. 2017. Artificial Intelligence and machine learning in radiology: opportunities, challenges, pitfalls, and criteria for success. Journal of the American College of Radiology. 15: 504-508.</a:t>
+            </a:r>
+            <a:endParaRPr lang="en-US" sz="1200" dirty="0"/>
+          </a:p>
+          <a:p>
+            <a:pPr>
+              <a:buFont typeface="+mj-lt"/>
+              <a:buAutoNum type="arabicPeriod"/>
+            </a:pPr>
+            <a:r>
+              <a:rPr lang="en-US" sz="1200" dirty="0" smtClean="0"/>
+              <a:t>Hillman BJ.  2002. The American College of Radiology Imaging Network and the mission of radiologists. Radiology. 223(3): 602.</a:t>
+            </a:r>
+          </a:p>
+          <a:p>
+            <a:pPr>
+              <a:buFont typeface="+mj-lt"/>
+              <a:buAutoNum type="arabicPeriod"/>
+            </a:pPr>
+            <a:r>
+              <a:rPr lang="en-US" sz="1200" dirty="0" smtClean="0"/>
+              <a:t>Clark K, et al. 2016. The Cancer Imaging Archive (TCIA): maintaining and operating a public information repository . Journal of  Digital Imaging. 26: 1045-1057.</a:t>
+            </a:r>
             <a:endParaRPr lang="en-US" sz="1200" dirty="0"/>
           </a:p>
         </p:txBody>
@@ -4783,11 +5261,7 @@
           <a:p>
             <a:r>
               <a:rPr lang="en-US" dirty="0" smtClean="0"/>
-              <a:t>Field of study that gives computers the ability to learn without being explicitly </a:t>
-            </a:r>
-            <a:r>
-              <a:rPr lang="en-US" dirty="0" smtClean="0"/>
-              <a:t>programmed.</a:t>
+              <a:t>Field of study that gives computers the ability to learn without being explicitly programmed.</a:t>
             </a:r>
             <a:r>
               <a:rPr lang="en-US" baseline="30000" dirty="0" smtClean="0"/>
@@ -4795,26 +5269,13 @@
             </a:r>
             <a:r>
               <a:rPr lang="en-US" dirty="0" smtClean="0"/>
-              <a:t> </a:t>
-            </a:r>
-            <a:r>
-              <a:rPr lang="en-US" dirty="0" smtClean="0"/>
-              <a:t>(Arthur Samuel, </a:t>
-            </a:r>
-            <a:r>
-              <a:rPr lang="en-US" dirty="0" smtClean="0"/>
-              <a:t>1959)</a:t>
-            </a:r>
-            <a:endParaRPr lang="en-US" dirty="0" smtClean="0"/>
-          </a:p>
-          <a:p>
-            <a:r>
-              <a:rPr lang="en-US" dirty="0" smtClean="0"/>
-              <a:t>A computer program is said to learn from experience E with respect to some task T and some performance P, if its performance on T, as measured by P, improves with experience </a:t>
-            </a:r>
-            <a:r>
-              <a:rPr lang="en-US" dirty="0" smtClean="0"/>
-              <a:t>E.</a:t>
+              <a:t> (Arthur Samuel, 1959)</a:t>
+            </a:r>
+          </a:p>
+          <a:p>
+            <a:r>
+              <a:rPr lang="en-US" dirty="0" smtClean="0"/>
+              <a:t>A computer program is said to learn from experience E with respect to some task T and some performance P, if its performance on T, as measured by P, improves with experience E.</a:t>
             </a:r>
             <a:r>
               <a:rPr lang="en-US" baseline="30000" dirty="0"/>
@@ -4822,11 +5283,7 @@
             </a:r>
             <a:r>
               <a:rPr lang="en-US" dirty="0" smtClean="0"/>
-              <a:t> </a:t>
-            </a:r>
-            <a:r>
-              <a:rPr lang="en-US" dirty="0" smtClean="0"/>
-              <a:t>(Tom Mitchell, 1998)</a:t>
+              <a:t> (Tom Mitchell, 1998)</a:t>
             </a:r>
             <a:endParaRPr lang="en-US" dirty="0"/>
           </a:p>
@@ -4952,11 +5409,7 @@
             </a:r>
             <a:r>
               <a:rPr lang="en-US" dirty="0" smtClean="0"/>
-              <a:t>for the machine’s ability to </a:t>
-            </a:r>
-            <a:r>
-              <a:rPr lang="en-US" dirty="0" smtClean="0"/>
-              <a:t>think.</a:t>
+              <a:t>for the machine’s ability to think.</a:t>
             </a:r>
             <a:r>
               <a:rPr lang="en-US" baseline="30000" dirty="0"/>
@@ -5177,11 +5630,7 @@
             </a:r>
             <a:r>
               <a:rPr lang="en-US" dirty="0" smtClean="0"/>
-              <a:t>, a pioneering </a:t>
-            </a:r>
-            <a:r>
-              <a:rPr lang="en-US" dirty="0" smtClean="0"/>
-              <a:t>convolutional network.</a:t>
+              <a:t>, a pioneering convolutional network.</a:t>
             </a:r>
             <a:r>
               <a:rPr lang="en-US" baseline="30000" dirty="0"/>
@@ -5270,11 +5719,7 @@
             </a:r>
             <a:r>
               <a:rPr lang="en-US" dirty="0" smtClean="0"/>
-              <a:t>) that won the ImageNet </a:t>
-            </a:r>
-            <a:r>
-              <a:rPr lang="en-US" dirty="0" smtClean="0"/>
-              <a:t>competition.</a:t>
+              <a:t>) that won the ImageNet competition.</a:t>
             </a:r>
             <a:r>
               <a:rPr lang="en-US" baseline="30000" dirty="0"/>
@@ -5760,15 +6205,7 @@
             <a:pPr lvl="1"/>
             <a:r>
               <a:rPr lang="en-US" dirty="0" smtClean="0"/>
-              <a:t>Only data </a:t>
-            </a:r>
-            <a:r>
-              <a:rPr lang="en-US" dirty="0" smtClean="0"/>
-              <a:t>provided, </a:t>
-            </a:r>
-            <a:r>
-              <a:rPr lang="en-US" dirty="0" smtClean="0"/>
-              <a:t>with no labels</a:t>
+              <a:t>Only data provided, with no labels</a:t>
             </a:r>
           </a:p>
           <a:p>
@@ -6023,11 +6460,7 @@
           <a:p>
             <a:r>
               <a:rPr lang="en-US" dirty="0" smtClean="0"/>
-              <a:t>Convolutional Neural </a:t>
-            </a:r>
-            <a:r>
-              <a:rPr lang="en-US" dirty="0" smtClean="0"/>
-              <a:t>Network (CNN)</a:t>
+              <a:t>Convolutional Neural Network (CNN)</a:t>
             </a:r>
             <a:endParaRPr lang="en-US" dirty="0"/>
           </a:p>
@@ -6182,7 +6615,6 @@
               <a:rPr lang="en-US" dirty="0"/>
               <a:t>Convolutional Neural Network (CNN)</a:t>
             </a:r>
-            <a:endParaRPr lang="en-US" dirty="0"/>
           </a:p>
         </p:txBody>
       </p:sp>
@@ -6212,27 +6644,14 @@
           <a:p>
             <a:r>
               <a:rPr lang="en-US" dirty="0" smtClean="0"/>
-              <a:t>An image can be seen as a </a:t>
-            </a:r>
-            <a:r>
-              <a:rPr lang="en-US" dirty="0" smtClean="0"/>
-              <a:t>D*H*N </a:t>
-            </a:r>
-            <a:r>
-              <a:rPr lang="en-US" dirty="0" smtClean="0"/>
-              <a:t>matrix of pixel values with D,H being the width and height of the image and N being the number of color channels (ex. three for RGB images and one for grayscale images).</a:t>
-            </a:r>
-          </a:p>
-          <a:p>
-            <a:r>
-              <a:rPr lang="en-US" dirty="0" smtClean="0"/>
-              <a:t>CNN</a:t>
-            </a:r>
-            <a:r>
-              <a:rPr lang="en-US" dirty="0" smtClean="0"/>
-              <a:t> is essentially recognizing the visual elements and features of the image.</a:t>
-            </a:r>
-            <a:endParaRPr lang="en-US" dirty="0" smtClean="0"/>
+              <a:t>An image can be seen as a D*H*N matrix of pixel values with D,H being the width and height of the image and N being the number of color channels (ex. three for RGB images and one for grayscale images).</a:t>
+            </a:r>
+          </a:p>
+          <a:p>
+            <a:r>
+              <a:rPr lang="en-US" dirty="0" smtClean="0"/>
+              <a:t>CNN is essentially recognizing the visual elements and features of the image.</a:t>
+            </a:r>
           </a:p>
         </p:txBody>
       </p:sp>

--- a/Machine Learning in Medical Imaging.pptx
+++ b/Machine Learning in Medical Imaging.pptx
@@ -124,7 +124,7 @@
   </p:defaultTextStyle>
   <p:extLst>
     <p:ext uri="{EFAFB233-063F-42B5-8137-9DF3F51BA10A}">
-      <p15:sldGuideLst xmlns:p15="http://schemas.microsoft.com/office/powerpoint/2012/main" xmlns="">
+      <p15:sldGuideLst xmlns="" xmlns:p15="http://schemas.microsoft.com/office/powerpoint/2012/main">
         <p15:guide id="1" orient="horz" pos="2160">
           <p15:clr>
             <a:srgbClr val="A4A3A4"/>
@@ -4327,7 +4327,7 @@
         </p:nvSpPr>
         <p:spPr>
           <a:xfrm>
-            <a:off x="457200" y="1219200"/>
+            <a:off x="457200" y="1524000"/>
             <a:ext cx="8229600" cy="5257800"/>
           </a:xfrm>
         </p:spPr>
@@ -4346,8 +4346,13 @@
             <a:pPr lvl="1"/>
             <a:r>
               <a:rPr lang="en-US" dirty="0" smtClean="0"/>
-              <a:t>Huge amount of images but very few trained radiologists to deal with them.</a:t>
-            </a:r>
+              <a:t>Huge amount of images but very few trained radiologists to </a:t>
+            </a:r>
+            <a:r>
+              <a:rPr lang="en-US" dirty="0" smtClean="0"/>
+              <a:t>read them.</a:t>
+            </a:r>
+            <a:endParaRPr lang="en-US" dirty="0" smtClean="0"/>
           </a:p>
           <a:p>
             <a:pPr lvl="1"/>
@@ -4367,7 +4372,19 @@
             <a:pPr lvl="2"/>
             <a:r>
               <a:rPr lang="en-US" dirty="0" smtClean="0"/>
-              <a:t>A large amount of training images are potentially available for data hungry algorithms like CNN.</a:t>
+              <a:t>A large amount of training images are potentially available for data hungry algorithms </a:t>
+            </a:r>
+            <a:r>
+              <a:rPr lang="en-US" dirty="0" smtClean="0"/>
+              <a:t>such as</a:t>
+            </a:r>
+            <a:r>
+              <a:rPr lang="en-US" dirty="0" smtClean="0"/>
+              <a:t> </a:t>
+            </a:r>
+            <a:r>
+              <a:rPr lang="en-US" dirty="0" smtClean="0"/>
+              <a:t>CNN.</a:t>
             </a:r>
           </a:p>
         </p:txBody>
@@ -5138,11 +5155,7 @@
             </a:r>
             <a:r>
               <a:rPr lang="en-US" sz="1200" dirty="0" smtClean="0"/>
-              <a:t>NIPS. 1: 1097–1105</a:t>
-            </a:r>
-            <a:r>
-              <a:rPr lang="en-US" sz="1200" dirty="0" smtClean="0"/>
-              <a:t>.</a:t>
+              <a:t>NIPS. 1: 1097–1105.</a:t>
             </a:r>
           </a:p>
           <a:p>

--- a/Machine Learning in Medical Imaging.pptx
+++ b/Machine Learning in Medical Imaging.pptx
@@ -21,9 +21,13 @@
     <p:sldId id="270" r:id="rId15"/>
     <p:sldId id="275" r:id="rId16"/>
     <p:sldId id="272" r:id="rId17"/>
-    <p:sldId id="273" r:id="rId18"/>
-    <p:sldId id="274" r:id="rId19"/>
-    <p:sldId id="258" r:id="rId20"/>
+    <p:sldId id="276" r:id="rId18"/>
+    <p:sldId id="273" r:id="rId19"/>
+    <p:sldId id="274" r:id="rId20"/>
+    <p:sldId id="277" r:id="rId21"/>
+    <p:sldId id="278" r:id="rId22"/>
+    <p:sldId id="279" r:id="rId23"/>
+    <p:sldId id="258" r:id="rId24"/>
   </p:sldIdLst>
   <p:sldSz cx="9144000" cy="6858000" type="screen4x3"/>
   <p:notesSz cx="6858000" cy="9144000"/>
@@ -124,7 +128,7 @@
   </p:defaultTextStyle>
   <p:extLst>
     <p:ext uri="{EFAFB233-063F-42B5-8137-9DF3F51BA10A}">
-      <p15:sldGuideLst xmlns="" xmlns:p15="http://schemas.microsoft.com/office/powerpoint/2012/main">
+      <p15:sldGuideLst xmlns:p15="http://schemas.microsoft.com/office/powerpoint/2012/main" xmlns="">
         <p15:guide id="1" orient="horz" pos="2160">
           <p15:clr>
             <a:srgbClr val="A4A3A4"/>
@@ -4327,7 +4331,7 @@
         </p:nvSpPr>
         <p:spPr>
           <a:xfrm>
-            <a:off x="457200" y="1524000"/>
+            <a:off x="457200" y="1295400"/>
             <a:ext cx="8229600" cy="5257800"/>
           </a:xfrm>
         </p:spPr>
@@ -4346,7 +4350,11 @@
             <a:pPr lvl="1"/>
             <a:r>
               <a:rPr lang="en-US" dirty="0" smtClean="0"/>
-              <a:t>Huge amount of images but very few trained radiologists to </a:t>
+              <a:t>Overwhelming number of images but </a:t>
+            </a:r>
+            <a:r>
+              <a:rPr lang="en-US" dirty="0" smtClean="0"/>
+              <a:t>very few trained radiologists to </a:t>
             </a:r>
             <a:r>
               <a:rPr lang="en-US" dirty="0" smtClean="0"/>
@@ -4372,20 +4380,20 @@
             <a:pPr lvl="2"/>
             <a:r>
               <a:rPr lang="en-US" dirty="0" smtClean="0"/>
-              <a:t>A large amount of training images are potentially available for data hungry algorithms </a:t>
-            </a:r>
-            <a:r>
-              <a:rPr lang="en-US" dirty="0" smtClean="0"/>
-              <a:t>such as</a:t>
-            </a:r>
-            <a:r>
-              <a:rPr lang="en-US" dirty="0" smtClean="0"/>
-              <a:t> </a:t>
-            </a:r>
-            <a:r>
-              <a:rPr lang="en-US" dirty="0" smtClean="0"/>
-              <a:t>CNN.</a:t>
-            </a:r>
+              <a:t>A large amount of training images are potentially available for data hungry algorithms such as CNN</a:t>
+            </a:r>
+            <a:r>
+              <a:rPr lang="en-US" dirty="0" smtClean="0"/>
+              <a:t>.</a:t>
+            </a:r>
+          </a:p>
+          <a:p>
+            <a:pPr lvl="2"/>
+            <a:r>
+              <a:rPr lang="en-US" dirty="0" smtClean="0"/>
+              <a:t>Increasing computing power allows for more complex analysis of medical images. </a:t>
+            </a:r>
+            <a:endParaRPr lang="en-US" dirty="0" smtClean="0"/>
           </a:p>
         </p:txBody>
       </p:sp>
@@ -4479,12 +4487,13 @@
           <a:p>
             <a:r>
               <a:rPr lang="en-US" dirty="0" smtClean="0"/>
-              <a:t>Applications</a:t>
+              <a:t>Various applications</a:t>
             </a:r>
             <a:r>
               <a:rPr lang="en-US" baseline="30000" dirty="0" smtClean="0"/>
               <a:t>10</a:t>
             </a:r>
+            <a:endParaRPr lang="en-US" baseline="30000" dirty="0" smtClean="0"/>
           </a:p>
           <a:p>
             <a:pPr lvl="1"/>
@@ -4615,113 +4624,85 @@
         </p:nvSpPr>
         <p:spPr>
           <a:xfrm>
-            <a:off x="381000" y="1219200"/>
-            <a:ext cx="8229600" cy="5486400"/>
+            <a:off x="457200" y="1295400"/>
+            <a:ext cx="8229600" cy="5257800"/>
           </a:xfrm>
         </p:spPr>
         <p:txBody>
           <a:bodyPr>
-            <a:normAutofit lnSpcReduction="10000"/>
+            <a:normAutofit/>
           </a:bodyPr>
           <a:lstStyle/>
           <a:p>
             <a:r>
               <a:rPr lang="en-US" dirty="0" smtClean="0"/>
-              <a:t>Opportunities and needs</a:t>
+              <a:t>Endpoints</a:t>
             </a:r>
           </a:p>
           <a:p>
             <a:pPr lvl="1"/>
             <a:r>
-              <a:rPr lang="en-US" dirty="0" smtClean="0"/>
-              <a:t>Image sharing networks</a:t>
+              <a:rPr lang="en-US" dirty="0"/>
+              <a:t>For patients</a:t>
+            </a:r>
+            <a:r>
+              <a:rPr lang="en-US" dirty="0" smtClean="0"/>
+              <a:t>:</a:t>
             </a:r>
           </a:p>
           <a:p>
             <a:pPr lvl="2"/>
             <a:r>
               <a:rPr lang="en-US" dirty="0" smtClean="0"/>
-              <a:t>A large network of sharing data needs to be established</a:t>
-            </a:r>
-          </a:p>
-          <a:p>
-            <a:pPr lvl="3"/>
-            <a:r>
-              <a:rPr lang="en-US" dirty="0" smtClean="0"/>
-              <a:t>Ex</a:t>
-            </a:r>
+              <a:t>Increase in diagnostic accuracy</a:t>
+            </a:r>
+            <a:endParaRPr lang="en-US" dirty="0"/>
+          </a:p>
+          <a:p>
+            <a:pPr lvl="2"/>
             <a:r>
               <a:rPr lang="en-US" dirty="0"/>
-              <a:t>. The American College of Radiology Imaging Network </a:t>
-            </a:r>
-            <a:r>
-              <a:rPr lang="en-US" dirty="0" smtClean="0"/>
-              <a:t>(ACRIN)</a:t>
-            </a:r>
-            <a:r>
-              <a:rPr lang="en-US" baseline="30000" dirty="0" smtClean="0"/>
-              <a:t>11</a:t>
-            </a:r>
-            <a:r>
-              <a:rPr lang="en-US" dirty="0" smtClean="0"/>
-              <a:t>, The Cancer Imaging Archive (TCIA) </a:t>
-            </a:r>
-            <a:r>
-              <a:rPr lang="en-US" baseline="30000" dirty="0" smtClean="0"/>
-              <a:t>12</a:t>
-            </a:r>
-            <a:endParaRPr lang="en-US" baseline="30000" dirty="0"/>
+              <a:t>Discovery of new knowledge and extraction of more and better information from image examinations</a:t>
+            </a:r>
+          </a:p>
+          <a:p>
+            <a:pPr lvl="2"/>
+            <a:r>
+              <a:rPr lang="en-US" b="1" dirty="0"/>
+              <a:t>Ultimately </a:t>
+            </a:r>
+            <a:r>
+              <a:rPr lang="en-US" b="1" dirty="0" smtClean="0"/>
+              <a:t>improvement of outcomes </a:t>
+            </a:r>
+            <a:r>
+              <a:rPr lang="en-US" b="1" dirty="0"/>
+              <a:t>for </a:t>
+            </a:r>
+            <a:r>
+              <a:rPr lang="en-US" b="1" dirty="0" smtClean="0"/>
+              <a:t>patients</a:t>
+            </a:r>
           </a:p>
           <a:p>
             <a:pPr lvl="1"/>
             <a:r>
               <a:rPr lang="en-US" dirty="0" smtClean="0"/>
-              <a:t>Reference </a:t>
-            </a:r>
-            <a:r>
-              <a:rPr lang="en-US" dirty="0"/>
-              <a:t>database for training </a:t>
-            </a:r>
-            <a:r>
-              <a:rPr lang="en-US" dirty="0" smtClean="0"/>
-              <a:t>and testing</a:t>
+              <a:t>For radiologists and institutions</a:t>
             </a:r>
           </a:p>
           <a:p>
             <a:pPr lvl="2"/>
             <a:r>
               <a:rPr lang="en-US" dirty="0" smtClean="0"/>
-              <a:t>A public reference database </a:t>
-            </a:r>
-            <a:r>
-              <a:rPr lang="en-US" dirty="0"/>
-              <a:t>similar to the “ImageNet” </a:t>
-            </a:r>
-            <a:r>
-              <a:rPr lang="en-US" dirty="0" smtClean="0"/>
-              <a:t>of images would be valuable </a:t>
-            </a:r>
-            <a:r>
-              <a:rPr lang="en-US" dirty="0"/>
-              <a:t>for machine learning </a:t>
-            </a:r>
-            <a:r>
-              <a:rPr lang="en-US" dirty="0" smtClean="0"/>
-              <a:t>researches.</a:t>
-            </a:r>
-          </a:p>
-          <a:p>
-            <a:pPr lvl="1"/>
-            <a:r>
-              <a:rPr lang="en-US" dirty="0" smtClean="0"/>
-              <a:t>Standardization of imaging protocol</a:t>
+              <a:t>Establishment of more efficient work processes</a:t>
             </a:r>
           </a:p>
           <a:p>
             <a:pPr lvl="2"/>
             <a:r>
               <a:rPr lang="en-US" dirty="0" smtClean="0"/>
-              <a:t>Medical image qualities are prone to the variable imaging protocols and the execution of such, which can be an impediment to machine learning research.</a:t>
+              <a:t>Improvement of job satisfaction for radiologists </a:t>
             </a:r>
           </a:p>
         </p:txBody>
@@ -4729,7 +4710,7 @@
     </p:spTree>
     <p:extLst>
       <p:ext uri="{BB962C8B-B14F-4D97-AF65-F5344CB8AC3E}">
-        <p14:creationId xmlns:p14="http://schemas.microsoft.com/office/powerpoint/2010/main" val="1155398026"/>
+        <p14:creationId xmlns:p14="http://schemas.microsoft.com/office/powerpoint/2010/main" val="2958174145"/>
       </p:ext>
     </p:extLst>
   </p:cSld>
@@ -4810,33 +4791,116 @@
         </p:spPr>
         <p:txBody>
           <a:bodyPr>
-            <a:normAutofit/>
+            <a:normAutofit lnSpcReduction="10000"/>
           </a:bodyPr>
           <a:lstStyle/>
           <a:p>
             <a:r>
               <a:rPr lang="en-US" dirty="0" smtClean="0"/>
-              <a:t>Challenges</a:t>
+              <a:t>Opportunities and needs</a:t>
+            </a:r>
+            <a:endParaRPr lang="en-US" dirty="0" smtClean="0"/>
+          </a:p>
+          <a:p>
+            <a:pPr lvl="1"/>
+            <a:r>
+              <a:rPr lang="en-US" dirty="0" smtClean="0"/>
+              <a:t>Image sharing networks</a:t>
+            </a:r>
+          </a:p>
+          <a:p>
+            <a:pPr lvl="2"/>
+            <a:r>
+              <a:rPr lang="en-US" dirty="0" smtClean="0"/>
+              <a:t>A large network of sharing data needs to be established</a:t>
+            </a:r>
+          </a:p>
+          <a:p>
+            <a:pPr lvl="3"/>
+            <a:r>
+              <a:rPr lang="en-US" dirty="0" smtClean="0"/>
+              <a:t>Ex</a:t>
             </a:r>
             <a:r>
               <a:rPr lang="en-US" dirty="0"/>
-              <a:t> </a:t>
-            </a:r>
-            <a:r>
-              <a:rPr lang="en-US" dirty="0" smtClean="0"/>
-              <a:t>and concerns</a:t>
-            </a:r>
+              <a:t>. The American College of Radiology Imaging Network </a:t>
+            </a:r>
+            <a:r>
+              <a:rPr lang="en-US" dirty="0" smtClean="0"/>
+              <a:t>(ACRIN)</a:t>
+            </a:r>
+            <a:r>
+              <a:rPr lang="en-US" baseline="30000" dirty="0" smtClean="0"/>
+              <a:t>11</a:t>
+            </a:r>
+            <a:r>
+              <a:rPr lang="en-US" dirty="0" smtClean="0"/>
+              <a:t>, The Cancer Imaging Archive (TCIA) </a:t>
+            </a:r>
+            <a:r>
+              <a:rPr lang="en-US" baseline="30000" dirty="0" smtClean="0"/>
+              <a:t>12</a:t>
+            </a:r>
+            <a:endParaRPr lang="en-US" baseline="30000" dirty="0"/>
           </a:p>
           <a:p>
             <a:pPr lvl="1"/>
-            <a:endParaRPr lang="en-US" dirty="0" smtClean="0"/>
+            <a:r>
+              <a:rPr lang="en-US" dirty="0" smtClean="0"/>
+              <a:t>Reference </a:t>
+            </a:r>
+            <a:r>
+              <a:rPr lang="en-US" dirty="0"/>
+              <a:t>database for training </a:t>
+            </a:r>
+            <a:r>
+              <a:rPr lang="en-US" dirty="0" smtClean="0"/>
+              <a:t>and testing</a:t>
+            </a:r>
+          </a:p>
+          <a:p>
+            <a:pPr lvl="2"/>
+            <a:r>
+              <a:rPr lang="en-US" dirty="0" smtClean="0"/>
+              <a:t>A public reference database </a:t>
+            </a:r>
+            <a:r>
+              <a:rPr lang="en-US" dirty="0"/>
+              <a:t>similar to the “ImageNet” </a:t>
+            </a:r>
+            <a:r>
+              <a:rPr lang="en-US" dirty="0" smtClean="0"/>
+              <a:t>of images would be valuable </a:t>
+            </a:r>
+            <a:r>
+              <a:rPr lang="en-US" dirty="0"/>
+              <a:t>for machine learning </a:t>
+            </a:r>
+            <a:r>
+              <a:rPr lang="en-US" dirty="0" smtClean="0"/>
+              <a:t>researches.</a:t>
+            </a:r>
+          </a:p>
+          <a:p>
+            <a:pPr lvl="1"/>
+            <a:r>
+              <a:rPr lang="en-US" dirty="0" smtClean="0"/>
+              <a:t>Standardization of imaging protocol</a:t>
+            </a:r>
+          </a:p>
+          <a:p>
+            <a:pPr lvl="2"/>
+            <a:r>
+              <a:rPr lang="en-US" dirty="0" smtClean="0"/>
+              <a:t>Medical image qualities are prone to the variable imaging protocols and the execution of such, which can be an impediment to machine learning research.</a:t>
+            </a:r>
           </a:p>
         </p:txBody>
       </p:sp>
     </p:spTree>
     <p:extLst>
       <p:ext uri="{BB962C8B-B14F-4D97-AF65-F5344CB8AC3E}">
-        <p14:creationId xmlns:p14="http://schemas.microsoft.com/office/powerpoint/2010/main" val="3982118268"/>
+        <p14:creationId xmlns:p14="http://schemas.microsoft.com/office/powerpoint/2010/main" val="1155398026"/>
       </p:ext>
     </p:extLst>
   </p:cSld>
@@ -4882,19 +4946,20 @@
         </p:nvSpPr>
         <p:spPr>
           <a:xfrm>
-            <a:off x="457200" y="152400"/>
+            <a:off x="457200" y="76200"/>
             <a:ext cx="8229600" cy="1143000"/>
           </a:xfrm>
         </p:spPr>
         <p:txBody>
-          <a:bodyPr/>
-          <a:lstStyle/>
-          <a:p>
-            <a:r>
-              <a:rPr lang="en-US" dirty="0" smtClean="0"/>
-              <a:t>References</a:t>
-            </a:r>
-            <a:endParaRPr lang="en-US" dirty="0"/>
+          <a:bodyPr>
+            <a:normAutofit fontScale="90000"/>
+          </a:bodyPr>
+          <a:lstStyle/>
+          <a:p>
+            <a:r>
+              <a:rPr lang="en-US" dirty="0"/>
+              <a:t>Machine learning in medical imaging</a:t>
+            </a:r>
           </a:p>
         </p:txBody>
       </p:sp>
@@ -4910,292 +4975,114 @@
         </p:nvSpPr>
         <p:spPr>
           <a:xfrm>
-            <a:off x="457200" y="1219200"/>
-            <a:ext cx="8229600" cy="4525963"/>
+            <a:off x="381000" y="1219200"/>
+            <a:ext cx="8229600" cy="5486400"/>
           </a:xfrm>
         </p:spPr>
         <p:txBody>
           <a:bodyPr>
-            <a:normAutofit/>
+            <a:normAutofit lnSpcReduction="10000"/>
           </a:bodyPr>
           <a:lstStyle/>
           <a:p>
-            <a:pPr>
-              <a:buFont typeface="+mj-lt"/>
-              <a:buAutoNum type="arabicPeriod"/>
-            </a:pPr>
-            <a:r>
-              <a:rPr lang="en-CA" sz="1200" dirty="0" smtClean="0"/>
-              <a:t>Samuel AL. 1959. Some </a:t>
-            </a:r>
-            <a:r>
-              <a:rPr lang="en-CA" sz="1200" dirty="0"/>
-              <a:t>Studies in Machine Learning Using the Game of </a:t>
-            </a:r>
-            <a:r>
-              <a:rPr lang="en-CA" sz="1200" dirty="0" smtClean="0"/>
-              <a:t>Checkers</a:t>
-            </a:r>
-            <a:r>
-              <a:rPr lang="en-CA" sz="1200" dirty="0"/>
-              <a:t>.</a:t>
-            </a:r>
-            <a:r>
-              <a:rPr lang="en-CA" sz="1200" dirty="0" smtClean="0"/>
+            <a:r>
+              <a:rPr lang="en-US" dirty="0" smtClean="0"/>
+              <a:t>Challenges</a:t>
+            </a:r>
+            <a:r>
+              <a:rPr lang="en-US" dirty="0"/>
               <a:t> </a:t>
             </a:r>
             <a:r>
-              <a:rPr lang="en-CA" sz="1200" dirty="0"/>
-              <a:t>IBM Journal of Research and </a:t>
-            </a:r>
-            <a:r>
-              <a:rPr lang="en-CA" sz="1200" dirty="0" smtClean="0"/>
-              <a:t>Development. 3(3): 210.</a:t>
-            </a:r>
-          </a:p>
-          <a:p>
-            <a:pPr>
-              <a:buFont typeface="+mj-lt"/>
-              <a:buAutoNum type="arabicPeriod"/>
-            </a:pPr>
-            <a:r>
-              <a:rPr lang="en-CA" sz="1200" dirty="0" smtClean="0"/>
-              <a:t>Mitchell T. 1997. Machine Learning. McGraw Hill. p. 2. </a:t>
-            </a:r>
-          </a:p>
-          <a:p>
-            <a:pPr>
-              <a:buFont typeface="+mj-lt"/>
-              <a:buAutoNum type="arabicPeriod"/>
-            </a:pPr>
-            <a:r>
-              <a:rPr lang="en-US" sz="1200" dirty="0" smtClean="0"/>
-              <a:t>Turing </a:t>
-            </a:r>
-            <a:r>
-              <a:rPr lang="en-US" sz="1200" dirty="0"/>
-              <a:t>AM. 1950. Computing Machinery and Intelligence. Mind. 59(236): 446-447</a:t>
-            </a:r>
-            <a:r>
-              <a:rPr lang="en-US" sz="1200" dirty="0" smtClean="0"/>
-              <a:t>.</a:t>
-            </a:r>
-          </a:p>
-          <a:p>
-            <a:pPr>
-              <a:buFont typeface="+mj-lt"/>
-              <a:buAutoNum type="arabicPeriod"/>
-            </a:pPr>
-            <a:r>
-              <a:rPr lang="en-US" sz="1200" dirty="0" smtClean="0"/>
-              <a:t>McCarthy J,  Feigenbaum E.  Arthur </a:t>
-            </a:r>
-            <a:r>
-              <a:rPr lang="en-US" sz="1200" dirty="0"/>
-              <a:t>Samuel: Pioneer in Machine </a:t>
-            </a:r>
-            <a:r>
-              <a:rPr lang="en-US" sz="1200" dirty="0" smtClean="0"/>
-              <a:t>Learning. </a:t>
-            </a:r>
-            <a:r>
-              <a:rPr lang="en-US" sz="1200" dirty="0"/>
-              <a:t>AI </a:t>
-            </a:r>
-            <a:r>
-              <a:rPr lang="en-US" sz="1200" dirty="0" smtClean="0"/>
-              <a:t>Magazine. 11(3): 10</a:t>
-            </a:r>
-            <a:r>
-              <a:rPr lang="en-US" sz="1200" dirty="0"/>
-              <a:t>. </a:t>
-            </a:r>
-            <a:endParaRPr lang="en-US" sz="1200" dirty="0" smtClean="0"/>
-          </a:p>
-          <a:p>
-            <a:pPr>
-              <a:buFont typeface="+mj-lt"/>
-              <a:buAutoNum type="arabicPeriod"/>
-            </a:pPr>
-            <a:r>
-              <a:rPr lang="en-US" sz="1200" dirty="0" smtClean="0"/>
-              <a:t>Rosenblatt F. 1958. The </a:t>
-            </a:r>
-            <a:r>
-              <a:rPr lang="en-US" sz="1200" dirty="0"/>
-              <a:t>perceptron: A probabilistic model for information storage and organization in the </a:t>
-            </a:r>
-            <a:r>
-              <a:rPr lang="en-US" sz="1200" dirty="0" smtClean="0"/>
-              <a:t>brain. Psychological </a:t>
-            </a:r>
-            <a:r>
-              <a:rPr lang="en-US" sz="1200" dirty="0"/>
-              <a:t>Review. 65 (6): 386–408</a:t>
-            </a:r>
-            <a:r>
-              <a:rPr lang="en-US" sz="1200" dirty="0" smtClean="0"/>
-              <a:t>.</a:t>
-            </a:r>
-          </a:p>
-          <a:p>
-            <a:pPr>
-              <a:buFont typeface="+mj-lt"/>
-              <a:buAutoNum type="arabicPeriod"/>
-            </a:pPr>
-            <a:r>
-              <a:rPr lang="en-US" sz="1200" dirty="0" smtClean="0"/>
-              <a:t>Rumelhart D, Hinton G, Williams R. 1986. Learning </a:t>
-            </a:r>
-            <a:r>
-              <a:rPr lang="en-US" sz="1200" dirty="0"/>
-              <a:t>representations by back-propagating </a:t>
-            </a:r>
-            <a:r>
-              <a:rPr lang="en-US" sz="1200" dirty="0" smtClean="0"/>
-              <a:t>errors. </a:t>
-            </a:r>
-            <a:r>
-              <a:rPr lang="en-US" sz="1200" dirty="0"/>
-              <a:t>Nature. 323: 533–536</a:t>
-            </a:r>
-            <a:r>
-              <a:rPr lang="en-US" sz="1200" dirty="0" smtClean="0"/>
-              <a:t>.</a:t>
-            </a:r>
-          </a:p>
-          <a:p>
-            <a:pPr>
-              <a:buFont typeface="+mj-lt"/>
-              <a:buAutoNum type="arabicPeriod"/>
-            </a:pPr>
-            <a:r>
-              <a:rPr lang="en-US" sz="1200" dirty="0" smtClean="0"/>
-              <a:t>Cortes</a:t>
-            </a:r>
-            <a:r>
-              <a:rPr lang="en-US" sz="1200" dirty="0"/>
-              <a:t>, </a:t>
-            </a:r>
-            <a:r>
-              <a:rPr lang="en-US" sz="1200" dirty="0" smtClean="0"/>
-              <a:t>C </a:t>
-            </a:r>
-            <a:r>
-              <a:rPr lang="en-US" sz="1200" dirty="0"/>
-              <a:t>Vapnik, </a:t>
-            </a:r>
-            <a:r>
-              <a:rPr lang="en-US" sz="1200" dirty="0" smtClean="0"/>
-              <a:t>V. 1995.</a:t>
-            </a:r>
-            <a:r>
-              <a:rPr lang="en-US" sz="1200" dirty="0"/>
-              <a:t> </a:t>
-            </a:r>
-            <a:r>
-              <a:rPr lang="en-US" sz="1200" dirty="0" smtClean="0"/>
-              <a:t>Support-vector networks. Machine </a:t>
-            </a:r>
-            <a:r>
-              <a:rPr lang="en-US" sz="1200" dirty="0"/>
-              <a:t>Learning. Kluwer Academic Publishers. 20 (3): 273–297</a:t>
-            </a:r>
-            <a:r>
-              <a:rPr lang="en-US" sz="1200" dirty="0" smtClean="0"/>
-              <a:t>.</a:t>
-            </a:r>
-          </a:p>
-          <a:p>
-            <a:pPr>
-              <a:buFont typeface="+mj-lt"/>
-              <a:buAutoNum type="arabicPeriod"/>
-            </a:pPr>
-            <a:r>
-              <a:rPr lang="en-US" sz="1200" dirty="0" smtClean="0"/>
-              <a:t> LeCun, Yann; Léon Bottou; Yoshua Bengio; Patrick Haffner. 1998. Gradient-based learning applied to document recognition. Proceedings of the IEEE. 86 (11): 2278–2324.</a:t>
-            </a:r>
-          </a:p>
-          <a:p>
-            <a:pPr>
-              <a:buFont typeface="+mj-lt"/>
-              <a:buAutoNum type="arabicPeriod"/>
-            </a:pPr>
-            <a:r>
-              <a:rPr lang="en-US" sz="1200" dirty="0" smtClean="0"/>
-              <a:t>Krizhevsky A, Sutskever I, Hinton </a:t>
-            </a:r>
-            <a:r>
-              <a:rPr lang="en-US" sz="1200" dirty="0"/>
-              <a:t>G. </a:t>
-            </a:r>
-            <a:r>
-              <a:rPr lang="en-US" sz="1200" dirty="0" smtClean="0"/>
-              <a:t>2012. ImageNet classification </a:t>
-            </a:r>
-            <a:r>
-              <a:rPr lang="en-US" sz="1200" dirty="0"/>
-              <a:t>with </a:t>
-            </a:r>
-            <a:r>
-              <a:rPr lang="en-US" sz="1200" dirty="0" smtClean="0"/>
-              <a:t>deep </a:t>
-            </a:r>
-            <a:r>
-              <a:rPr lang="en-US" sz="1200" dirty="0"/>
-              <a:t>c</a:t>
-            </a:r>
-            <a:r>
-              <a:rPr lang="en-US" sz="1200" dirty="0" smtClean="0"/>
-              <a:t>onvolutional neural networks. </a:t>
-            </a:r>
-            <a:r>
-              <a:rPr lang="en-US" sz="1200" dirty="0"/>
-              <a:t>Proceedings of the </a:t>
-            </a:r>
-            <a:r>
-              <a:rPr lang="en-US" sz="1200" dirty="0" smtClean="0"/>
-              <a:t>NIPS. 1: 1097–1105.</a:t>
-            </a:r>
-          </a:p>
-          <a:p>
-            <a:pPr>
-              <a:buFont typeface="+mj-lt"/>
-              <a:buAutoNum type="arabicPeriod"/>
-            </a:pPr>
-            <a:r>
-              <a:rPr lang="en-US" sz="1200" dirty="0" smtClean="0"/>
-              <a:t>Thrall JH et, et al. 2017. Artificial Intelligence and machine learning in radiology: opportunities, challenges, pitfalls, and criteria for success. Journal of the American College of Radiology. 15: 504-508.</a:t>
-            </a:r>
-            <a:endParaRPr lang="en-US" sz="1200" dirty="0"/>
-          </a:p>
-          <a:p>
-            <a:pPr>
-              <a:buFont typeface="+mj-lt"/>
-              <a:buAutoNum type="arabicPeriod"/>
-            </a:pPr>
-            <a:r>
-              <a:rPr lang="en-US" sz="1200" dirty="0" smtClean="0"/>
-              <a:t>Hillman BJ.  2002. The American College of Radiology Imaging Network and the mission of radiologists. Radiology. 223(3): 602.</a:t>
-            </a:r>
-          </a:p>
-          <a:p>
-            <a:pPr>
-              <a:buFont typeface="+mj-lt"/>
-              <a:buAutoNum type="arabicPeriod"/>
-            </a:pPr>
-            <a:r>
-              <a:rPr lang="en-US" sz="1200" dirty="0" smtClean="0"/>
-              <a:t>Clark K, et al. 2016. The Cancer Imaging Archive (TCIA): maintaining and operating a public information repository . Journal of  Digital Imaging. 26: 1045-1057.</a:t>
-            </a:r>
-            <a:endParaRPr lang="en-US" sz="1200" dirty="0"/>
+              <a:rPr lang="en-US" dirty="0" smtClean="0"/>
+              <a:t>and </a:t>
+            </a:r>
+            <a:r>
+              <a:rPr lang="en-US" dirty="0" smtClean="0"/>
+              <a:t>concerns</a:t>
+            </a:r>
+          </a:p>
+          <a:p>
+            <a:pPr lvl="1"/>
+            <a:r>
+              <a:rPr lang="en-US" dirty="0" smtClean="0"/>
+              <a:t>Failure to assemble a dataset with sufficient amount of images</a:t>
+            </a:r>
+          </a:p>
+          <a:p>
+            <a:pPr lvl="1"/>
+            <a:r>
+              <a:rPr lang="en-US" dirty="0"/>
+              <a:t>Intrinsic challenges:</a:t>
+            </a:r>
+          </a:p>
+          <a:p>
+            <a:pPr lvl="2"/>
+            <a:r>
+              <a:rPr lang="en-US" dirty="0"/>
+              <a:t>How to establish the ground </a:t>
+            </a:r>
+            <a:r>
+              <a:rPr lang="en-US" dirty="0" smtClean="0"/>
+              <a:t>truth?</a:t>
+            </a:r>
+          </a:p>
+          <a:p>
+            <a:pPr lvl="3"/>
+            <a:r>
+              <a:rPr lang="en-US" dirty="0" smtClean="0"/>
+              <a:t>Definition of “normal” vs “abnormal”	</a:t>
+            </a:r>
+            <a:endParaRPr lang="en-US" dirty="0"/>
+          </a:p>
+          <a:p>
+            <a:pPr lvl="2"/>
+            <a:r>
+              <a:rPr lang="en-US" dirty="0"/>
+              <a:t>Tolerance of algorithms towards different patient populations and different imaging protocols.</a:t>
+            </a:r>
+          </a:p>
+          <a:p>
+            <a:pPr lvl="3"/>
+            <a:r>
+              <a:rPr lang="en-US" dirty="0"/>
+              <a:t>Adult vs Children</a:t>
+            </a:r>
+          </a:p>
+          <a:p>
+            <a:pPr lvl="3"/>
+            <a:r>
+              <a:rPr lang="en-US" dirty="0"/>
+              <a:t>Different ethnicity groups</a:t>
+            </a:r>
+          </a:p>
+          <a:p>
+            <a:pPr lvl="1"/>
+            <a:r>
+              <a:rPr lang="en-US" dirty="0" smtClean="0"/>
+              <a:t>Liability and legal issues</a:t>
+            </a:r>
+          </a:p>
+          <a:p>
+            <a:pPr lvl="2"/>
+            <a:r>
+              <a:rPr lang="en-US" dirty="0" smtClean="0"/>
+              <a:t>Who will be responsible?</a:t>
+            </a:r>
+          </a:p>
+          <a:p>
+            <a:pPr lvl="2"/>
+            <a:r>
+              <a:rPr lang="en-US" dirty="0" smtClean="0"/>
+              <a:t>How to validate AI programs?</a:t>
+            </a:r>
           </a:p>
         </p:txBody>
       </p:sp>
     </p:spTree>
     <p:extLst>
       <p:ext uri="{BB962C8B-B14F-4D97-AF65-F5344CB8AC3E}">
-        <p14:creationId xmlns:p14="http://schemas.microsoft.com/office/powerpoint/2010/main" val="883200008"/>
+        <p14:creationId xmlns:p14="http://schemas.microsoft.com/office/powerpoint/2010/main" val="3982118268"/>
       </p:ext>
     </p:extLst>
   </p:cSld>
@@ -5306,6 +5193,1170 @@
     <p:extLst>
       <p:ext uri="{BB962C8B-B14F-4D97-AF65-F5344CB8AC3E}">
         <p14:creationId xmlns:p14="http://schemas.microsoft.com/office/powerpoint/2010/main" val="167755794"/>
+      </p:ext>
+    </p:extLst>
+  </p:cSld>
+  <p:clrMapOvr>
+    <a:masterClrMapping/>
+  </p:clrMapOvr>
+  <p:timing>
+    <p:tnLst>
+      <p:par>
+        <p:cTn id="1" dur="indefinite" restart="never" nodeType="tmRoot"/>
+      </p:par>
+    </p:tnLst>
+  </p:timing>
+</p:sld>
+</file>
+
+<file path=ppt/slides/slide20.xml><?xml version="1.0" encoding="utf-8"?>
+<p:sld xmlns:a="http://schemas.openxmlformats.org/drawingml/2006/main" xmlns:r="http://schemas.openxmlformats.org/officeDocument/2006/relationships" xmlns:p="http://schemas.openxmlformats.org/presentationml/2006/main">
+  <p:cSld>
+    <p:spTree>
+      <p:nvGrpSpPr>
+        <p:cNvPr id="1" name=""/>
+        <p:cNvGrpSpPr/>
+        <p:nvPr/>
+      </p:nvGrpSpPr>
+      <p:grpSpPr>
+        <a:xfrm>
+          <a:off x="0" y="0"/>
+          <a:ext cx="0" cy="0"/>
+          <a:chOff x="0" y="0"/>
+          <a:chExt cx="0" cy="0"/>
+        </a:xfrm>
+      </p:grpSpPr>
+      <p:sp>
+        <p:nvSpPr>
+          <p:cNvPr id="2" name="Title 1"/>
+          <p:cNvSpPr>
+            <a:spLocks noGrp="1"/>
+          </p:cNvSpPr>
+          <p:nvPr>
+            <p:ph type="title"/>
+          </p:nvPr>
+        </p:nvSpPr>
+        <p:spPr>
+          <a:xfrm>
+            <a:off x="457200" y="76200"/>
+            <a:ext cx="8229600" cy="1143000"/>
+          </a:xfrm>
+        </p:spPr>
+        <p:txBody>
+          <a:bodyPr>
+            <a:normAutofit fontScale="90000"/>
+          </a:bodyPr>
+          <a:lstStyle/>
+          <a:p>
+            <a:r>
+              <a:rPr lang="en-US" dirty="0"/>
+              <a:t>Machine learning in medical imaging</a:t>
+            </a:r>
+          </a:p>
+        </p:txBody>
+      </p:sp>
+      <p:sp>
+        <p:nvSpPr>
+          <p:cNvPr id="3" name="Content Placeholder 2"/>
+          <p:cNvSpPr>
+            <a:spLocks noGrp="1"/>
+          </p:cNvSpPr>
+          <p:nvPr>
+            <p:ph idx="1"/>
+          </p:nvPr>
+        </p:nvSpPr>
+        <p:spPr>
+          <a:xfrm>
+            <a:off x="381000" y="1219200"/>
+            <a:ext cx="8229600" cy="5486400"/>
+          </a:xfrm>
+        </p:spPr>
+        <p:txBody>
+          <a:bodyPr>
+            <a:normAutofit/>
+          </a:bodyPr>
+          <a:lstStyle/>
+          <a:p>
+            <a:r>
+              <a:rPr lang="en-US" dirty="0" smtClean="0"/>
+              <a:t>Past and </a:t>
+            </a:r>
+            <a:r>
+              <a:rPr lang="en-US" dirty="0"/>
+              <a:t>c</a:t>
+            </a:r>
+            <a:r>
+              <a:rPr lang="en-US" dirty="0" smtClean="0"/>
+              <a:t>urrent attempts</a:t>
+            </a:r>
+          </a:p>
+          <a:p>
+            <a:pPr lvl="1"/>
+            <a:r>
+              <a:rPr lang="en-US" dirty="0"/>
+              <a:t>Automatic segmentation</a:t>
+            </a:r>
+            <a:r>
+              <a:rPr lang="en-US" baseline="30000" dirty="0"/>
+              <a:t>14</a:t>
+            </a:r>
+          </a:p>
+          <a:p>
+            <a:pPr lvl="2"/>
+            <a:r>
+              <a:rPr lang="en-US" dirty="0"/>
+              <a:t>To isolate and analyze organs or pathologic </a:t>
+            </a:r>
+            <a:r>
+              <a:rPr lang="en-US" dirty="0" smtClean="0"/>
+              <a:t>lesions</a:t>
+            </a:r>
+            <a:endParaRPr lang="en-US" dirty="0" smtClean="0"/>
+          </a:p>
+          <a:p>
+            <a:pPr lvl="1"/>
+            <a:r>
+              <a:rPr lang="en-US" dirty="0"/>
+              <a:t>Radiomics</a:t>
+            </a:r>
+            <a:r>
+              <a:rPr lang="en-US" baseline="30000" dirty="0"/>
+              <a:t>13</a:t>
+            </a:r>
+          </a:p>
+          <a:p>
+            <a:pPr lvl="2"/>
+            <a:r>
+              <a:rPr lang="en-US" dirty="0"/>
+              <a:t>Correlation between imaging appearance and the genomics of the disease</a:t>
+            </a:r>
+          </a:p>
+          <a:p>
+            <a:pPr lvl="1"/>
+            <a:r>
+              <a:rPr lang="en-US" dirty="0" smtClean="0"/>
+              <a:t>Computer aided diagnosis system (CAD)</a:t>
+            </a:r>
+            <a:r>
+              <a:rPr lang="en-US" baseline="30000" dirty="0" smtClean="0"/>
+              <a:t>14</a:t>
+            </a:r>
+          </a:p>
+          <a:p>
+            <a:pPr lvl="2"/>
+            <a:r>
+              <a:rPr lang="en-US" dirty="0" smtClean="0"/>
+              <a:t>Combines feature-based data extraction and rule-based inference to give differential diagnosis</a:t>
+            </a:r>
+          </a:p>
+          <a:p>
+            <a:pPr lvl="2"/>
+            <a:r>
+              <a:rPr lang="en-US" dirty="0" smtClean="0"/>
+              <a:t>However, generated many false positives.</a:t>
+            </a:r>
+            <a:endParaRPr lang="en-US" dirty="0" smtClean="0"/>
+          </a:p>
+        </p:txBody>
+      </p:sp>
+    </p:spTree>
+    <p:extLst>
+      <p:ext uri="{BB962C8B-B14F-4D97-AF65-F5344CB8AC3E}">
+        <p14:creationId xmlns:p14="http://schemas.microsoft.com/office/powerpoint/2010/main" val="2360480472"/>
+      </p:ext>
+    </p:extLst>
+  </p:cSld>
+  <p:clrMapOvr>
+    <a:masterClrMapping/>
+  </p:clrMapOvr>
+  <p:timing>
+    <p:tnLst>
+      <p:par>
+        <p:cTn id="1" dur="indefinite" restart="never" nodeType="tmRoot"/>
+      </p:par>
+    </p:tnLst>
+  </p:timing>
+</p:sld>
+</file>
+
+<file path=ppt/slides/slide21.xml><?xml version="1.0" encoding="utf-8"?>
+<p:sld xmlns:a="http://schemas.openxmlformats.org/drawingml/2006/main" xmlns:r="http://schemas.openxmlformats.org/officeDocument/2006/relationships" xmlns:p="http://schemas.openxmlformats.org/presentationml/2006/main">
+  <p:cSld>
+    <p:spTree>
+      <p:nvGrpSpPr>
+        <p:cNvPr id="1" name=""/>
+        <p:cNvGrpSpPr/>
+        <p:nvPr/>
+      </p:nvGrpSpPr>
+      <p:grpSpPr>
+        <a:xfrm>
+          <a:off x="0" y="0"/>
+          <a:ext cx="0" cy="0"/>
+          <a:chOff x="0" y="0"/>
+          <a:chExt cx="0" cy="0"/>
+        </a:xfrm>
+      </p:grpSpPr>
+      <p:sp>
+        <p:nvSpPr>
+          <p:cNvPr id="2" name="Title 1"/>
+          <p:cNvSpPr>
+            <a:spLocks noGrp="1"/>
+          </p:cNvSpPr>
+          <p:nvPr>
+            <p:ph type="title"/>
+          </p:nvPr>
+        </p:nvSpPr>
+        <p:spPr>
+          <a:xfrm>
+            <a:off x="457200" y="76200"/>
+            <a:ext cx="8229600" cy="1143000"/>
+          </a:xfrm>
+        </p:spPr>
+        <p:txBody>
+          <a:bodyPr>
+            <a:normAutofit fontScale="90000"/>
+          </a:bodyPr>
+          <a:lstStyle/>
+          <a:p>
+            <a:r>
+              <a:rPr lang="en-US" dirty="0"/>
+              <a:t>Machine learning in medical imaging</a:t>
+            </a:r>
+          </a:p>
+        </p:txBody>
+      </p:sp>
+      <p:sp>
+        <p:nvSpPr>
+          <p:cNvPr id="3" name="Content Placeholder 2"/>
+          <p:cNvSpPr>
+            <a:spLocks noGrp="1"/>
+          </p:cNvSpPr>
+          <p:nvPr>
+            <p:ph idx="1"/>
+          </p:nvPr>
+        </p:nvSpPr>
+        <p:spPr>
+          <a:xfrm>
+            <a:off x="381000" y="1219200"/>
+            <a:ext cx="8229600" cy="5486400"/>
+          </a:xfrm>
+        </p:spPr>
+        <p:txBody>
+          <a:bodyPr>
+            <a:normAutofit lnSpcReduction="10000"/>
+          </a:bodyPr>
+          <a:lstStyle/>
+          <a:p>
+            <a:r>
+              <a:rPr lang="en-US" dirty="0" smtClean="0"/>
+              <a:t>Past and </a:t>
+            </a:r>
+            <a:r>
+              <a:rPr lang="en-US" dirty="0"/>
+              <a:t>c</a:t>
+            </a:r>
+            <a:r>
+              <a:rPr lang="en-US" dirty="0" smtClean="0"/>
+              <a:t>urrent attempts</a:t>
+            </a:r>
+          </a:p>
+          <a:p>
+            <a:pPr lvl="1"/>
+            <a:r>
+              <a:rPr lang="en-US" dirty="0" smtClean="0"/>
+              <a:t>Data-driven patient similarity clinical decision support</a:t>
+            </a:r>
+            <a:r>
+              <a:rPr lang="en-US" baseline="30000" dirty="0" smtClean="0"/>
+              <a:t>15</a:t>
+            </a:r>
+            <a:endParaRPr lang="en-US" baseline="30000" dirty="0"/>
+          </a:p>
+          <a:p>
+            <a:pPr lvl="2"/>
+            <a:r>
+              <a:rPr lang="en-US" dirty="0" smtClean="0"/>
+              <a:t>Search the database for prediagnosed patients with clinical similarities and generate a statistically ranked list of diagnosis, outcomes, etc.</a:t>
+            </a:r>
+            <a:endParaRPr lang="en-US" dirty="0" smtClean="0"/>
+          </a:p>
+          <a:p>
+            <a:pPr lvl="1"/>
+            <a:r>
+              <a:rPr lang="en-US" dirty="0" smtClean="0"/>
+              <a:t>Cognitive assistants</a:t>
+            </a:r>
+            <a:r>
+              <a:rPr lang="en-US" baseline="30000" dirty="0" smtClean="0"/>
+              <a:t>16</a:t>
+            </a:r>
+          </a:p>
+          <a:p>
+            <a:pPr lvl="2"/>
+            <a:r>
+              <a:rPr lang="en-US" dirty="0" smtClean="0"/>
+              <a:t>Ex. IBM’s “Eyes of Watson”</a:t>
+            </a:r>
+          </a:p>
+          <a:p>
+            <a:pPr lvl="2"/>
+            <a:r>
+              <a:rPr lang="en-US" dirty="0" smtClean="0"/>
+              <a:t>Models a radiologist’s diagnosis process </a:t>
+            </a:r>
+          </a:p>
+          <a:p>
+            <a:pPr lvl="2"/>
+            <a:r>
+              <a:rPr lang="en-US" dirty="0" smtClean="0"/>
+              <a:t>Combines modality/mode recognition, body position recognition, anatomy segmentation, anomaly detection and disease knowledge using numerous trained deep-learning networks.</a:t>
+            </a:r>
+            <a:endParaRPr lang="en-US" dirty="0"/>
+          </a:p>
+        </p:txBody>
+      </p:sp>
+    </p:spTree>
+    <p:extLst>
+      <p:ext uri="{BB962C8B-B14F-4D97-AF65-F5344CB8AC3E}">
+        <p14:creationId xmlns:p14="http://schemas.microsoft.com/office/powerpoint/2010/main" val="2556352661"/>
+      </p:ext>
+    </p:extLst>
+  </p:cSld>
+  <p:clrMapOvr>
+    <a:masterClrMapping/>
+  </p:clrMapOvr>
+  <p:timing>
+    <p:tnLst>
+      <p:par>
+        <p:cTn id="1" dur="indefinite" restart="never" nodeType="tmRoot"/>
+      </p:par>
+    </p:tnLst>
+  </p:timing>
+</p:sld>
+</file>
+
+<file path=ppt/slides/slide22.xml><?xml version="1.0" encoding="utf-8"?>
+<p:sld xmlns:a="http://schemas.openxmlformats.org/drawingml/2006/main" xmlns:r="http://schemas.openxmlformats.org/officeDocument/2006/relationships" xmlns:p="http://schemas.openxmlformats.org/presentationml/2006/main">
+  <p:cSld>
+    <p:spTree>
+      <p:nvGrpSpPr>
+        <p:cNvPr id="1" name=""/>
+        <p:cNvGrpSpPr/>
+        <p:nvPr/>
+      </p:nvGrpSpPr>
+      <p:grpSpPr>
+        <a:xfrm>
+          <a:off x="0" y="0"/>
+          <a:ext cx="0" cy="0"/>
+          <a:chOff x="0" y="0"/>
+          <a:chExt cx="0" cy="0"/>
+        </a:xfrm>
+      </p:grpSpPr>
+      <p:sp>
+        <p:nvSpPr>
+          <p:cNvPr id="2" name="Title 1"/>
+          <p:cNvSpPr>
+            <a:spLocks noGrp="1"/>
+          </p:cNvSpPr>
+          <p:nvPr>
+            <p:ph type="title"/>
+          </p:nvPr>
+        </p:nvSpPr>
+        <p:spPr>
+          <a:xfrm>
+            <a:off x="457200" y="76200"/>
+            <a:ext cx="8229600" cy="1143000"/>
+          </a:xfrm>
+        </p:spPr>
+        <p:txBody>
+          <a:bodyPr>
+            <a:normAutofit fontScale="90000"/>
+          </a:bodyPr>
+          <a:lstStyle/>
+          <a:p>
+            <a:r>
+              <a:rPr lang="en-US" dirty="0"/>
+              <a:t>Machine learning in medical imaging</a:t>
+            </a:r>
+          </a:p>
+        </p:txBody>
+      </p:sp>
+      <p:sp>
+        <p:nvSpPr>
+          <p:cNvPr id="3" name="Content Placeholder 2"/>
+          <p:cNvSpPr>
+            <a:spLocks noGrp="1"/>
+          </p:cNvSpPr>
+          <p:nvPr>
+            <p:ph idx="1"/>
+          </p:nvPr>
+        </p:nvSpPr>
+        <p:spPr>
+          <a:xfrm>
+            <a:off x="381000" y="1143000"/>
+            <a:ext cx="8229600" cy="5486400"/>
+          </a:xfrm>
+        </p:spPr>
+        <p:txBody>
+          <a:bodyPr>
+            <a:normAutofit/>
+          </a:bodyPr>
+          <a:lstStyle/>
+          <a:p>
+            <a:r>
+              <a:rPr lang="en-US" dirty="0" smtClean="0"/>
+              <a:t>Future: will machine learning…… </a:t>
+            </a:r>
+          </a:p>
+          <a:p>
+            <a:pPr lvl="1"/>
+            <a:r>
+              <a:rPr lang="en-US" dirty="0" smtClean="0"/>
+              <a:t>Replace?</a:t>
+            </a:r>
+          </a:p>
+          <a:p>
+            <a:pPr lvl="2"/>
+            <a:r>
+              <a:rPr lang="en-US" dirty="0" smtClean="0"/>
+              <a:t>“Machine learning will </a:t>
+            </a:r>
+            <a:r>
+              <a:rPr lang="en-US" dirty="0"/>
+              <a:t>become a powerful force in the next 5-10 years </a:t>
+            </a:r>
+            <a:r>
+              <a:rPr lang="en-US" dirty="0" smtClean="0"/>
+              <a:t>and could </a:t>
+            </a:r>
+            <a:r>
+              <a:rPr lang="en-US" dirty="0"/>
+              <a:t>end radiology as a thriving specialty</a:t>
+            </a:r>
+            <a:r>
+              <a:rPr lang="en-US" dirty="0" smtClean="0"/>
+              <a:t>.” </a:t>
+            </a:r>
+            <a:r>
+              <a:rPr lang="en-US" b="1" dirty="0"/>
+              <a:t>–––– </a:t>
+            </a:r>
+            <a:r>
+              <a:rPr lang="en-US" dirty="0" smtClean="0"/>
+              <a:t>Chockley </a:t>
+            </a:r>
+            <a:r>
+              <a:rPr lang="en-US" dirty="0"/>
+              <a:t>and </a:t>
+            </a:r>
+            <a:r>
+              <a:rPr lang="en-US" dirty="0" smtClean="0"/>
+              <a:t>Emanuel, JACR</a:t>
+            </a:r>
+            <a:r>
+              <a:rPr lang="en-US" baseline="30000" dirty="0" smtClean="0"/>
+              <a:t>17</a:t>
+            </a:r>
+            <a:r>
+              <a:rPr lang="en-US" dirty="0" smtClean="0"/>
+              <a:t>.</a:t>
+            </a:r>
+          </a:p>
+          <a:p>
+            <a:pPr lvl="1"/>
+            <a:r>
+              <a:rPr lang="en-US" dirty="0" smtClean="0"/>
+              <a:t>Or benefit?</a:t>
+            </a:r>
+          </a:p>
+          <a:p>
+            <a:pPr lvl="2"/>
+            <a:r>
+              <a:rPr lang="en-US" dirty="0" smtClean="0"/>
+              <a:t>Medical images are highly heterogeneous and biology is very complex.</a:t>
+            </a:r>
+          </a:p>
+          <a:p>
+            <a:pPr lvl="2"/>
+            <a:r>
+              <a:rPr lang="en-US" dirty="0" smtClean="0"/>
+              <a:t>Radiologists will likely benefit from AI assistance programs rather than being replaced.</a:t>
+            </a:r>
+          </a:p>
+          <a:p>
+            <a:pPr lvl="1"/>
+            <a:r>
+              <a:rPr lang="en-US" dirty="0" smtClean="0"/>
+              <a:t>Regardless, the end goal is to improve patient outcome.</a:t>
+            </a:r>
+          </a:p>
+        </p:txBody>
+      </p:sp>
+    </p:spTree>
+    <p:extLst>
+      <p:ext uri="{BB962C8B-B14F-4D97-AF65-F5344CB8AC3E}">
+        <p14:creationId xmlns:p14="http://schemas.microsoft.com/office/powerpoint/2010/main" val="1025731281"/>
+      </p:ext>
+    </p:extLst>
+  </p:cSld>
+  <p:clrMapOvr>
+    <a:masterClrMapping/>
+  </p:clrMapOvr>
+  <p:timing>
+    <p:tnLst>
+      <p:par>
+        <p:cTn id="1" dur="indefinite" restart="never" nodeType="tmRoot"/>
+      </p:par>
+    </p:tnLst>
+  </p:timing>
+</p:sld>
+</file>
+
+<file path=ppt/slides/slide23.xml><?xml version="1.0" encoding="utf-8"?>
+<p:sld xmlns:a="http://schemas.openxmlformats.org/drawingml/2006/main" xmlns:r="http://schemas.openxmlformats.org/officeDocument/2006/relationships" xmlns:p="http://schemas.openxmlformats.org/presentationml/2006/main">
+  <p:cSld>
+    <p:spTree>
+      <p:nvGrpSpPr>
+        <p:cNvPr id="1" name=""/>
+        <p:cNvGrpSpPr/>
+        <p:nvPr/>
+      </p:nvGrpSpPr>
+      <p:grpSpPr>
+        <a:xfrm>
+          <a:off x="0" y="0"/>
+          <a:ext cx="0" cy="0"/>
+          <a:chOff x="0" y="0"/>
+          <a:chExt cx="0" cy="0"/>
+        </a:xfrm>
+      </p:grpSpPr>
+      <p:sp>
+        <p:nvSpPr>
+          <p:cNvPr id="2" name="Title 1"/>
+          <p:cNvSpPr>
+            <a:spLocks noGrp="1"/>
+          </p:cNvSpPr>
+          <p:nvPr>
+            <p:ph type="title"/>
+          </p:nvPr>
+        </p:nvSpPr>
+        <p:spPr>
+          <a:xfrm>
+            <a:off x="457200" y="25400"/>
+            <a:ext cx="8229600" cy="1143000"/>
+          </a:xfrm>
+        </p:spPr>
+        <p:txBody>
+          <a:bodyPr/>
+          <a:lstStyle/>
+          <a:p>
+            <a:r>
+              <a:rPr lang="en-US" dirty="0" smtClean="0"/>
+              <a:t>References</a:t>
+            </a:r>
+            <a:endParaRPr lang="en-US" dirty="0"/>
+          </a:p>
+        </p:txBody>
+      </p:sp>
+      <p:sp>
+        <p:nvSpPr>
+          <p:cNvPr id="3" name="Content Placeholder 2"/>
+          <p:cNvSpPr>
+            <a:spLocks noGrp="1"/>
+          </p:cNvSpPr>
+          <p:nvPr>
+            <p:ph idx="1"/>
+          </p:nvPr>
+        </p:nvSpPr>
+        <p:spPr>
+          <a:xfrm>
+            <a:off x="381000" y="914400"/>
+            <a:ext cx="8534400" cy="5715000"/>
+          </a:xfrm>
+        </p:spPr>
+        <p:txBody>
+          <a:bodyPr>
+            <a:normAutofit/>
+          </a:bodyPr>
+          <a:lstStyle/>
+          <a:p>
+            <a:pPr>
+              <a:buFont typeface="+mj-lt"/>
+              <a:buAutoNum type="arabicPeriod"/>
+            </a:pPr>
+            <a:r>
+              <a:rPr lang="en-CA" sz="1200" dirty="0" smtClean="0"/>
+              <a:t>Samuel AL. </a:t>
+            </a:r>
+            <a:r>
+              <a:rPr lang="en-CA" sz="1200" dirty="0"/>
+              <a:t>S</a:t>
+            </a:r>
+            <a:r>
+              <a:rPr lang="en-CA" sz="1200" dirty="0" smtClean="0"/>
+              <a:t>ome </a:t>
+            </a:r>
+            <a:r>
+              <a:rPr lang="en-CA" sz="1200" dirty="0"/>
+              <a:t>Studies in Machine Learning Using the Game of </a:t>
+            </a:r>
+            <a:r>
+              <a:rPr lang="en-CA" sz="1200" dirty="0" smtClean="0"/>
+              <a:t>Checkers</a:t>
+            </a:r>
+            <a:r>
+              <a:rPr lang="en-CA" sz="1200" dirty="0"/>
+              <a:t>.</a:t>
+            </a:r>
+            <a:r>
+              <a:rPr lang="en-CA" sz="1200" dirty="0" smtClean="0"/>
+              <a:t> </a:t>
+            </a:r>
+            <a:r>
+              <a:rPr lang="en-CA" sz="1200" dirty="0"/>
+              <a:t>IBM Journal of Research and </a:t>
+            </a:r>
+            <a:r>
+              <a:rPr lang="en-CA" sz="1200" dirty="0" smtClean="0"/>
+              <a:t>Development. </a:t>
+            </a:r>
+            <a:r>
+              <a:rPr lang="en-CA" sz="1200" dirty="0" smtClean="0"/>
+              <a:t>1959;3(3</a:t>
+            </a:r>
+            <a:r>
+              <a:rPr lang="en-CA" sz="1200" dirty="0" smtClean="0"/>
+              <a:t>): 210.</a:t>
+            </a:r>
+          </a:p>
+          <a:p>
+            <a:pPr>
+              <a:buFont typeface="+mj-lt"/>
+              <a:buAutoNum type="arabicPeriod"/>
+            </a:pPr>
+            <a:r>
+              <a:rPr lang="en-CA" sz="1200" dirty="0" smtClean="0"/>
+              <a:t>Mitchell T. </a:t>
+            </a:r>
+            <a:r>
+              <a:rPr lang="en-CA" sz="1200" dirty="0" smtClean="0"/>
+              <a:t>Machine </a:t>
+            </a:r>
+            <a:r>
+              <a:rPr lang="en-CA" sz="1200" dirty="0" smtClean="0"/>
+              <a:t>Learning. McGraw Hill. </a:t>
+            </a:r>
+            <a:r>
+              <a:rPr lang="en-CA" sz="1200" dirty="0" smtClean="0"/>
+              <a:t>1997; p</a:t>
+            </a:r>
+            <a:r>
+              <a:rPr lang="en-CA" sz="1200" dirty="0" smtClean="0"/>
+              <a:t>. 2. </a:t>
+            </a:r>
+          </a:p>
+          <a:p>
+            <a:pPr>
+              <a:buFont typeface="+mj-lt"/>
+              <a:buAutoNum type="arabicPeriod"/>
+            </a:pPr>
+            <a:r>
+              <a:rPr lang="en-US" sz="1200" dirty="0" smtClean="0"/>
+              <a:t>Turing </a:t>
+            </a:r>
+            <a:r>
+              <a:rPr lang="en-US" sz="1200" dirty="0" smtClean="0"/>
+              <a:t>AM. Computing </a:t>
+            </a:r>
+            <a:r>
+              <a:rPr lang="en-US" sz="1200" dirty="0"/>
+              <a:t>Machinery and Intelligence. Mind. </a:t>
+            </a:r>
+            <a:r>
+              <a:rPr lang="en-US" sz="1200" dirty="0" smtClean="0"/>
+              <a:t>1950;59(236): 446-447</a:t>
+            </a:r>
+            <a:r>
+              <a:rPr lang="en-US" sz="1200" dirty="0" smtClean="0"/>
+              <a:t>.</a:t>
+            </a:r>
+          </a:p>
+          <a:p>
+            <a:pPr>
+              <a:buFont typeface="+mj-lt"/>
+              <a:buAutoNum type="arabicPeriod"/>
+            </a:pPr>
+            <a:r>
+              <a:rPr lang="en-US" sz="1200" dirty="0" smtClean="0"/>
+              <a:t>McCarthy J,  Feigenbaum E.  Arthur </a:t>
+            </a:r>
+            <a:r>
+              <a:rPr lang="en-US" sz="1200" dirty="0"/>
+              <a:t>Samuel: Pioneer in Machine </a:t>
+            </a:r>
+            <a:r>
+              <a:rPr lang="en-US" sz="1200" dirty="0" smtClean="0"/>
+              <a:t>Learning. </a:t>
+            </a:r>
+            <a:r>
+              <a:rPr lang="en-US" sz="1200" dirty="0"/>
+              <a:t>AI </a:t>
+            </a:r>
+            <a:r>
+              <a:rPr lang="en-US" sz="1200" dirty="0" smtClean="0"/>
+              <a:t>Magazine. </a:t>
+            </a:r>
+            <a:r>
+              <a:rPr lang="en-US" sz="1200" dirty="0" smtClean="0"/>
+              <a:t>1990;11(3</a:t>
+            </a:r>
+            <a:r>
+              <a:rPr lang="en-US" sz="1200" dirty="0" smtClean="0"/>
+              <a:t>): 10</a:t>
+            </a:r>
+            <a:r>
+              <a:rPr lang="en-US" sz="1200" dirty="0"/>
+              <a:t>. </a:t>
+            </a:r>
+            <a:endParaRPr lang="en-US" sz="1200" dirty="0" smtClean="0"/>
+          </a:p>
+          <a:p>
+            <a:pPr>
+              <a:buFont typeface="+mj-lt"/>
+              <a:buAutoNum type="arabicPeriod"/>
+            </a:pPr>
+            <a:r>
+              <a:rPr lang="en-US" sz="1200" dirty="0" smtClean="0"/>
+              <a:t>Rosenblatt F. </a:t>
+            </a:r>
+            <a:r>
+              <a:rPr lang="en-US" sz="1200" dirty="0" smtClean="0"/>
+              <a:t>The </a:t>
+            </a:r>
+            <a:r>
+              <a:rPr lang="en-US" sz="1200" dirty="0"/>
+              <a:t>perceptron: A probabilistic model for information storage and organization in the </a:t>
+            </a:r>
+            <a:r>
+              <a:rPr lang="en-US" sz="1200" dirty="0" smtClean="0"/>
+              <a:t>brain. Psychological </a:t>
+            </a:r>
+            <a:r>
+              <a:rPr lang="en-US" sz="1200" dirty="0"/>
+              <a:t>Review. </a:t>
+            </a:r>
+            <a:r>
+              <a:rPr lang="en-US" sz="1200" dirty="0" smtClean="0"/>
+              <a:t>1958;65 </a:t>
+            </a:r>
+            <a:r>
+              <a:rPr lang="en-US" sz="1200" dirty="0"/>
+              <a:t>(6</a:t>
+            </a:r>
+            <a:r>
+              <a:rPr lang="en-US" sz="1200" dirty="0" smtClean="0"/>
+              <a:t>): 386–408</a:t>
+            </a:r>
+            <a:r>
+              <a:rPr lang="en-US" sz="1200" dirty="0" smtClean="0"/>
+              <a:t>.</a:t>
+            </a:r>
+          </a:p>
+          <a:p>
+            <a:pPr>
+              <a:buFont typeface="+mj-lt"/>
+              <a:buAutoNum type="arabicPeriod"/>
+            </a:pPr>
+            <a:r>
+              <a:rPr lang="en-US" sz="1200" dirty="0" smtClean="0"/>
+              <a:t>Rumelhart D, Hinton G, Williams </a:t>
+            </a:r>
+            <a:r>
+              <a:rPr lang="en-US" sz="1200" dirty="0" smtClean="0"/>
+              <a:t>R. Learning </a:t>
+            </a:r>
+            <a:r>
+              <a:rPr lang="en-US" sz="1200" dirty="0"/>
+              <a:t>representations by back-propagating </a:t>
+            </a:r>
+            <a:r>
+              <a:rPr lang="en-US" sz="1200" dirty="0" smtClean="0"/>
+              <a:t>errors. </a:t>
+            </a:r>
+            <a:r>
+              <a:rPr lang="en-US" sz="1200" dirty="0"/>
+              <a:t>Nature</a:t>
+            </a:r>
+            <a:r>
+              <a:rPr lang="en-US" sz="1200" dirty="0" smtClean="0"/>
+              <a:t>. 1986;323: 533–536</a:t>
+            </a:r>
+            <a:r>
+              <a:rPr lang="en-US" sz="1200" dirty="0" smtClean="0"/>
+              <a:t>.</a:t>
+            </a:r>
+          </a:p>
+          <a:p>
+            <a:pPr>
+              <a:buFont typeface="+mj-lt"/>
+              <a:buAutoNum type="arabicPeriod"/>
+            </a:pPr>
+            <a:r>
+              <a:rPr lang="en-US" sz="1200" dirty="0" smtClean="0"/>
+              <a:t>Cortes</a:t>
+            </a:r>
+            <a:r>
+              <a:rPr lang="en-US" sz="1200" dirty="0"/>
+              <a:t>, </a:t>
+            </a:r>
+            <a:r>
+              <a:rPr lang="en-US" sz="1200" dirty="0" smtClean="0"/>
+              <a:t>C </a:t>
+            </a:r>
+            <a:r>
+              <a:rPr lang="en-US" sz="1200" dirty="0"/>
+              <a:t>Vapnik, </a:t>
+            </a:r>
+            <a:r>
+              <a:rPr lang="en-US" sz="1200" dirty="0" smtClean="0"/>
+              <a:t>V</a:t>
+            </a:r>
+            <a:r>
+              <a:rPr lang="en-US" sz="1200" dirty="0" smtClean="0"/>
+              <a:t>.</a:t>
+            </a:r>
+            <a:r>
+              <a:rPr lang="en-US" sz="1200" dirty="0"/>
+              <a:t> </a:t>
+            </a:r>
+            <a:r>
+              <a:rPr lang="en-US" sz="1200" dirty="0" smtClean="0"/>
+              <a:t>Support-vector networks. Machine </a:t>
+            </a:r>
+            <a:r>
+              <a:rPr lang="en-US" sz="1200" dirty="0"/>
+              <a:t>Learning. Kluwer Academic Publishers. </a:t>
+            </a:r>
+            <a:r>
+              <a:rPr lang="en-US" sz="1200" dirty="0" smtClean="0"/>
+              <a:t>1995;20</a:t>
+            </a:r>
+            <a:r>
+              <a:rPr lang="en-US" sz="1200" dirty="0"/>
+              <a:t> (3</a:t>
+            </a:r>
+            <a:r>
+              <a:rPr lang="en-US" sz="1200" dirty="0" smtClean="0"/>
+              <a:t>): 273–297</a:t>
+            </a:r>
+            <a:r>
+              <a:rPr lang="en-US" sz="1200" dirty="0" smtClean="0"/>
+              <a:t>.</a:t>
+            </a:r>
+          </a:p>
+          <a:p>
+            <a:pPr>
+              <a:buFont typeface="+mj-lt"/>
+              <a:buAutoNum type="arabicPeriod"/>
+            </a:pPr>
+            <a:r>
+              <a:rPr lang="en-US" sz="1200" dirty="0" smtClean="0"/>
+              <a:t>LeCun</a:t>
+            </a:r>
+            <a:r>
+              <a:rPr lang="en-US" sz="1200" dirty="0" smtClean="0"/>
+              <a:t>, Yann; Léon Bottou; Yoshua Bengio; Patrick Haffner. </a:t>
+            </a:r>
+            <a:r>
+              <a:rPr lang="en-US" sz="1200" dirty="0" smtClean="0"/>
+              <a:t>Gradient-based </a:t>
+            </a:r>
+            <a:r>
+              <a:rPr lang="en-US" sz="1200" dirty="0" smtClean="0"/>
+              <a:t>learning applied to document recognition. Proceedings of the IEEE. </a:t>
+            </a:r>
+            <a:r>
+              <a:rPr lang="en-US" sz="1200" dirty="0" smtClean="0"/>
+              <a:t>1998;86 </a:t>
+            </a:r>
+            <a:r>
+              <a:rPr lang="en-US" sz="1200" dirty="0" smtClean="0"/>
+              <a:t>(11</a:t>
+            </a:r>
+            <a:r>
+              <a:rPr lang="en-US" sz="1200" dirty="0" smtClean="0"/>
+              <a:t>): 2278–2324</a:t>
+            </a:r>
+            <a:r>
+              <a:rPr lang="en-US" sz="1200" dirty="0" smtClean="0"/>
+              <a:t>.</a:t>
+            </a:r>
+          </a:p>
+          <a:p>
+            <a:pPr>
+              <a:buFont typeface="+mj-lt"/>
+              <a:buAutoNum type="arabicPeriod"/>
+            </a:pPr>
+            <a:r>
+              <a:rPr lang="en-US" sz="1200" dirty="0" smtClean="0"/>
+              <a:t>Krizhevsky A, Sutskever I, Hinton </a:t>
+            </a:r>
+            <a:r>
+              <a:rPr lang="en-US" sz="1200" dirty="0"/>
+              <a:t>G. </a:t>
+            </a:r>
+            <a:r>
+              <a:rPr lang="en-US" sz="1200" dirty="0" smtClean="0"/>
+              <a:t>ImageNet </a:t>
+            </a:r>
+            <a:r>
+              <a:rPr lang="en-US" sz="1200" dirty="0" smtClean="0"/>
+              <a:t>classification </a:t>
+            </a:r>
+            <a:r>
+              <a:rPr lang="en-US" sz="1200" dirty="0"/>
+              <a:t>with </a:t>
+            </a:r>
+            <a:r>
+              <a:rPr lang="en-US" sz="1200" dirty="0" smtClean="0"/>
+              <a:t>deep </a:t>
+            </a:r>
+            <a:r>
+              <a:rPr lang="en-US" sz="1200" dirty="0"/>
+              <a:t>c</a:t>
+            </a:r>
+            <a:r>
+              <a:rPr lang="en-US" sz="1200" dirty="0" smtClean="0"/>
+              <a:t>onvolutional neural networks. </a:t>
+            </a:r>
+            <a:r>
+              <a:rPr lang="en-US" sz="1200" dirty="0"/>
+              <a:t>Proceedings of the </a:t>
+            </a:r>
+            <a:r>
+              <a:rPr lang="en-US" sz="1200" dirty="0" smtClean="0"/>
+              <a:t>NIPS. </a:t>
+            </a:r>
+            <a:r>
+              <a:rPr lang="en-US" sz="1200" dirty="0" smtClean="0"/>
+              <a:t>2012;1</a:t>
+            </a:r>
+            <a:r>
+              <a:rPr lang="en-US" sz="1200" dirty="0" smtClean="0"/>
+              <a:t>: 1097–1105</a:t>
+            </a:r>
+            <a:r>
+              <a:rPr lang="en-US" sz="1200" dirty="0" smtClean="0"/>
+              <a:t>.</a:t>
+            </a:r>
+          </a:p>
+          <a:p>
+            <a:pPr>
+              <a:buFont typeface="+mj-lt"/>
+              <a:buAutoNum type="arabicPeriod"/>
+            </a:pPr>
+            <a:r>
+              <a:rPr lang="en-US" sz="1200" dirty="0" smtClean="0"/>
+              <a:t>Thrall JH et, et </a:t>
+            </a:r>
+            <a:r>
+              <a:rPr lang="en-US" sz="1200" dirty="0" smtClean="0"/>
+              <a:t>al. Artificial </a:t>
+            </a:r>
+            <a:r>
+              <a:rPr lang="en-US" sz="1200" dirty="0" smtClean="0"/>
+              <a:t>Intelligence and machine learning in radiology: opportunities, challenges, pitfalls, and criteria for success. </a:t>
+            </a:r>
+            <a:r>
+              <a:rPr lang="en-US" sz="1200" dirty="0"/>
+              <a:t>J Am Coll </a:t>
+            </a:r>
+            <a:r>
+              <a:rPr lang="en-US" sz="1200" dirty="0" smtClean="0"/>
+              <a:t>Radiol. 2017;15</a:t>
+            </a:r>
+            <a:r>
+              <a:rPr lang="en-US" sz="1200" dirty="0" smtClean="0"/>
+              <a:t>: 504-508</a:t>
+            </a:r>
+            <a:r>
+              <a:rPr lang="en-US" sz="1200" dirty="0" smtClean="0"/>
+              <a:t>.</a:t>
+            </a:r>
+            <a:endParaRPr lang="en-US" sz="1200" dirty="0"/>
+          </a:p>
+          <a:p>
+            <a:pPr>
+              <a:buFont typeface="+mj-lt"/>
+              <a:buAutoNum type="arabicPeriod"/>
+            </a:pPr>
+            <a:r>
+              <a:rPr lang="en-US" sz="1200" dirty="0" smtClean="0"/>
+              <a:t>Hillman BJ. </a:t>
+            </a:r>
+            <a:r>
+              <a:rPr lang="en-US" sz="1200" dirty="0" smtClean="0"/>
+              <a:t>The </a:t>
+            </a:r>
+            <a:r>
+              <a:rPr lang="en-US" sz="1200" dirty="0" smtClean="0"/>
+              <a:t>American College of Radiology Imaging Network and the mission of radiologists. Radiology. </a:t>
+            </a:r>
+            <a:r>
+              <a:rPr lang="en-US" sz="1200" dirty="0" smtClean="0"/>
+              <a:t>2002;223(3</a:t>
+            </a:r>
+            <a:r>
+              <a:rPr lang="en-US" sz="1200" dirty="0" smtClean="0"/>
+              <a:t>): 602</a:t>
+            </a:r>
+            <a:r>
+              <a:rPr lang="en-US" sz="1200" dirty="0" smtClean="0"/>
+              <a:t>.</a:t>
+            </a:r>
+          </a:p>
+          <a:p>
+            <a:pPr>
+              <a:buFont typeface="+mj-lt"/>
+              <a:buAutoNum type="arabicPeriod"/>
+            </a:pPr>
+            <a:r>
+              <a:rPr lang="en-US" sz="1200" dirty="0" smtClean="0"/>
+              <a:t>Clark K, et al. </a:t>
+            </a:r>
+            <a:r>
+              <a:rPr lang="en-US" sz="1200" dirty="0" smtClean="0"/>
+              <a:t>The </a:t>
+            </a:r>
+            <a:r>
+              <a:rPr lang="en-US" sz="1200" dirty="0" smtClean="0"/>
+              <a:t>Cancer Imaging Archive (TCIA): maintaining and operating a public information repository . Journal of  Digital Imaging. </a:t>
+            </a:r>
+            <a:r>
+              <a:rPr lang="en-US" sz="1200" dirty="0" smtClean="0"/>
+              <a:t>2016;26</a:t>
+            </a:r>
+            <a:r>
+              <a:rPr lang="en-US" sz="1200" dirty="0" smtClean="0"/>
+              <a:t>: 1045-1057.</a:t>
+            </a:r>
+          </a:p>
+          <a:p>
+            <a:pPr>
+              <a:buFont typeface="+mj-lt"/>
+              <a:buAutoNum type="arabicPeriod"/>
+            </a:pPr>
+            <a:r>
+              <a:rPr lang="en-US" sz="1200" dirty="0"/>
+              <a:t>Gillies RJ, Kinahan PE, Hricak H. Radiomics: images are more </a:t>
+            </a:r>
+            <a:r>
+              <a:rPr lang="en-US" sz="1200" dirty="0" smtClean="0"/>
+              <a:t>than pictures</a:t>
+            </a:r>
+            <a:r>
+              <a:rPr lang="en-US" sz="1200" dirty="0"/>
+              <a:t>, they are data. </a:t>
+            </a:r>
+            <a:r>
+              <a:rPr lang="en-US" sz="1200" dirty="0" smtClean="0"/>
+              <a:t>Radiology. </a:t>
+            </a:r>
+            <a:r>
+              <a:rPr lang="en-US" sz="1200" dirty="0"/>
+              <a:t>2015;278</a:t>
+            </a:r>
+            <a:r>
+              <a:rPr lang="en-US" sz="1200" dirty="0" smtClean="0"/>
+              <a:t>: 563-77.</a:t>
+            </a:r>
+          </a:p>
+          <a:p>
+            <a:pPr>
+              <a:buFont typeface="+mj-lt"/>
+              <a:buAutoNum type="arabicPeriod"/>
+            </a:pPr>
+            <a:r>
+              <a:rPr lang="en-US" sz="1200" dirty="0" smtClean="0"/>
+              <a:t>King BF. Artificial intelligence and radiology: what will the future hold</a:t>
+            </a:r>
+            <a:r>
+              <a:rPr lang="en-US" sz="1200" dirty="0"/>
+              <a:t>? J Am Coll </a:t>
+            </a:r>
+            <a:r>
+              <a:rPr lang="en-US" sz="1200" dirty="0" smtClean="0"/>
+              <a:t>Radiol. 2017;15(3): 501-503.</a:t>
+            </a:r>
+          </a:p>
+          <a:p>
+            <a:pPr>
+              <a:buFont typeface="+mj-lt"/>
+              <a:buAutoNum type="arabicPeriod"/>
+            </a:pPr>
+            <a:r>
+              <a:rPr lang="en-US" sz="1200" dirty="0" smtClean="0"/>
+              <a:t>Castellino </a:t>
+            </a:r>
+            <a:r>
+              <a:rPr lang="en-US" sz="1200" dirty="0"/>
+              <a:t>RA. Computer aided detection (CAD): an overview. </a:t>
+            </a:r>
+            <a:r>
+              <a:rPr lang="en-US" sz="1200" dirty="0" smtClean="0"/>
+              <a:t>Cancer Imaging </a:t>
+            </a:r>
+            <a:r>
+              <a:rPr lang="en-US" sz="1200" dirty="0"/>
+              <a:t>2005;5:17-9</a:t>
+            </a:r>
+            <a:r>
+              <a:rPr lang="en-US" sz="1200" dirty="0" smtClean="0"/>
+              <a:t>.</a:t>
+            </a:r>
+          </a:p>
+          <a:p>
+            <a:pPr>
+              <a:buFont typeface="+mj-lt"/>
+              <a:buAutoNum type="arabicPeriod"/>
+            </a:pPr>
+            <a:r>
+              <a:rPr lang="en-US" sz="1200" dirty="0" smtClean="0"/>
+              <a:t>Syeda-Mahmood T. Role of big data and machine learning in diagnostic decision support in radiology. </a:t>
+            </a:r>
+            <a:r>
+              <a:rPr lang="en-US" sz="1200" dirty="0"/>
+              <a:t>J Am Coll </a:t>
+            </a:r>
+            <a:r>
+              <a:rPr lang="en-US" sz="1200" dirty="0" smtClean="0"/>
+              <a:t>Radiol. 2018;15: 569-576.</a:t>
+            </a:r>
+          </a:p>
+          <a:p>
+            <a:pPr>
+              <a:buFont typeface="+mj-lt"/>
+              <a:buAutoNum type="arabicPeriod"/>
+            </a:pPr>
+            <a:r>
+              <a:rPr lang="en-US" sz="1200" dirty="0"/>
+              <a:t>Chockley K, Emanuel E. The end of radiology? Three threats to </a:t>
+            </a:r>
+            <a:r>
+              <a:rPr lang="en-US" sz="1200" dirty="0" smtClean="0"/>
+              <a:t>the future </a:t>
+            </a:r>
+            <a:r>
+              <a:rPr lang="en-US" sz="1200" dirty="0"/>
+              <a:t>practice of radiology. J Am Coll Radiol 2016;13:1415-20.</a:t>
+            </a:r>
+            <a:endParaRPr lang="en-US" sz="1200" dirty="0"/>
+          </a:p>
+        </p:txBody>
+      </p:sp>
+    </p:spTree>
+    <p:extLst>
+      <p:ext uri="{BB962C8B-B14F-4D97-AF65-F5344CB8AC3E}">
+        <p14:creationId xmlns:p14="http://schemas.microsoft.com/office/powerpoint/2010/main" val="883200008"/>
       </p:ext>
     </p:extLst>
   </p:cSld>
